--- a/src/assets/graphics/PPT/content.pptx
+++ b/src/assets/graphics/PPT/content.pptx
@@ -5,7 +5,7 @@
     <p:sldMasterId id="2147483696" r:id="rId1"/>
   </p:sldMasterIdLst>
   <p:notesMasterIdLst>
-    <p:notesMasterId r:id="rId7"/>
+    <p:notesMasterId r:id="rId9"/>
   </p:notesMasterIdLst>
   <p:sldIdLst>
     <p:sldId id="2134804997" r:id="rId2"/>
@@ -13,6 +13,8 @@
     <p:sldId id="2134804999" r:id="rId4"/>
     <p:sldId id="2134805000" r:id="rId5"/>
     <p:sldId id="2134805001" r:id="rId6"/>
+    <p:sldId id="2134805002" r:id="rId7"/>
+    <p:sldId id="2134805003" r:id="rId8"/>
   </p:sldIdLst>
   <p:sldSz cx="12252325" cy="5999163"/>
   <p:notesSz cx="6858000" cy="9144000"/>
@@ -996,7 +998,7 @@
           <a:p>
             <a:fld id="{ADE0D168-4429-4263-9955-643F75F7DA53}" type="datetimeFigureOut">
               <a:rPr lang="en-US" smtClean="0"/>
-              <a:t>11/17/2020</a:t>
+              <a:t>12/2/2020</a:t>
             </a:fld>
             <a:endParaRPr lang="en-US"/>
           </a:p>
@@ -1974,6 +1976,294 @@
     <p:extLst>
       <p:ext uri="{BB962C8B-B14F-4D97-AF65-F5344CB8AC3E}">
         <p14:creationId xmlns:p14="http://schemas.microsoft.com/office/powerpoint/2010/main" val="509462355"/>
+      </p:ext>
+    </p:extLst>
+  </p:cSld>
+  <p:clrMapOvr>
+    <a:masterClrMapping/>
+  </p:clrMapOvr>
+</p:notes>
+</file>
+
+<file path=ppt/notesSlides/notesSlide6.xml><?xml version="1.0" encoding="utf-8"?>
+<p:notes xmlns:a="http://schemas.openxmlformats.org/drawingml/2006/main" xmlns:r="http://schemas.openxmlformats.org/officeDocument/2006/relationships" xmlns:p="http://schemas.openxmlformats.org/presentationml/2006/main">
+  <p:cSld>
+    <p:spTree>
+      <p:nvGrpSpPr>
+        <p:cNvPr id="1" name=""/>
+        <p:cNvGrpSpPr/>
+        <p:nvPr/>
+      </p:nvGrpSpPr>
+      <p:grpSpPr>
+        <a:xfrm>
+          <a:off x="0" y="0"/>
+          <a:ext cx="0" cy="0"/>
+          <a:chOff x="0" y="0"/>
+          <a:chExt cx="0" cy="0"/>
+        </a:xfrm>
+      </p:grpSpPr>
+      <p:sp>
+        <p:nvSpPr>
+          <p:cNvPr id="2" name="Slide Image Placeholder 1"/>
+          <p:cNvSpPr>
+            <a:spLocks noGrp="1" noRot="1" noChangeAspect="1"/>
+          </p:cNvSpPr>
+          <p:nvPr>
+            <p:ph type="sldImg"/>
+          </p:nvPr>
+        </p:nvSpPr>
+        <p:spPr/>
+      </p:sp>
+      <p:sp>
+        <p:nvSpPr>
+          <p:cNvPr id="3" name="Notes Placeholder 2"/>
+          <p:cNvSpPr>
+            <a:spLocks noGrp="1"/>
+          </p:cNvSpPr>
+          <p:nvPr>
+            <p:ph type="body" idx="1"/>
+          </p:nvPr>
+        </p:nvSpPr>
+        <p:spPr/>
+        <p:txBody>
+          <a:bodyPr/>
+          <a:lstStyle/>
+          <a:p>
+            <a:endParaRPr lang="en-US"/>
+          </a:p>
+        </p:txBody>
+      </p:sp>
+      <p:sp>
+        <p:nvSpPr>
+          <p:cNvPr id="4" name="Slide Number Placeholder 3"/>
+          <p:cNvSpPr>
+            <a:spLocks noGrp="1"/>
+          </p:cNvSpPr>
+          <p:nvPr>
+            <p:ph type="sldNum" sz="quarter" idx="5"/>
+          </p:nvPr>
+        </p:nvSpPr>
+        <p:spPr/>
+        <p:txBody>
+          <a:bodyPr/>
+          <a:lstStyle/>
+          <a:p>
+            <a:pPr marL="0" marR="0" lvl="0" indent="0" algn="r" defTabSz="914400" rtl="0" eaLnBrk="1" fontAlgn="auto" latinLnBrk="0" hangingPunct="1">
+              <a:lnSpc>
+                <a:spcPct val="100000"/>
+              </a:lnSpc>
+              <a:spcBef>
+                <a:spcPts val="0"/>
+              </a:spcBef>
+              <a:spcAft>
+                <a:spcPts val="0"/>
+              </a:spcAft>
+              <a:buClrTx/>
+              <a:buSzTx/>
+              <a:buFontTx/>
+              <a:buNone/>
+              <a:tabLst/>
+              <a:defRPr/>
+            </a:pPr>
+            <a:fld id="{06206E34-2AFF-4543-9429-368FDE16B24E}" type="slidenum">
+              <a:rPr kumimoji="0" lang="en-US" sz="1200" b="0" i="0" u="none" strike="noStrike" kern="1200" cap="none" spc="0" normalizeH="0" baseline="0" noProof="0" smtClean="0">
+                <a:ln>
+                  <a:noFill/>
+                </a:ln>
+                <a:solidFill>
+                  <a:prstClr val="black"/>
+                </a:solidFill>
+                <a:effectLst/>
+                <a:uLnTx/>
+                <a:uFillTx/>
+                <a:latin typeface="Calibri" panose="020F0502020204030204"/>
+                <a:ea typeface="+mn-ea"/>
+                <a:cs typeface="+mn-cs"/>
+              </a:rPr>
+              <a:pPr marL="0" marR="0" lvl="0" indent="0" algn="r" defTabSz="914400" rtl="0" eaLnBrk="1" fontAlgn="auto" latinLnBrk="0" hangingPunct="1">
+                <a:lnSpc>
+                  <a:spcPct val="100000"/>
+                </a:lnSpc>
+                <a:spcBef>
+                  <a:spcPts val="0"/>
+                </a:spcBef>
+                <a:spcAft>
+                  <a:spcPts val="0"/>
+                </a:spcAft>
+                <a:buClrTx/>
+                <a:buSzTx/>
+                <a:buFontTx/>
+                <a:buNone/>
+                <a:tabLst/>
+                <a:defRPr/>
+              </a:pPr>
+              <a:t>6</a:t>
+            </a:fld>
+            <a:endParaRPr kumimoji="0" lang="en-US" sz="1200" b="0" i="0" u="none" strike="noStrike" kern="1200" cap="none" spc="0" normalizeH="0" baseline="0" noProof="0">
+              <a:ln>
+                <a:noFill/>
+              </a:ln>
+              <a:solidFill>
+                <a:prstClr val="black"/>
+              </a:solidFill>
+              <a:effectLst/>
+              <a:uLnTx/>
+              <a:uFillTx/>
+              <a:latin typeface="Calibri" panose="020F0502020204030204"/>
+              <a:ea typeface="+mn-ea"/>
+              <a:cs typeface="+mn-cs"/>
+            </a:endParaRPr>
+          </a:p>
+        </p:txBody>
+      </p:sp>
+    </p:spTree>
+    <p:extLst>
+      <p:ext uri="{BB962C8B-B14F-4D97-AF65-F5344CB8AC3E}">
+        <p14:creationId xmlns:p14="http://schemas.microsoft.com/office/powerpoint/2010/main" val="3774270425"/>
+      </p:ext>
+    </p:extLst>
+  </p:cSld>
+  <p:clrMapOvr>
+    <a:masterClrMapping/>
+  </p:clrMapOvr>
+</p:notes>
+</file>
+
+<file path=ppt/notesSlides/notesSlide7.xml><?xml version="1.0" encoding="utf-8"?>
+<p:notes xmlns:a="http://schemas.openxmlformats.org/drawingml/2006/main" xmlns:r="http://schemas.openxmlformats.org/officeDocument/2006/relationships" xmlns:p="http://schemas.openxmlformats.org/presentationml/2006/main">
+  <p:cSld>
+    <p:spTree>
+      <p:nvGrpSpPr>
+        <p:cNvPr id="1" name=""/>
+        <p:cNvGrpSpPr/>
+        <p:nvPr/>
+      </p:nvGrpSpPr>
+      <p:grpSpPr>
+        <a:xfrm>
+          <a:off x="0" y="0"/>
+          <a:ext cx="0" cy="0"/>
+          <a:chOff x="0" y="0"/>
+          <a:chExt cx="0" cy="0"/>
+        </a:xfrm>
+      </p:grpSpPr>
+      <p:sp>
+        <p:nvSpPr>
+          <p:cNvPr id="2" name="Slide Image Placeholder 1"/>
+          <p:cNvSpPr>
+            <a:spLocks noGrp="1" noRot="1" noChangeAspect="1"/>
+          </p:cNvSpPr>
+          <p:nvPr>
+            <p:ph type="sldImg"/>
+          </p:nvPr>
+        </p:nvSpPr>
+        <p:spPr/>
+      </p:sp>
+      <p:sp>
+        <p:nvSpPr>
+          <p:cNvPr id="3" name="Notes Placeholder 2"/>
+          <p:cNvSpPr>
+            <a:spLocks noGrp="1"/>
+          </p:cNvSpPr>
+          <p:nvPr>
+            <p:ph type="body" idx="1"/>
+          </p:nvPr>
+        </p:nvSpPr>
+        <p:spPr/>
+        <p:txBody>
+          <a:bodyPr/>
+          <a:lstStyle/>
+          <a:p>
+            <a:endParaRPr lang="en-US"/>
+          </a:p>
+        </p:txBody>
+      </p:sp>
+      <p:sp>
+        <p:nvSpPr>
+          <p:cNvPr id="4" name="Slide Number Placeholder 3"/>
+          <p:cNvSpPr>
+            <a:spLocks noGrp="1"/>
+          </p:cNvSpPr>
+          <p:nvPr>
+            <p:ph type="sldNum" sz="quarter" idx="5"/>
+          </p:nvPr>
+        </p:nvSpPr>
+        <p:spPr/>
+        <p:txBody>
+          <a:bodyPr/>
+          <a:lstStyle/>
+          <a:p>
+            <a:pPr marL="0" marR="0" lvl="0" indent="0" algn="r" defTabSz="914400" rtl="0" eaLnBrk="1" fontAlgn="auto" latinLnBrk="0" hangingPunct="1">
+              <a:lnSpc>
+                <a:spcPct val="100000"/>
+              </a:lnSpc>
+              <a:spcBef>
+                <a:spcPts val="0"/>
+              </a:spcBef>
+              <a:spcAft>
+                <a:spcPts val="0"/>
+              </a:spcAft>
+              <a:buClrTx/>
+              <a:buSzTx/>
+              <a:buFontTx/>
+              <a:buNone/>
+              <a:tabLst/>
+              <a:defRPr/>
+            </a:pPr>
+            <a:fld id="{06206E34-2AFF-4543-9429-368FDE16B24E}" type="slidenum">
+              <a:rPr kumimoji="0" lang="en-US" sz="1200" b="0" i="0" u="none" strike="noStrike" kern="1200" cap="none" spc="0" normalizeH="0" baseline="0" noProof="0" smtClean="0">
+                <a:ln>
+                  <a:noFill/>
+                </a:ln>
+                <a:solidFill>
+                  <a:prstClr val="black"/>
+                </a:solidFill>
+                <a:effectLst/>
+                <a:uLnTx/>
+                <a:uFillTx/>
+                <a:latin typeface="Calibri" panose="020F0502020204030204"/>
+                <a:ea typeface="+mn-ea"/>
+                <a:cs typeface="+mn-cs"/>
+              </a:rPr>
+              <a:pPr marL="0" marR="0" lvl="0" indent="0" algn="r" defTabSz="914400" rtl="0" eaLnBrk="1" fontAlgn="auto" latinLnBrk="0" hangingPunct="1">
+                <a:lnSpc>
+                  <a:spcPct val="100000"/>
+                </a:lnSpc>
+                <a:spcBef>
+                  <a:spcPts val="0"/>
+                </a:spcBef>
+                <a:spcAft>
+                  <a:spcPts val="0"/>
+                </a:spcAft>
+                <a:buClrTx/>
+                <a:buSzTx/>
+                <a:buFontTx/>
+                <a:buNone/>
+                <a:tabLst/>
+                <a:defRPr/>
+              </a:pPr>
+              <a:t>7</a:t>
+            </a:fld>
+            <a:endParaRPr kumimoji="0" lang="en-US" sz="1200" b="0" i="0" u="none" strike="noStrike" kern="1200" cap="none" spc="0" normalizeH="0" baseline="0" noProof="0">
+              <a:ln>
+                <a:noFill/>
+              </a:ln>
+              <a:solidFill>
+                <a:prstClr val="black"/>
+              </a:solidFill>
+              <a:effectLst/>
+              <a:uLnTx/>
+              <a:uFillTx/>
+              <a:latin typeface="Calibri" panose="020F0502020204030204"/>
+              <a:ea typeface="+mn-ea"/>
+              <a:cs typeface="+mn-cs"/>
+            </a:endParaRPr>
+          </a:p>
+        </p:txBody>
+      </p:sp>
+    </p:spTree>
+    <p:extLst>
+      <p:ext uri="{BB962C8B-B14F-4D97-AF65-F5344CB8AC3E}">
+        <p14:creationId xmlns:p14="http://schemas.microsoft.com/office/powerpoint/2010/main" val="707912898"/>
       </p:ext>
     </p:extLst>
   </p:cSld>
@@ -37122,6 +37412,1312 @@
 </p:sld>
 </file>
 
+<file path=ppt/slides/slide6.xml><?xml version="1.0" encoding="utf-8"?>
+<p:sld xmlns:a="http://schemas.openxmlformats.org/drawingml/2006/main" xmlns:r="http://schemas.openxmlformats.org/officeDocument/2006/relationships" xmlns:p="http://schemas.openxmlformats.org/presentationml/2006/main">
+  <p:cSld>
+    <p:bg>
+      <p:bgPr>
+        <a:solidFill>
+          <a:schemeClr val="tx1"/>
+        </a:solidFill>
+        <a:effectLst/>
+      </p:bgPr>
+    </p:bg>
+    <p:spTree>
+      <p:nvGrpSpPr>
+        <p:cNvPr id="1" name=""/>
+        <p:cNvGrpSpPr/>
+        <p:nvPr/>
+      </p:nvGrpSpPr>
+      <p:grpSpPr>
+        <a:xfrm>
+          <a:off x="0" y="0"/>
+          <a:ext cx="0" cy="0"/>
+          <a:chOff x="0" y="0"/>
+          <a:chExt cx="0" cy="0"/>
+        </a:xfrm>
+      </p:grpSpPr>
+      <p:sp>
+        <p:nvSpPr>
+          <p:cNvPr id="4" name="Rectangle: Rounded Corners 3">
+            <a:extLst>
+              <a:ext uri="{FF2B5EF4-FFF2-40B4-BE49-F238E27FC236}">
+                <a16:creationId xmlns:a16="http://schemas.microsoft.com/office/drawing/2014/main" id="{4DAD97EB-69B6-4CCE-93D2-42439F8B6F46}"/>
+              </a:ext>
+            </a:extLst>
+          </p:cNvPr>
+          <p:cNvSpPr/>
+          <p:nvPr/>
+        </p:nvSpPr>
+        <p:spPr bwMode="auto">
+          <a:xfrm>
+            <a:off x="210994" y="1078733"/>
+            <a:ext cx="2396739" cy="1461267"/>
+          </a:xfrm>
+          <a:prstGeom prst="roundRect">
+            <a:avLst>
+              <a:gd name="adj" fmla="val 2161"/>
+            </a:avLst>
+          </a:prstGeom>
+          <a:solidFill>
+            <a:srgbClr val="1A202C"/>
+          </a:solidFill>
+          <a:ln w="25400">
+            <a:noFill/>
+            <a:headEnd type="none" w="med" len="med"/>
+            <a:tailEnd type="none" w="med" len="med"/>
+          </a:ln>
+          <a:effectLst/>
+        </p:spPr>
+        <p:style>
+          <a:lnRef idx="1">
+            <a:schemeClr val="accent2"/>
+          </a:lnRef>
+          <a:fillRef idx="3">
+            <a:schemeClr val="accent2"/>
+          </a:fillRef>
+          <a:effectRef idx="2">
+            <a:schemeClr val="accent2"/>
+          </a:effectRef>
+          <a:fontRef idx="minor">
+            <a:schemeClr val="lt1"/>
+          </a:fontRef>
+        </p:style>
+        <p:txBody>
+          <a:bodyPr rot="0" spcFirstLastPara="0" vertOverflow="overflow" horzOverflow="overflow" vert="horz" wrap="square" lIns="182880" tIns="146304" rIns="182880" bIns="146304" numCol="1" spcCol="0" rtlCol="0" fromWordArt="0" anchor="t" anchorCtr="0" forceAA="0" compatLnSpc="1">
+            <a:prstTxWarp prst="textNoShape">
+              <a:avLst/>
+            </a:prstTxWarp>
+            <a:noAutofit/>
+          </a:bodyPr>
+          <a:lstStyle/>
+          <a:p>
+            <a:pPr algn="l" defTabSz="932472" fontAlgn="base">
+              <a:spcBef>
+                <a:spcPct val="0"/>
+              </a:spcBef>
+              <a:spcAft>
+                <a:spcPct val="0"/>
+              </a:spcAft>
+            </a:pPr>
+            <a:endParaRPr lang="en-US" sz="2000" dirty="0" err="1">
+              <a:gradFill>
+                <a:gsLst>
+                  <a:gs pos="0">
+                    <a:srgbClr val="FFFFFF"/>
+                  </a:gs>
+                  <a:gs pos="100000">
+                    <a:srgbClr val="FFFFFF"/>
+                  </a:gs>
+                </a:gsLst>
+                <a:lin ang="5400000" scaled="0"/>
+              </a:gradFill>
+              <a:ea typeface="Segoe UI" pitchFamily="34" charset="0"/>
+              <a:cs typeface="Segoe UI" pitchFamily="34" charset="0"/>
+            </a:endParaRPr>
+          </a:p>
+        </p:txBody>
+      </p:sp>
+      <p:cxnSp>
+        <p:nvCxnSpPr>
+          <p:cNvPr id="148" name="Straight Connector 147">
+            <a:extLst>
+              <a:ext uri="{FF2B5EF4-FFF2-40B4-BE49-F238E27FC236}">
+                <a16:creationId xmlns:a16="http://schemas.microsoft.com/office/drawing/2014/main" id="{0EC561F4-7267-4D76-BF80-9221D52E2E2D}"/>
+              </a:ext>
+            </a:extLst>
+          </p:cNvPr>
+          <p:cNvCxnSpPr>
+            <a:cxnSpLocks/>
+          </p:cNvCxnSpPr>
+          <p:nvPr/>
+        </p:nvCxnSpPr>
+        <p:spPr>
+          <a:xfrm>
+            <a:off x="368954" y="1538908"/>
+            <a:ext cx="2055899" cy="0"/>
+          </a:xfrm>
+          <a:prstGeom prst="line">
+            <a:avLst/>
+          </a:prstGeom>
+          <a:solidFill>
+            <a:schemeClr val="bg1"/>
+          </a:solidFill>
+          <a:ln w="38100">
+            <a:solidFill>
+              <a:srgbClr val="74747D"/>
+            </a:solidFill>
+            <a:prstDash val="solid"/>
+            <a:miter lim="800000"/>
+            <a:headEnd type="none" w="med" len="med"/>
+            <a:tailEnd type="none" w="med" len="med"/>
+          </a:ln>
+          <a:effectLst/>
+        </p:spPr>
+        <p:style>
+          <a:lnRef idx="1">
+            <a:schemeClr val="accent2"/>
+          </a:lnRef>
+          <a:fillRef idx="3">
+            <a:schemeClr val="accent2"/>
+          </a:fillRef>
+          <a:effectRef idx="2">
+            <a:schemeClr val="accent2"/>
+          </a:effectRef>
+          <a:fontRef idx="minor">
+            <a:schemeClr val="lt1"/>
+          </a:fontRef>
+        </p:style>
+      </p:cxnSp>
+      <p:sp>
+        <p:nvSpPr>
+          <p:cNvPr id="11" name="TextBox 10">
+            <a:extLst>
+              <a:ext uri="{FF2B5EF4-FFF2-40B4-BE49-F238E27FC236}">
+                <a16:creationId xmlns:a16="http://schemas.microsoft.com/office/drawing/2014/main" id="{52DA9C5D-BCC4-48A5-873F-1CCBEBB16702}"/>
+              </a:ext>
+            </a:extLst>
+          </p:cNvPr>
+          <p:cNvSpPr txBox="1"/>
+          <p:nvPr/>
+        </p:nvSpPr>
+        <p:spPr>
+          <a:xfrm>
+            <a:off x="368954" y="1241766"/>
+            <a:ext cx="2055899" cy="169277"/>
+          </a:xfrm>
+          <a:prstGeom prst="rect">
+            <a:avLst/>
+          </a:prstGeom>
+          <a:noFill/>
+        </p:spPr>
+        <p:txBody>
+          <a:bodyPr wrap="square" lIns="0" tIns="0" rIns="0" bIns="0" rtlCol="0">
+            <a:spAutoFit/>
+          </a:bodyPr>
+          <a:lstStyle/>
+          <a:p>
+            <a:pPr algn="l"/>
+            <a:r>
+              <a:rPr lang="en-US" sz="1100" dirty="0" err="1">
+                <a:gradFill>
+                  <a:gsLst>
+                    <a:gs pos="2917">
+                      <a:schemeClr val="tx1"/>
+                    </a:gs>
+                    <a:gs pos="30000">
+                      <a:schemeClr val="tx1"/>
+                    </a:gs>
+                  </a:gsLst>
+                  <a:lin ang="5400000" scaled="0"/>
+                </a:gradFill>
+                <a:latin typeface="Cascadia Code" pitchFamily="1" charset="0"/>
+                <a:cs typeface="Cascadia Code" pitchFamily="1" charset="0"/>
+              </a:rPr>
+              <a:t>example.avro.</a:t>
+            </a:r>
+            <a:r>
+              <a:rPr lang="en-US" sz="1100" dirty="0" err="1">
+                <a:gradFill>
+                  <a:gsLst>
+                    <a:gs pos="2917">
+                      <a:schemeClr val="tx1"/>
+                    </a:gs>
+                    <a:gs pos="30000">
+                      <a:schemeClr val="tx1"/>
+                    </a:gs>
+                  </a:gsLst>
+                  <a:lin ang="5400000" scaled="0"/>
+                </a:gradFill>
+                <a:latin typeface="Cascadia Code SemiBold" panose="020B0609020000020004" pitchFamily="49" charset="0"/>
+                <a:cs typeface="Cascadia Code SemiBold" panose="020B0609020000020004" pitchFamily="49" charset="0"/>
+              </a:rPr>
+              <a:t>User</a:t>
+            </a:r>
+            <a:endParaRPr lang="en-US" sz="1100" dirty="0">
+              <a:gradFill>
+                <a:gsLst>
+                  <a:gs pos="2917">
+                    <a:schemeClr val="tx1"/>
+                  </a:gs>
+                  <a:gs pos="30000">
+                    <a:schemeClr val="tx1"/>
+                  </a:gs>
+                </a:gsLst>
+                <a:lin ang="5400000" scaled="0"/>
+              </a:gradFill>
+              <a:latin typeface="Cascadia Code SemiBold" panose="020B0609020000020004" pitchFamily="49" charset="0"/>
+              <a:cs typeface="Cascadia Code SemiBold" panose="020B0609020000020004" pitchFamily="49" charset="0"/>
+            </a:endParaRPr>
+          </a:p>
+        </p:txBody>
+      </p:sp>
+      <p:sp>
+        <p:nvSpPr>
+          <p:cNvPr id="12" name="TextBox 11">
+            <a:extLst>
+              <a:ext uri="{FF2B5EF4-FFF2-40B4-BE49-F238E27FC236}">
+                <a16:creationId xmlns:a16="http://schemas.microsoft.com/office/drawing/2014/main" id="{869E9EA6-8235-4526-A761-6C939CCCE747}"/>
+              </a:ext>
+            </a:extLst>
+          </p:cNvPr>
+          <p:cNvSpPr txBox="1"/>
+          <p:nvPr/>
+        </p:nvSpPr>
+        <p:spPr>
+          <a:xfrm>
+            <a:off x="368954" y="1663589"/>
+            <a:ext cx="1896551" cy="169277"/>
+          </a:xfrm>
+          <a:prstGeom prst="rect">
+            <a:avLst/>
+          </a:prstGeom>
+          <a:noFill/>
+        </p:spPr>
+        <p:txBody>
+          <a:bodyPr wrap="square" lIns="0" tIns="0" rIns="0" bIns="0" rtlCol="0">
+            <a:spAutoFit/>
+          </a:bodyPr>
+          <a:lstStyle/>
+          <a:p>
+            <a:pPr algn="l"/>
+            <a:r>
+              <a:rPr lang="en-US" sz="1100" b="1" dirty="0" err="1">
+                <a:gradFill>
+                  <a:gsLst>
+                    <a:gs pos="2917">
+                      <a:schemeClr val="tx1"/>
+                    </a:gs>
+                    <a:gs pos="30000">
+                      <a:schemeClr val="tx1"/>
+                    </a:gs>
+                  </a:gsLst>
+                  <a:lin ang="5400000" scaled="0"/>
+                </a:gradFill>
+                <a:latin typeface="Cascadia Mono PL" pitchFamily="1" charset="0"/>
+                <a:cs typeface="Cascadia Mono PL" pitchFamily="1" charset="0"/>
+              </a:rPr>
+              <a:t>user_name</a:t>
+            </a:r>
+            <a:endParaRPr lang="en-US" sz="1100" b="1" dirty="0">
+              <a:gradFill>
+                <a:gsLst>
+                  <a:gs pos="2917">
+                    <a:schemeClr val="tx1"/>
+                  </a:gs>
+                  <a:gs pos="30000">
+                    <a:schemeClr val="tx1"/>
+                  </a:gs>
+                </a:gsLst>
+                <a:lin ang="5400000" scaled="0"/>
+              </a:gradFill>
+              <a:latin typeface="Cascadia Code SemiBold" panose="020B0609020000020004" pitchFamily="49" charset="0"/>
+              <a:cs typeface="Cascadia Code SemiBold" panose="020B0609020000020004" pitchFamily="49" charset="0"/>
+            </a:endParaRPr>
+          </a:p>
+        </p:txBody>
+      </p:sp>
+      <p:sp>
+        <p:nvSpPr>
+          <p:cNvPr id="13" name="TextBox 12">
+            <a:extLst>
+              <a:ext uri="{FF2B5EF4-FFF2-40B4-BE49-F238E27FC236}">
+                <a16:creationId xmlns:a16="http://schemas.microsoft.com/office/drawing/2014/main" id="{94D45351-32D3-4A04-A69B-3B120B73F3D3}"/>
+              </a:ext>
+            </a:extLst>
+          </p:cNvPr>
+          <p:cNvSpPr txBox="1"/>
+          <p:nvPr/>
+        </p:nvSpPr>
+        <p:spPr>
+          <a:xfrm>
+            <a:off x="1770206" y="1663589"/>
+            <a:ext cx="779320" cy="169277"/>
+          </a:xfrm>
+          <a:prstGeom prst="rect">
+            <a:avLst/>
+          </a:prstGeom>
+          <a:noFill/>
+        </p:spPr>
+        <p:txBody>
+          <a:bodyPr wrap="square" lIns="0" tIns="0" rIns="0" bIns="0" rtlCol="0">
+            <a:spAutoFit/>
+          </a:bodyPr>
+          <a:lstStyle/>
+          <a:p>
+            <a:pPr algn="l"/>
+            <a:r>
+              <a:rPr lang="en-US" sz="1100" b="1" dirty="0">
+                <a:solidFill>
+                  <a:srgbClr val="8661C5"/>
+                </a:solidFill>
+                <a:latin typeface="Cascadia Mono PL" pitchFamily="1" charset="0"/>
+                <a:cs typeface="Cascadia Mono PL" pitchFamily="1" charset="0"/>
+              </a:rPr>
+              <a:t>string</a:t>
+            </a:r>
+            <a:endParaRPr lang="en-US" sz="1100" b="1" dirty="0">
+              <a:solidFill>
+                <a:srgbClr val="8661C5"/>
+              </a:solidFill>
+              <a:latin typeface="Cascadia Code SemiBold" panose="020B0609020000020004" pitchFamily="49" charset="0"/>
+              <a:cs typeface="Cascadia Code SemiBold" panose="020B0609020000020004" pitchFamily="49" charset="0"/>
+            </a:endParaRPr>
+          </a:p>
+        </p:txBody>
+      </p:sp>
+      <p:sp>
+        <p:nvSpPr>
+          <p:cNvPr id="23" name="Rectangle 22">
+            <a:extLst>
+              <a:ext uri="{FF2B5EF4-FFF2-40B4-BE49-F238E27FC236}">
+                <a16:creationId xmlns:a16="http://schemas.microsoft.com/office/drawing/2014/main" id="{7D90A04E-7DF7-4DB3-8235-C532D8EE3794}"/>
+              </a:ext>
+            </a:extLst>
+          </p:cNvPr>
+          <p:cNvSpPr/>
+          <p:nvPr/>
+        </p:nvSpPr>
+        <p:spPr bwMode="auto">
+          <a:xfrm>
+            <a:off x="191944" y="1078734"/>
+            <a:ext cx="92361" cy="1461266"/>
+          </a:xfrm>
+          <a:prstGeom prst="rect">
+            <a:avLst/>
+          </a:prstGeom>
+          <a:solidFill>
+            <a:srgbClr val="FEC000"/>
+          </a:solidFill>
+          <a:ln>
+            <a:noFill/>
+            <a:headEnd type="none" w="med" len="med"/>
+            <a:tailEnd type="none" w="med" len="med"/>
+          </a:ln>
+          <a:effectLst/>
+        </p:spPr>
+        <p:style>
+          <a:lnRef idx="1">
+            <a:schemeClr val="accent2"/>
+          </a:lnRef>
+          <a:fillRef idx="3">
+            <a:schemeClr val="accent2"/>
+          </a:fillRef>
+          <a:effectRef idx="2">
+            <a:schemeClr val="accent2"/>
+          </a:effectRef>
+          <a:fontRef idx="minor">
+            <a:schemeClr val="lt1"/>
+          </a:fontRef>
+        </p:style>
+        <p:txBody>
+          <a:bodyPr rot="0" spcFirstLastPara="0" vertOverflow="overflow" horzOverflow="overflow" vert="horz" wrap="square" lIns="182880" tIns="146304" rIns="182880" bIns="146304" numCol="1" spcCol="0" rtlCol="0" fromWordArt="0" anchor="t" anchorCtr="0" forceAA="0" compatLnSpc="1">
+            <a:prstTxWarp prst="textNoShape">
+              <a:avLst/>
+            </a:prstTxWarp>
+            <a:noAutofit/>
+          </a:bodyPr>
+          <a:lstStyle/>
+          <a:p>
+            <a:pPr algn="l" defTabSz="932472" fontAlgn="base">
+              <a:spcBef>
+                <a:spcPct val="0"/>
+              </a:spcBef>
+              <a:spcAft>
+                <a:spcPct val="0"/>
+              </a:spcAft>
+            </a:pPr>
+            <a:endParaRPr lang="en-US" sz="2000" dirty="0" err="1">
+              <a:gradFill>
+                <a:gsLst>
+                  <a:gs pos="0">
+                    <a:srgbClr val="FFFFFF"/>
+                  </a:gs>
+                  <a:gs pos="100000">
+                    <a:srgbClr val="FFFFFF"/>
+                  </a:gs>
+                </a:gsLst>
+                <a:lin ang="5400000" scaled="0"/>
+              </a:gradFill>
+              <a:ea typeface="Segoe UI" pitchFamily="34" charset="0"/>
+              <a:cs typeface="Segoe UI" pitchFamily="34" charset="0"/>
+            </a:endParaRPr>
+          </a:p>
+        </p:txBody>
+      </p:sp>
+      <p:sp>
+        <p:nvSpPr>
+          <p:cNvPr id="29" name="TextBox 28">
+            <a:extLst>
+              <a:ext uri="{FF2B5EF4-FFF2-40B4-BE49-F238E27FC236}">
+                <a16:creationId xmlns:a16="http://schemas.microsoft.com/office/drawing/2014/main" id="{7EF94781-EECB-4CF1-A7B5-3C1F096EFD88}"/>
+              </a:ext>
+            </a:extLst>
+          </p:cNvPr>
+          <p:cNvSpPr txBox="1"/>
+          <p:nvPr/>
+        </p:nvSpPr>
+        <p:spPr>
+          <a:xfrm>
+            <a:off x="368954" y="1919383"/>
+            <a:ext cx="1896551" cy="169277"/>
+          </a:xfrm>
+          <a:prstGeom prst="rect">
+            <a:avLst/>
+          </a:prstGeom>
+          <a:noFill/>
+        </p:spPr>
+        <p:txBody>
+          <a:bodyPr wrap="square" lIns="0" tIns="0" rIns="0" bIns="0" rtlCol="0">
+            <a:spAutoFit/>
+          </a:bodyPr>
+          <a:lstStyle/>
+          <a:p>
+            <a:pPr algn="l"/>
+            <a:r>
+              <a:rPr lang="en-US" sz="1100" b="1" dirty="0" err="1">
+                <a:gradFill>
+                  <a:gsLst>
+                    <a:gs pos="2917">
+                      <a:schemeClr val="tx1"/>
+                    </a:gs>
+                    <a:gs pos="30000">
+                      <a:schemeClr val="tx1"/>
+                    </a:gs>
+                  </a:gsLst>
+                  <a:lin ang="5400000" scaled="0"/>
+                </a:gradFill>
+                <a:latin typeface="Cascadia Mono PL" pitchFamily="1" charset="0"/>
+                <a:cs typeface="Cascadia Mono PL" pitchFamily="1" charset="0"/>
+              </a:rPr>
+              <a:t>user_score</a:t>
+            </a:r>
+            <a:endParaRPr lang="en-US" sz="1100" b="1" dirty="0">
+              <a:gradFill>
+                <a:gsLst>
+                  <a:gs pos="2917">
+                    <a:schemeClr val="tx1"/>
+                  </a:gs>
+                  <a:gs pos="30000">
+                    <a:schemeClr val="tx1"/>
+                  </a:gs>
+                </a:gsLst>
+                <a:lin ang="5400000" scaled="0"/>
+              </a:gradFill>
+              <a:latin typeface="Cascadia Code SemiBold" panose="020B0609020000020004" pitchFamily="49" charset="0"/>
+              <a:cs typeface="Cascadia Code SemiBold" panose="020B0609020000020004" pitchFamily="49" charset="0"/>
+            </a:endParaRPr>
+          </a:p>
+        </p:txBody>
+      </p:sp>
+      <p:sp>
+        <p:nvSpPr>
+          <p:cNvPr id="30" name="TextBox 29">
+            <a:extLst>
+              <a:ext uri="{FF2B5EF4-FFF2-40B4-BE49-F238E27FC236}">
+                <a16:creationId xmlns:a16="http://schemas.microsoft.com/office/drawing/2014/main" id="{5B644CE6-254A-49B3-8A2D-1E9CC5A4F413}"/>
+              </a:ext>
+            </a:extLst>
+          </p:cNvPr>
+          <p:cNvSpPr txBox="1"/>
+          <p:nvPr/>
+        </p:nvSpPr>
+        <p:spPr>
+          <a:xfrm>
+            <a:off x="1770206" y="1919383"/>
+            <a:ext cx="654648" cy="338554"/>
+          </a:xfrm>
+          <a:prstGeom prst="rect">
+            <a:avLst/>
+          </a:prstGeom>
+          <a:noFill/>
+        </p:spPr>
+        <p:txBody>
+          <a:bodyPr wrap="square" lIns="0" tIns="0" rIns="0" bIns="0" rtlCol="0">
+            <a:spAutoFit/>
+          </a:bodyPr>
+          <a:lstStyle/>
+          <a:p>
+            <a:r>
+              <a:rPr lang="en-US" sz="1100" b="1" dirty="0">
+                <a:solidFill>
+                  <a:srgbClr val="50E6FF"/>
+                </a:solidFill>
+                <a:latin typeface="Cascadia Mono PL" pitchFamily="1" charset="0"/>
+                <a:cs typeface="Cascadia Mono PL" pitchFamily="1" charset="0"/>
+              </a:rPr>
+              <a:t>int</a:t>
+            </a:r>
+            <a:endParaRPr lang="en-US" sz="1100" b="1" dirty="0">
+              <a:solidFill>
+                <a:srgbClr val="50E6FF"/>
+              </a:solidFill>
+              <a:latin typeface="Cascadia Code SemiBold" panose="020B0609020000020004" pitchFamily="49" charset="0"/>
+              <a:cs typeface="Cascadia Code SemiBold" panose="020B0609020000020004" pitchFamily="49" charset="0"/>
+            </a:endParaRPr>
+          </a:p>
+          <a:p>
+            <a:pPr algn="l"/>
+            <a:endParaRPr lang="en-US" sz="1100" b="1" dirty="0">
+              <a:solidFill>
+                <a:srgbClr val="8661C5"/>
+              </a:solidFill>
+              <a:latin typeface="Cascadia Code SemiBold" panose="020B0609020000020004" pitchFamily="49" charset="0"/>
+              <a:cs typeface="Cascadia Code SemiBold" panose="020B0609020000020004" pitchFamily="49" charset="0"/>
+            </a:endParaRPr>
+          </a:p>
+        </p:txBody>
+      </p:sp>
+      <p:sp>
+        <p:nvSpPr>
+          <p:cNvPr id="33" name="TextBox 32">
+            <a:extLst>
+              <a:ext uri="{FF2B5EF4-FFF2-40B4-BE49-F238E27FC236}">
+                <a16:creationId xmlns:a16="http://schemas.microsoft.com/office/drawing/2014/main" id="{89703246-349C-424C-94F9-5C6E1F73D856}"/>
+              </a:ext>
+            </a:extLst>
+          </p:cNvPr>
+          <p:cNvSpPr txBox="1"/>
+          <p:nvPr/>
+        </p:nvSpPr>
+        <p:spPr>
+          <a:xfrm>
+            <a:off x="368954" y="2175177"/>
+            <a:ext cx="1896551" cy="169277"/>
+          </a:xfrm>
+          <a:prstGeom prst="rect">
+            <a:avLst/>
+          </a:prstGeom>
+          <a:noFill/>
+        </p:spPr>
+        <p:txBody>
+          <a:bodyPr wrap="square" lIns="0" tIns="0" rIns="0" bIns="0" rtlCol="0">
+            <a:spAutoFit/>
+          </a:bodyPr>
+          <a:lstStyle/>
+          <a:p>
+            <a:pPr algn="l"/>
+            <a:r>
+              <a:rPr lang="en-US" sz="1100" b="1" dirty="0" err="1">
+                <a:gradFill>
+                  <a:gsLst>
+                    <a:gs pos="2917">
+                      <a:schemeClr val="tx1"/>
+                    </a:gs>
+                    <a:gs pos="30000">
+                      <a:schemeClr val="tx1"/>
+                    </a:gs>
+                  </a:gsLst>
+                  <a:lin ang="5400000" scaled="0"/>
+                </a:gradFill>
+                <a:latin typeface="Cascadia Mono PL" pitchFamily="1" charset="0"/>
+                <a:cs typeface="Cascadia Mono PL" pitchFamily="1" charset="0"/>
+              </a:rPr>
+              <a:t>user_id</a:t>
+            </a:r>
+            <a:endParaRPr lang="en-US" sz="1100" b="1" dirty="0">
+              <a:gradFill>
+                <a:gsLst>
+                  <a:gs pos="2917">
+                    <a:schemeClr val="tx1"/>
+                  </a:gs>
+                  <a:gs pos="30000">
+                    <a:schemeClr val="tx1"/>
+                  </a:gs>
+                </a:gsLst>
+                <a:lin ang="5400000" scaled="0"/>
+              </a:gradFill>
+              <a:latin typeface="Cascadia Code SemiBold" panose="020B0609020000020004" pitchFamily="49" charset="0"/>
+              <a:cs typeface="Cascadia Code SemiBold" panose="020B0609020000020004" pitchFamily="49" charset="0"/>
+            </a:endParaRPr>
+          </a:p>
+        </p:txBody>
+      </p:sp>
+      <p:sp>
+        <p:nvSpPr>
+          <p:cNvPr id="34" name="TextBox 33">
+            <a:extLst>
+              <a:ext uri="{FF2B5EF4-FFF2-40B4-BE49-F238E27FC236}">
+                <a16:creationId xmlns:a16="http://schemas.microsoft.com/office/drawing/2014/main" id="{86F370DA-3ED1-46AD-970B-16E8B40A4AAA}"/>
+              </a:ext>
+            </a:extLst>
+          </p:cNvPr>
+          <p:cNvSpPr txBox="1"/>
+          <p:nvPr/>
+        </p:nvSpPr>
+        <p:spPr>
+          <a:xfrm>
+            <a:off x="1770206" y="2175177"/>
+            <a:ext cx="654648" cy="169277"/>
+          </a:xfrm>
+          <a:prstGeom prst="rect">
+            <a:avLst/>
+          </a:prstGeom>
+          <a:noFill/>
+        </p:spPr>
+        <p:txBody>
+          <a:bodyPr wrap="square" lIns="0" tIns="0" rIns="0" bIns="0" rtlCol="0">
+            <a:spAutoFit/>
+          </a:bodyPr>
+          <a:lstStyle/>
+          <a:p>
+            <a:pPr algn="l"/>
+            <a:r>
+              <a:rPr lang="en-US" sz="1100" b="1" dirty="0">
+                <a:solidFill>
+                  <a:srgbClr val="8661C5"/>
+                </a:solidFill>
+                <a:latin typeface="Cascadia Mono PL" pitchFamily="1" charset="0"/>
+                <a:cs typeface="Cascadia Mono PL" pitchFamily="1" charset="0"/>
+              </a:rPr>
+              <a:t>string</a:t>
+            </a:r>
+            <a:endParaRPr lang="en-US" sz="1100" b="1" dirty="0">
+              <a:solidFill>
+                <a:srgbClr val="8661C5"/>
+              </a:solidFill>
+              <a:latin typeface="Cascadia Code SemiBold" panose="020B0609020000020004" pitchFamily="49" charset="0"/>
+              <a:cs typeface="Cascadia Code SemiBold" panose="020B0609020000020004" pitchFamily="49" charset="0"/>
+            </a:endParaRPr>
+          </a:p>
+        </p:txBody>
+      </p:sp>
+    </p:spTree>
+    <p:extLst>
+      <p:ext uri="{BB962C8B-B14F-4D97-AF65-F5344CB8AC3E}">
+        <p14:creationId xmlns:p14="http://schemas.microsoft.com/office/powerpoint/2010/main" val="879294800"/>
+      </p:ext>
+    </p:extLst>
+  </p:cSld>
+  <p:clrMapOvr>
+    <a:masterClrMapping/>
+  </p:clrMapOvr>
+  <p:transition>
+    <p:fade/>
+  </p:transition>
+</p:sld>
+</file>
+
+<file path=ppt/slides/slide7.xml><?xml version="1.0" encoding="utf-8"?>
+<p:sld xmlns:a="http://schemas.openxmlformats.org/drawingml/2006/main" xmlns:r="http://schemas.openxmlformats.org/officeDocument/2006/relationships" xmlns:p="http://schemas.openxmlformats.org/presentationml/2006/main">
+  <p:cSld>
+    <p:bg>
+      <p:bgPr>
+        <a:solidFill>
+          <a:schemeClr val="tx1"/>
+        </a:solidFill>
+        <a:effectLst/>
+      </p:bgPr>
+    </p:bg>
+    <p:spTree>
+      <p:nvGrpSpPr>
+        <p:cNvPr id="1" name=""/>
+        <p:cNvGrpSpPr/>
+        <p:nvPr/>
+      </p:nvGrpSpPr>
+      <p:grpSpPr>
+        <a:xfrm>
+          <a:off x="0" y="0"/>
+          <a:ext cx="0" cy="0"/>
+          <a:chOff x="0" y="0"/>
+          <a:chExt cx="0" cy="0"/>
+        </a:xfrm>
+      </p:grpSpPr>
+      <p:sp>
+        <p:nvSpPr>
+          <p:cNvPr id="5" name="Rectangle 4">
+            <a:extLst>
+              <a:ext uri="{FF2B5EF4-FFF2-40B4-BE49-F238E27FC236}">
+                <a16:creationId xmlns:a16="http://schemas.microsoft.com/office/drawing/2014/main" id="{504895A5-2BCB-4BEB-9EEA-4ECB078F0A8E}"/>
+              </a:ext>
+            </a:extLst>
+          </p:cNvPr>
+          <p:cNvSpPr/>
+          <p:nvPr/>
+        </p:nvSpPr>
+        <p:spPr bwMode="auto">
+          <a:xfrm>
+            <a:off x="678854" y="1711235"/>
+            <a:ext cx="8164416" cy="1401057"/>
+          </a:xfrm>
+          <a:prstGeom prst="rect">
+            <a:avLst/>
+          </a:prstGeom>
+          <a:solidFill>
+            <a:srgbClr val="1A202C"/>
+          </a:solidFill>
+          <a:ln>
+            <a:noFill/>
+            <a:headEnd type="none" w="med" len="med"/>
+            <a:tailEnd type="none" w="med" len="med"/>
+          </a:ln>
+          <a:effectLst/>
+        </p:spPr>
+        <p:style>
+          <a:lnRef idx="1">
+            <a:schemeClr val="accent2"/>
+          </a:lnRef>
+          <a:fillRef idx="3">
+            <a:schemeClr val="accent2"/>
+          </a:fillRef>
+          <a:effectRef idx="2">
+            <a:schemeClr val="accent2"/>
+          </a:effectRef>
+          <a:fontRef idx="minor">
+            <a:schemeClr val="lt1"/>
+          </a:fontRef>
+        </p:style>
+        <p:txBody>
+          <a:bodyPr rot="0" spcFirstLastPara="0" vertOverflow="overflow" horzOverflow="overflow" vert="horz" wrap="square" lIns="182880" tIns="146304" rIns="182880" bIns="146304" numCol="1" spcCol="0" rtlCol="0" fromWordArt="0" anchor="t" anchorCtr="0" forceAA="0" compatLnSpc="1">
+            <a:prstTxWarp prst="textNoShape">
+              <a:avLst/>
+            </a:prstTxWarp>
+            <a:noAutofit/>
+          </a:bodyPr>
+          <a:lstStyle/>
+          <a:p>
+            <a:pPr marL="0" marR="0" lvl="0" indent="0" algn="l" defTabSz="932472" rtl="0" eaLnBrk="1" fontAlgn="base" latinLnBrk="0" hangingPunct="1">
+              <a:lnSpc>
+                <a:spcPct val="100000"/>
+              </a:lnSpc>
+              <a:spcBef>
+                <a:spcPct val="0"/>
+              </a:spcBef>
+              <a:spcAft>
+                <a:spcPct val="0"/>
+              </a:spcAft>
+              <a:buClrTx/>
+              <a:buSzTx/>
+              <a:buFontTx/>
+              <a:buNone/>
+              <a:tabLst/>
+              <a:defRPr/>
+            </a:pPr>
+            <a:endParaRPr kumimoji="0" lang="en-US" sz="2000" b="0" i="0" u="none" strike="noStrike" kern="1200" cap="none" spc="0" normalizeH="0" baseline="0" noProof="0" dirty="0" err="1">
+              <a:ln>
+                <a:noFill/>
+              </a:ln>
+              <a:gradFill>
+                <a:gsLst>
+                  <a:gs pos="0">
+                    <a:srgbClr val="FFFFFF"/>
+                  </a:gs>
+                  <a:gs pos="100000">
+                    <a:srgbClr val="FFFFFF"/>
+                  </a:gs>
+                </a:gsLst>
+                <a:lin ang="5400000" scaled="0"/>
+              </a:gradFill>
+              <a:effectLst/>
+              <a:uLnTx/>
+              <a:uFillTx/>
+              <a:latin typeface="Segoe UI"/>
+              <a:ea typeface="Segoe UI" pitchFamily="34" charset="0"/>
+              <a:cs typeface="Segoe UI" pitchFamily="34" charset="0"/>
+            </a:endParaRPr>
+          </a:p>
+        </p:txBody>
+      </p:sp>
+      <p:cxnSp>
+        <p:nvCxnSpPr>
+          <p:cNvPr id="44" name="Straight Connector 43">
+            <a:extLst>
+              <a:ext uri="{FF2B5EF4-FFF2-40B4-BE49-F238E27FC236}">
+                <a16:creationId xmlns:a16="http://schemas.microsoft.com/office/drawing/2014/main" id="{1FE06CEA-3827-499C-BB19-D025983EB364}"/>
+              </a:ext>
+            </a:extLst>
+          </p:cNvPr>
+          <p:cNvCxnSpPr>
+            <a:cxnSpLocks/>
+          </p:cNvCxnSpPr>
+          <p:nvPr/>
+        </p:nvCxnSpPr>
+        <p:spPr>
+          <a:xfrm>
+            <a:off x="4822135" y="2146988"/>
+            <a:ext cx="4021134" cy="0"/>
+          </a:xfrm>
+          <a:prstGeom prst="line">
+            <a:avLst/>
+          </a:prstGeom>
+          <a:ln w="10795">
+            <a:solidFill>
+              <a:srgbClr val="F0EEED"/>
+            </a:solidFill>
+            <a:headEnd type="none" w="lg" len="med"/>
+            <a:tailEnd type="none" w="lg" len="med"/>
+          </a:ln>
+        </p:spPr>
+        <p:style>
+          <a:lnRef idx="1">
+            <a:schemeClr val="accent1"/>
+          </a:lnRef>
+          <a:fillRef idx="0">
+            <a:schemeClr val="accent1"/>
+          </a:fillRef>
+          <a:effectRef idx="0">
+            <a:schemeClr val="accent1"/>
+          </a:effectRef>
+          <a:fontRef idx="minor">
+            <a:schemeClr val="tx1"/>
+          </a:fontRef>
+        </p:style>
+      </p:cxnSp>
+      <p:cxnSp>
+        <p:nvCxnSpPr>
+          <p:cNvPr id="47" name="Straight Connector 46">
+            <a:extLst>
+              <a:ext uri="{FF2B5EF4-FFF2-40B4-BE49-F238E27FC236}">
+                <a16:creationId xmlns:a16="http://schemas.microsoft.com/office/drawing/2014/main" id="{57D0E94F-0374-4D41-9F90-1AFEC751D17F}"/>
+              </a:ext>
+            </a:extLst>
+          </p:cNvPr>
+          <p:cNvCxnSpPr>
+            <a:cxnSpLocks/>
+          </p:cNvCxnSpPr>
+          <p:nvPr/>
+        </p:nvCxnSpPr>
+        <p:spPr>
+          <a:xfrm>
+            <a:off x="4822135" y="2476235"/>
+            <a:ext cx="4021134" cy="0"/>
+          </a:xfrm>
+          <a:prstGeom prst="line">
+            <a:avLst/>
+          </a:prstGeom>
+          <a:ln w="10795">
+            <a:solidFill>
+              <a:srgbClr val="F0EEED"/>
+            </a:solidFill>
+            <a:headEnd type="none" w="lg" len="med"/>
+            <a:tailEnd type="none" w="lg" len="med"/>
+          </a:ln>
+        </p:spPr>
+        <p:style>
+          <a:lnRef idx="1">
+            <a:schemeClr val="accent1"/>
+          </a:lnRef>
+          <a:fillRef idx="0">
+            <a:schemeClr val="accent1"/>
+          </a:fillRef>
+          <a:effectRef idx="0">
+            <a:schemeClr val="accent1"/>
+          </a:effectRef>
+          <a:fontRef idx="minor">
+            <a:schemeClr val="tx1"/>
+          </a:fontRef>
+        </p:style>
+      </p:cxnSp>
+      <p:cxnSp>
+        <p:nvCxnSpPr>
+          <p:cNvPr id="48" name="Straight Connector 47">
+            <a:extLst>
+              <a:ext uri="{FF2B5EF4-FFF2-40B4-BE49-F238E27FC236}">
+                <a16:creationId xmlns:a16="http://schemas.microsoft.com/office/drawing/2014/main" id="{C1CF3910-232F-4F11-9A21-135E617EA873}"/>
+              </a:ext>
+            </a:extLst>
+          </p:cNvPr>
+          <p:cNvCxnSpPr>
+            <a:cxnSpLocks/>
+          </p:cNvCxnSpPr>
+          <p:nvPr/>
+        </p:nvCxnSpPr>
+        <p:spPr>
+          <a:xfrm>
+            <a:off x="4822135" y="2800720"/>
+            <a:ext cx="4021134" cy="0"/>
+          </a:xfrm>
+          <a:prstGeom prst="line">
+            <a:avLst/>
+          </a:prstGeom>
+          <a:ln w="10795">
+            <a:solidFill>
+              <a:srgbClr val="F0EEED"/>
+            </a:solidFill>
+            <a:headEnd type="none" w="lg" len="med"/>
+            <a:tailEnd type="none" w="lg" len="med"/>
+          </a:ln>
+        </p:spPr>
+        <p:style>
+          <a:lnRef idx="1">
+            <a:schemeClr val="accent1"/>
+          </a:lnRef>
+          <a:fillRef idx="0">
+            <a:schemeClr val="accent1"/>
+          </a:fillRef>
+          <a:effectRef idx="0">
+            <a:schemeClr val="accent1"/>
+          </a:effectRef>
+          <a:fontRef idx="minor">
+            <a:schemeClr val="tx1"/>
+          </a:fontRef>
+        </p:style>
+      </p:cxnSp>
+      <p:cxnSp>
+        <p:nvCxnSpPr>
+          <p:cNvPr id="49" name="Straight Connector 48">
+            <a:extLst>
+              <a:ext uri="{FF2B5EF4-FFF2-40B4-BE49-F238E27FC236}">
+                <a16:creationId xmlns:a16="http://schemas.microsoft.com/office/drawing/2014/main" id="{A19EC998-2F94-4C5C-8710-5FA967B88A7F}"/>
+              </a:ext>
+            </a:extLst>
+          </p:cNvPr>
+          <p:cNvCxnSpPr>
+            <a:cxnSpLocks/>
+          </p:cNvCxnSpPr>
+          <p:nvPr/>
+        </p:nvCxnSpPr>
+        <p:spPr>
+          <a:xfrm>
+            <a:off x="4822135" y="3122824"/>
+            <a:ext cx="4021134" cy="0"/>
+          </a:xfrm>
+          <a:prstGeom prst="line">
+            <a:avLst/>
+          </a:prstGeom>
+          <a:ln w="10795">
+            <a:solidFill>
+              <a:srgbClr val="F0EEED"/>
+            </a:solidFill>
+            <a:headEnd type="none" w="lg" len="med"/>
+            <a:tailEnd type="none" w="lg" len="med"/>
+          </a:ln>
+        </p:spPr>
+        <p:style>
+          <a:lnRef idx="1">
+            <a:schemeClr val="accent1"/>
+          </a:lnRef>
+          <a:fillRef idx="0">
+            <a:schemeClr val="accent1"/>
+          </a:fillRef>
+          <a:effectRef idx="0">
+            <a:schemeClr val="accent1"/>
+          </a:effectRef>
+          <a:fontRef idx="minor">
+            <a:schemeClr val="tx1"/>
+          </a:fontRef>
+        </p:style>
+      </p:cxnSp>
+      <p:sp>
+        <p:nvSpPr>
+          <p:cNvPr id="33" name="TextBox 32">
+            <a:extLst>
+              <a:ext uri="{FF2B5EF4-FFF2-40B4-BE49-F238E27FC236}">
+                <a16:creationId xmlns:a16="http://schemas.microsoft.com/office/drawing/2014/main" id="{3E078EBE-683E-4CF9-B225-758A7BD8657B}"/>
+              </a:ext>
+            </a:extLst>
+          </p:cNvPr>
+          <p:cNvSpPr txBox="1"/>
+          <p:nvPr/>
+        </p:nvSpPr>
+        <p:spPr>
+          <a:xfrm>
+            <a:off x="4961830" y="1846223"/>
+            <a:ext cx="3773350" cy="181918"/>
+          </a:xfrm>
+          <a:prstGeom prst="rect">
+            <a:avLst/>
+          </a:prstGeom>
+          <a:noFill/>
+        </p:spPr>
+        <p:txBody>
+          <a:bodyPr wrap="square" tIns="0" bIns="0" rtlCol="0">
+            <a:spAutoFit/>
+          </a:bodyPr>
+          <a:lstStyle/>
+          <a:p>
+            <a:pPr marL="0" marR="0" lvl="0" indent="0" algn="l" defTabSz="1097280" rtl="0" eaLnBrk="1" fontAlgn="auto" latinLnBrk="0" hangingPunct="1">
+              <a:lnSpc>
+                <a:spcPct val="125000"/>
+              </a:lnSpc>
+              <a:spcBef>
+                <a:spcPts val="0"/>
+              </a:spcBef>
+              <a:spcAft>
+                <a:spcPts val="0"/>
+              </a:spcAft>
+              <a:buClrTx/>
+              <a:buSzTx/>
+              <a:buFontTx/>
+              <a:buNone/>
+              <a:tabLst/>
+              <a:defRPr/>
+            </a:pPr>
+            <a:r>
+              <a:rPr kumimoji="0" lang="en-US" sz="1050" b="0" i="0" u="none" strike="noStrike" kern="1200" cap="none" spc="0" normalizeH="0" baseline="0" noProof="0" dirty="0">
+                <a:ln>
+                  <a:noFill/>
+                </a:ln>
+                <a:solidFill>
+                  <a:srgbClr val="FFFFFF"/>
+                </a:solidFill>
+                <a:effectLst/>
+                <a:uLnTx/>
+                <a:uFillTx/>
+                <a:latin typeface="Segoe UI Semibold"/>
+                <a:ea typeface="Segoe Pro" charset="0"/>
+                <a:cs typeface="Segoe UI Regular" panose="020B0502040204020203" pitchFamily="34" charset="0"/>
+              </a:rPr>
+              <a:t>Note</a:t>
+            </a:r>
+            <a:endParaRPr kumimoji="0" lang="en-US" sz="1050" b="0" i="0" u="none" strike="noStrike" kern="1200" cap="none" spc="0" normalizeH="0" baseline="0" noProof="0" dirty="0">
+              <a:ln>
+                <a:noFill/>
+              </a:ln>
+              <a:solidFill>
+                <a:srgbClr val="FFFFFF"/>
+              </a:solidFill>
+              <a:effectLst/>
+              <a:uLnTx/>
+              <a:uFillTx/>
+              <a:latin typeface="Segoe UI Regular" panose="020B0502040204020203" pitchFamily="34" charset="0"/>
+              <a:ea typeface="Segoe Pro" charset="0"/>
+              <a:cs typeface="Segoe UI Regular" panose="020B0502040204020203" pitchFamily="34" charset="0"/>
+            </a:endParaRPr>
+          </a:p>
+        </p:txBody>
+      </p:sp>
+      <p:sp>
+        <p:nvSpPr>
+          <p:cNvPr id="34" name="TextBox 33">
+            <a:extLst>
+              <a:ext uri="{FF2B5EF4-FFF2-40B4-BE49-F238E27FC236}">
+                <a16:creationId xmlns:a16="http://schemas.microsoft.com/office/drawing/2014/main" id="{361C6D09-D27D-4C11-95B1-E52CFD064EEF}"/>
+              </a:ext>
+            </a:extLst>
+          </p:cNvPr>
+          <p:cNvSpPr txBox="1"/>
+          <p:nvPr/>
+        </p:nvSpPr>
+        <p:spPr>
+          <a:xfrm>
+            <a:off x="4961830" y="2201422"/>
+            <a:ext cx="3773354" cy="181973"/>
+          </a:xfrm>
+          <a:prstGeom prst="rect">
+            <a:avLst/>
+          </a:prstGeom>
+          <a:noFill/>
+        </p:spPr>
+        <p:txBody>
+          <a:bodyPr wrap="square" tIns="0" bIns="0" rtlCol="0">
+            <a:spAutoFit/>
+          </a:bodyPr>
+          <a:lstStyle/>
+          <a:p>
+            <a:pPr marL="0" marR="0" lvl="0" indent="0" algn="l" defTabSz="1097280" rtl="0" eaLnBrk="1" fontAlgn="auto" latinLnBrk="0" hangingPunct="1">
+              <a:lnSpc>
+                <a:spcPct val="125000"/>
+              </a:lnSpc>
+              <a:spcBef>
+                <a:spcPts val="0"/>
+              </a:spcBef>
+              <a:spcAft>
+                <a:spcPts val="0"/>
+              </a:spcAft>
+              <a:buClrTx/>
+              <a:buSzTx/>
+              <a:buFontTx/>
+              <a:buNone/>
+              <a:tabLst/>
+              <a:defRPr/>
+            </a:pPr>
+            <a:r>
+              <a:rPr kumimoji="0" lang="en-US" sz="1050" b="0" i="0" u="none" strike="noStrike" kern="1200" cap="none" spc="0" normalizeH="0" baseline="0" noProof="0" dirty="0">
+                <a:ln>
+                  <a:noFill/>
+                </a:ln>
+                <a:solidFill>
+                  <a:srgbClr val="FFFFFF"/>
+                </a:solidFill>
+                <a:effectLst/>
+                <a:uLnTx/>
+                <a:uFillTx/>
+                <a:latin typeface="Segoe UI"/>
+                <a:ea typeface="Segoe Pro" charset="0"/>
+                <a:cs typeface="Segoe UI Regular" panose="020B0502040204020203" pitchFamily="34" charset="0"/>
+              </a:rPr>
+              <a:t>Hosting Producer &amp; Consumer applications</a:t>
+            </a:r>
+          </a:p>
+        </p:txBody>
+      </p:sp>
+      <p:sp>
+        <p:nvSpPr>
+          <p:cNvPr id="37" name="TextBox 36">
+            <a:extLst>
+              <a:ext uri="{FF2B5EF4-FFF2-40B4-BE49-F238E27FC236}">
+                <a16:creationId xmlns:a16="http://schemas.microsoft.com/office/drawing/2014/main" id="{FD678EA0-DC58-4A2C-9FD5-03D5C1FEA660}"/>
+              </a:ext>
+            </a:extLst>
+          </p:cNvPr>
+          <p:cNvSpPr txBox="1"/>
+          <p:nvPr/>
+        </p:nvSpPr>
+        <p:spPr>
+          <a:xfrm>
+            <a:off x="4961827" y="2535761"/>
+            <a:ext cx="3773354" cy="181973"/>
+          </a:xfrm>
+          <a:prstGeom prst="rect">
+            <a:avLst/>
+          </a:prstGeom>
+          <a:noFill/>
+        </p:spPr>
+        <p:txBody>
+          <a:bodyPr wrap="square" tIns="0" bIns="0" rtlCol="0">
+            <a:spAutoFit/>
+          </a:bodyPr>
+          <a:lstStyle/>
+          <a:p>
+            <a:pPr marL="0" marR="0" lvl="0" indent="0" algn="l" defTabSz="1097280" rtl="0" eaLnBrk="1" fontAlgn="auto" latinLnBrk="0" hangingPunct="1">
+              <a:lnSpc>
+                <a:spcPct val="125000"/>
+              </a:lnSpc>
+              <a:spcBef>
+                <a:spcPts val="0"/>
+              </a:spcBef>
+              <a:spcAft>
+                <a:spcPts val="0"/>
+              </a:spcAft>
+              <a:buClrTx/>
+              <a:buSzTx/>
+              <a:buFontTx/>
+              <a:buNone/>
+              <a:tabLst/>
+              <a:defRPr/>
+            </a:pPr>
+            <a:r>
+              <a:rPr kumimoji="0" lang="en-US" sz="1050" b="0" i="0" u="none" strike="noStrike" kern="1200" cap="none" spc="0" normalizeH="0" baseline="0" noProof="0" dirty="0">
+                <a:ln>
+                  <a:noFill/>
+                </a:ln>
+                <a:solidFill>
+                  <a:srgbClr val="FFFFFF"/>
+                </a:solidFill>
+                <a:effectLst/>
+                <a:uLnTx/>
+                <a:uFillTx/>
+                <a:latin typeface="Segoe UI"/>
+                <a:ea typeface="Segoe Pro" charset="0"/>
+                <a:cs typeface="Segoe UI Light" panose="020B0502040204020203" pitchFamily="34" charset="0"/>
+              </a:rPr>
+              <a:t>For sending Data to Event Hub/Topic</a:t>
+            </a:r>
+          </a:p>
+        </p:txBody>
+      </p:sp>
+      <p:sp>
+        <p:nvSpPr>
+          <p:cNvPr id="38" name="TextBox 37">
+            <a:extLst>
+              <a:ext uri="{FF2B5EF4-FFF2-40B4-BE49-F238E27FC236}">
+                <a16:creationId xmlns:a16="http://schemas.microsoft.com/office/drawing/2014/main" id="{1D019E5B-46D8-4951-B17D-D5EB57613970}"/>
+              </a:ext>
+            </a:extLst>
+          </p:cNvPr>
+          <p:cNvSpPr txBox="1"/>
+          <p:nvPr/>
+        </p:nvSpPr>
+        <p:spPr>
+          <a:xfrm>
+            <a:off x="4961827" y="2863472"/>
+            <a:ext cx="3773354" cy="181973"/>
+          </a:xfrm>
+          <a:prstGeom prst="rect">
+            <a:avLst/>
+          </a:prstGeom>
+          <a:noFill/>
+        </p:spPr>
+        <p:txBody>
+          <a:bodyPr wrap="square" tIns="0" bIns="0" rtlCol="0">
+            <a:spAutoFit/>
+          </a:bodyPr>
+          <a:lstStyle/>
+          <a:p>
+            <a:pPr marL="0" marR="0" lvl="0" indent="0" algn="l" defTabSz="1097280" rtl="0" eaLnBrk="1" fontAlgn="auto" latinLnBrk="0" hangingPunct="1">
+              <a:lnSpc>
+                <a:spcPct val="125000"/>
+              </a:lnSpc>
+              <a:spcBef>
+                <a:spcPts val="0"/>
+              </a:spcBef>
+              <a:spcAft>
+                <a:spcPts val="0"/>
+              </a:spcAft>
+              <a:buClrTx/>
+              <a:buSzTx/>
+              <a:buFontTx/>
+              <a:buNone/>
+              <a:tabLst/>
+              <a:defRPr/>
+            </a:pPr>
+            <a:r>
+              <a:rPr kumimoji="0" lang="en-US" sz="1050" b="0" i="0" u="none" strike="noStrike" kern="1200" cap="none" spc="0" normalizeH="0" baseline="0" noProof="0" dirty="0">
+                <a:ln>
+                  <a:noFill/>
+                </a:ln>
+                <a:solidFill>
+                  <a:srgbClr val="FFFFFF"/>
+                </a:solidFill>
+                <a:effectLst/>
+                <a:uLnTx/>
+                <a:uFillTx/>
+                <a:latin typeface="Segoe UI"/>
+                <a:ea typeface="Segoe Pro" charset="0"/>
+                <a:cs typeface="Segoe UI Light" panose="020B0502040204020203" pitchFamily="34" charset="0"/>
+              </a:rPr>
+              <a:t>For registering Schema with Schema Registry</a:t>
+            </a:r>
+          </a:p>
+        </p:txBody>
+      </p:sp>
+      <p:pic>
+        <p:nvPicPr>
+          <p:cNvPr id="3" name="Picture 2">
+            <a:extLst>
+              <a:ext uri="{FF2B5EF4-FFF2-40B4-BE49-F238E27FC236}">
+                <a16:creationId xmlns:a16="http://schemas.microsoft.com/office/drawing/2014/main" id="{C772F581-39D0-4ECF-8E93-4F826E96A6AE}"/>
+              </a:ext>
+            </a:extLst>
+          </p:cNvPr>
+          <p:cNvPicPr>
+            <a:picLocks noChangeAspect="1"/>
+          </p:cNvPicPr>
+          <p:nvPr/>
+        </p:nvPicPr>
+        <p:blipFill>
+          <a:blip r:embed="rId3"/>
+          <a:stretch>
+            <a:fillRect/>
+          </a:stretch>
+        </p:blipFill>
+        <p:spPr>
+          <a:xfrm>
+            <a:off x="678854" y="1711244"/>
+            <a:ext cx="4234715" cy="1411571"/>
+          </a:xfrm>
+          <a:prstGeom prst="rect">
+            <a:avLst/>
+          </a:prstGeom>
+        </p:spPr>
+      </p:pic>
+    </p:spTree>
+    <p:extLst>
+      <p:ext uri="{BB962C8B-B14F-4D97-AF65-F5344CB8AC3E}">
+        <p14:creationId xmlns:p14="http://schemas.microsoft.com/office/powerpoint/2010/main" val="3282534309"/>
+      </p:ext>
+    </p:extLst>
+  </p:cSld>
+  <p:clrMapOvr>
+    <a:masterClrMapping/>
+  </p:clrMapOvr>
+  <p:transition>
+    <p:fade/>
+  </p:transition>
+</p:sld>
+</file>
+
 <file path=ppt/theme/theme1.xml><?xml version="1.0" encoding="utf-8"?>
 <a:theme xmlns:a="http://schemas.openxmlformats.org/drawingml/2006/main" name="1_Black Template">
   <a:themeElements>

--- a/src/assets/graphics/PPT/content.pptx
+++ b/src/assets/graphics/PPT/content.pptx
@@ -5,7 +5,7 @@
     <p:sldMasterId id="2147483696" r:id="rId1"/>
   </p:sldMasterIdLst>
   <p:notesMasterIdLst>
-    <p:notesMasterId r:id="rId9"/>
+    <p:notesMasterId r:id="rId12"/>
   </p:notesMasterIdLst>
   <p:sldIdLst>
     <p:sldId id="2134804997" r:id="rId2"/>
@@ -15,6 +15,9 @@
     <p:sldId id="2134805001" r:id="rId6"/>
     <p:sldId id="2134805002" r:id="rId7"/>
     <p:sldId id="2134805003" r:id="rId8"/>
+    <p:sldId id="2134805004" r:id="rId9"/>
+    <p:sldId id="2134805006" r:id="rId10"/>
+    <p:sldId id="2134805007" r:id="rId11"/>
   </p:sldIdLst>
   <p:sldSz cx="12252325" cy="5999163"/>
   <p:notesSz cx="6858000" cy="9144000"/>
@@ -916,6 +919,198 @@
 </pc:chgInfo>
 </file>
 
+<file path=ppt/ink/ink1.xml><?xml version="1.0" encoding="utf-8"?>
+<inkml:ink xmlns:inkml="http://www.w3.org/2003/InkML">
+  <inkml:definitions>
+    <inkml:context xml:id="ctx0">
+      <inkml:inkSource xml:id="inkSrc0">
+        <inkml:traceFormat>
+          <inkml:channel name="X" type="integer" min="-2.14748E9" max="2.14748E9" units="cm"/>
+          <inkml:channel name="Y" type="integer" min="-2.14748E9" max="2.14748E9" units="cm"/>
+          <inkml:channel name="F" type="integer" max="32767" units="dev"/>
+          <inkml:channel name="OA" type="integer" max="360" units="deg"/>
+          <inkml:channel name="OE" type="integer" max="90" units="deg"/>
+        </inkml:traceFormat>
+        <inkml:channelProperties>
+          <inkml:channelProperty channel="X" name="resolution" value="1000" units="1/cm"/>
+          <inkml:channelProperty channel="Y" name="resolution" value="1000" units="1/cm"/>
+          <inkml:channelProperty channel="F" name="resolution" value="0" units="1/dev"/>
+          <inkml:channelProperty channel="OA" name="resolution" value="1000" units="1/deg"/>
+          <inkml:channelProperty channel="OE" name="resolution" value="1000" units="1/deg"/>
+        </inkml:channelProperties>
+      </inkml:inkSource>
+      <inkml:timestamp xml:id="ts0" timeString="2020-12-28T14:32:03.709"/>
+    </inkml:context>
+    <inkml:brush xml:id="br0">
+      <inkml:brushProperty name="width" value="0.1" units="cm"/>
+      <inkml:brushProperty name="height" value="0.1" units="cm"/>
+      <inkml:brushProperty name="color" value="#33CCFF"/>
+    </inkml:brush>
+  </inkml:definitions>
+  <inkml:trace contextRef="#ctx0" brushRef="#br0">12 1223 6447 0 0,'0'0'483'0'0,"-1"0"-326"0"0,-9 1 3822 0 0,33 18-3742 0 0,-7-13-22 0 0,1-1 0 0 0,-1 0 0 0 0,1-1-1 0 0,0-1 1 0 0,0 0 0 0 0,0-1-1 0 0,0-1 1 0 0,0-1 0 0 0,26-2 0 0 0,-7-2-258 0 0,0-2 0 0 0,0-1 0 0 0,51-17 0 0 0,-50 10 43 0 0,0-1 0 0 0,0-2 0 0 0,-2-1 0 0 0,0-2 0 0 0,-1-2 0 0 0,-1 0 0 0 0,40-38 0 0 0,-38 27 0 0 0,-2-1 0 0 0,-1-2 0 0 0,-2-1 0 0 0,-1-1 0 0 0,43-78 0 0 0,-43 64 0 0 0,-3-2 0 0 0,-2 0 0 0 0,26-84 0 0 0,5-83 122 0 0,-45 173-624 0 0,-3-1 0 0 0,3-80 0 0 0,-10 128 60 0 0</inkml:trace>
+</inkml:ink>
+</file>
+
+<file path=ppt/ink/ink2.xml><?xml version="1.0" encoding="utf-8"?>
+<inkml:ink xmlns:inkml="http://www.w3.org/2003/InkML">
+  <inkml:definitions>
+    <inkml:context xml:id="ctx0">
+      <inkml:inkSource xml:id="inkSrc0">
+        <inkml:traceFormat>
+          <inkml:channel name="X" type="integer" min="-2.14748E9" max="2.14748E9" units="cm"/>
+          <inkml:channel name="Y" type="integer" min="-2.14748E9" max="2.14748E9" units="cm"/>
+          <inkml:channel name="F" type="integer" max="32767" units="dev"/>
+          <inkml:channel name="OA" type="integer" max="360" units="deg"/>
+          <inkml:channel name="OE" type="integer" max="90" units="deg"/>
+        </inkml:traceFormat>
+        <inkml:channelProperties>
+          <inkml:channelProperty channel="X" name="resolution" value="1000" units="1/cm"/>
+          <inkml:channelProperty channel="Y" name="resolution" value="1000" units="1/cm"/>
+          <inkml:channelProperty channel="F" name="resolution" value="0" units="1/dev"/>
+          <inkml:channelProperty channel="OA" name="resolution" value="1000" units="1/deg"/>
+          <inkml:channelProperty channel="OE" name="resolution" value="1000" units="1/deg"/>
+        </inkml:channelProperties>
+      </inkml:inkSource>
+      <inkml:timestamp xml:id="ts0" timeString="2020-12-28T14:32:05.039"/>
+    </inkml:context>
+    <inkml:brush xml:id="br0">
+      <inkml:brushProperty name="width" value="0.1" units="cm"/>
+      <inkml:brushProperty name="height" value="0.1" units="cm"/>
+      <inkml:brushProperty name="color" value="#33CCFF"/>
+    </inkml:brush>
+  </inkml:definitions>
+  <inkml:trace contextRef="#ctx0" brushRef="#br0">285 114 2759 0 0,'0'0'2232'0'0,"-12"-18"840"0"0,8 14-2768 0 0,3 2-189 0 0,-1 1-1 0 0,1-1 1 0 0,-1 1-1 0 0,1 0 1 0 0,-1-1 0 0 0,0 1-1 0 0,1 0 1 0 0,-1 0-1 0 0,0 0 1 0 0,0 0-1 0 0,0 0 1 0 0,0 1 0 0 0,0-1-1 0 0,0 1 1 0 0,0-1-1 0 0,0 1 1 0 0,0 0-1 0 0,0-1 1 0 0,0 1-1 0 0,0 0 1 0 0,0 0 0 0 0,0 1-1 0 0,0-1 1 0 0,-3 1-1 0 0,0 1-114 0 0,-1-1 0 0 0,1 2 0 0 0,0-1 0 0 0,0 0 0 0 0,0 1 0 0 0,0 0 0 0 0,1 0 0 0 0,-1 1 0 0 0,1-1 0 0 0,0 1 0 0 0,-7 7 0 0 0,-2 5 0 0 0,-21 34 0 0 0,-6 7 0 0 0,-28 22 0 0 0,189-208 0 0 0,-5 8 0 0 0,-58 61 0 0 0,-47 52 79 0 0,-6 9 1725 0 0,-5 0-1655 0 0,0 6-133 0 0,10 32-16 0 0,-5-22 0 0 0,4 13 0 0 0,2 0 0 0 0,0 0 0 0 0,2-1 0 0 0,1 0 0 0 0,2-1 0 0 0,31 43 0 0 0,-43-65-73 0 0,1 0-1 0 0,0-1 1 0 0,1 1-1 0 0,-1-1 1 0 0,1 0-1 0 0,0-1 1 0 0,11 7-1 0 0</inkml:trace>
+</inkml:ink>
+</file>
+
+<file path=ppt/ink/ink3.xml><?xml version="1.0" encoding="utf-8"?>
+<inkml:ink xmlns:inkml="http://www.w3.org/2003/InkML">
+  <inkml:definitions>
+    <inkml:context xml:id="ctx0">
+      <inkml:inkSource xml:id="inkSrc0">
+        <inkml:traceFormat>
+          <inkml:channel name="X" type="integer" min="-2.14748E9" max="2.14748E9" units="cm"/>
+          <inkml:channel name="Y" type="integer" min="-2.14748E9" max="2.14748E9" units="cm"/>
+          <inkml:channel name="F" type="integer" max="32767" units="dev"/>
+          <inkml:channel name="OA" type="integer" max="360" units="deg"/>
+          <inkml:channel name="OE" type="integer" max="90" units="deg"/>
+        </inkml:traceFormat>
+        <inkml:channelProperties>
+          <inkml:channelProperty channel="X" name="resolution" value="1000" units="1/cm"/>
+          <inkml:channelProperty channel="Y" name="resolution" value="1000" units="1/cm"/>
+          <inkml:channelProperty channel="F" name="resolution" value="0" units="1/dev"/>
+          <inkml:channelProperty channel="OA" name="resolution" value="1000" units="1/deg"/>
+          <inkml:channelProperty channel="OE" name="resolution" value="1000" units="1/deg"/>
+        </inkml:channelProperties>
+      </inkml:inkSource>
+      <inkml:timestamp xml:id="ts0" timeString="2020-12-28T14:32:42.885"/>
+    </inkml:context>
+    <inkml:brush xml:id="br0">
+      <inkml:brushProperty name="width" value="0.1" units="cm"/>
+      <inkml:brushProperty name="height" value="0.1" units="cm"/>
+      <inkml:brushProperty name="color" value="#33CCFF"/>
+    </inkml:brush>
+  </inkml:definitions>
+  <inkml:trace contextRef="#ctx0" brushRef="#br0">53 1524 4607 0 0,'0'0'2363'0'0,"-1"1"-2214"0"0,-3 3-61 0 0,4-3 283 0 0,-8 7 1218 0 0,7-8-1588 0 0,0 0 0 0 0,1 0-1 0 0,-1 0 1 0 0,0 1-1 0 0,0-1 1 0 0,0 0 0 0 0,1 0-1 0 0,-1 0 1 0 0,0 0-1 0 0,0 0 1 0 0,1-1 0 0 0,-1 1-1 0 0,0 0 1 0 0,0 0-1 0 0,1 0 1 0 0,-1-1 0 0 0,0 1-1 0 0,1 0 1 0 0,-1-1-1 0 0,0 1 1 0 0,1 0 0 0 0,-1-1-1 0 0,0 1 1 0 0,1-1 0 0 0,-1 1-1 0 0,1-1 1 0 0,-1 0-1 0 0,1 1 1 0 0,-1-1 0 0 0,1 1-1 0 0,-1-1 1 0 0,1-1-1 0 0,-10-18-4 0 0,7 4 4 0 0,1 0 0 0 0,0-1 0 0 0,1 1 0 0 0,1-1 0 0 0,1 1 0 0 0,3-21 0 0 0,-1 10 0 0 0,3-28 0 0 0,3 0 0 0 0,2 1 0 0 0,2 0 0 0 0,26-64 0 0 0,-8 41 0 0 0,3 0 0 0 0,50-80 0 0 0,-55 110 0 0 0,1 1 0 0 0,3 1 0 0 0,1 2 0 0 0,2 1 0 0 0,2 3 0 0 0,2 0 0 0 0,1 3 0 0 0,2 1 0 0 0,53-32 0 0 0,247-132 0 0 0,-217 150 0 0 0,-103 37 0 0 0</inkml:trace>
+</inkml:ink>
+</file>
+
+<file path=ppt/ink/ink4.xml><?xml version="1.0" encoding="utf-8"?>
+<inkml:ink xmlns:inkml="http://www.w3.org/2003/InkML">
+  <inkml:definitions>
+    <inkml:context xml:id="ctx0">
+      <inkml:inkSource xml:id="inkSrc0">
+        <inkml:traceFormat>
+          <inkml:channel name="X" type="integer" min="-2.14748E9" max="2.14748E9" units="cm"/>
+          <inkml:channel name="Y" type="integer" min="-2.14748E9" max="2.14748E9" units="cm"/>
+          <inkml:channel name="F" type="integer" max="32767" units="dev"/>
+          <inkml:channel name="OA" type="integer" max="360" units="deg"/>
+          <inkml:channel name="OE" type="integer" max="90" units="deg"/>
+        </inkml:traceFormat>
+        <inkml:channelProperties>
+          <inkml:channelProperty channel="X" name="resolution" value="1000" units="1/cm"/>
+          <inkml:channelProperty channel="Y" name="resolution" value="1000" units="1/cm"/>
+          <inkml:channelProperty channel="F" name="resolution" value="0" units="1/dev"/>
+          <inkml:channelProperty channel="OA" name="resolution" value="1000" units="1/deg"/>
+          <inkml:channelProperty channel="OE" name="resolution" value="1000" units="1/deg"/>
+        </inkml:channelProperties>
+      </inkml:inkSource>
+      <inkml:timestamp xml:id="ts0" timeString="2020-12-28T14:32:43.841"/>
+    </inkml:context>
+    <inkml:brush xml:id="br0">
+      <inkml:brushProperty name="width" value="0.1" units="cm"/>
+      <inkml:brushProperty name="height" value="0.1" units="cm"/>
+      <inkml:brushProperty name="color" value="#33CCFF"/>
+    </inkml:brush>
+  </inkml:definitions>
+  <inkml:trace contextRef="#ctx0" brushRef="#br0">0 0 4607 0 0,'0'0'2363'0'0,"27"9"-1755"0"0,204 60 997 0 0,-160-49-1605 0 0,-27-6 0 0 0,50 8 0 0 0,-85-20 931 0 0,14 5 1626 0 0,-41 5-1949 0 0,2 2-608 0 0,0 2 0 0 0,1 0 0 0 0,1 1 0 0 0,1 1 0 0 0,-17 27 0 0 0,17-24 0 0 0,-151 235-2100 0 0,150-235-1992 0 0</inkml:trace>
+</inkml:ink>
+</file>
+
+<file path=ppt/ink/ink5.xml><?xml version="1.0" encoding="utf-8"?>
+<inkml:ink xmlns:inkml="http://www.w3.org/2003/InkML">
+  <inkml:definitions>
+    <inkml:context xml:id="ctx0">
+      <inkml:inkSource xml:id="inkSrc0">
+        <inkml:traceFormat>
+          <inkml:channel name="X" type="integer" min="-2.14748E9" max="2.14748E9" units="cm"/>
+          <inkml:channel name="Y" type="integer" min="-2.14748E9" max="2.14748E9" units="cm"/>
+          <inkml:channel name="F" type="integer" max="32767" units="dev"/>
+          <inkml:channel name="OA" type="integer" max="360" units="deg"/>
+          <inkml:channel name="OE" type="integer" max="90" units="deg"/>
+        </inkml:traceFormat>
+        <inkml:channelProperties>
+          <inkml:channelProperty channel="X" name="resolution" value="1000" units="1/cm"/>
+          <inkml:channelProperty channel="Y" name="resolution" value="1000" units="1/cm"/>
+          <inkml:channelProperty channel="F" name="resolution" value="0" units="1/dev"/>
+          <inkml:channelProperty channel="OA" name="resolution" value="1000" units="1/deg"/>
+          <inkml:channelProperty channel="OE" name="resolution" value="1000" units="1/deg"/>
+        </inkml:channelProperties>
+      </inkml:inkSource>
+      <inkml:timestamp xml:id="ts0" timeString="2020-12-28T15:03:19.570"/>
+    </inkml:context>
+    <inkml:brush xml:id="br0">
+      <inkml:brushProperty name="width" value="0.05" units="cm"/>
+      <inkml:brushProperty name="height" value="0.05" units="cm"/>
+      <inkml:brushProperty name="color" value="#FFFFFF"/>
+    </inkml:brush>
+  </inkml:definitions>
+  <inkml:trace contextRef="#ctx0" brushRef="#br0">11 1521 8287 0 0,'-6'4'786'0'0,"4"-3"-708"0"0,0 2 1837 0 0,2-3-1908 0 0,1 0 0 0 0,-1 1-1 0 0,0-1 1 0 0,1 0 0 0 0,-1 1 0 0 0,1-1-1 0 0,-1 0 1 0 0,0 0 0 0 0,1 1 0 0 0,-1-1 0 0 0,1 0-1 0 0,-1 0 1 0 0,1 0 0 0 0,-1 0 0 0 0,1 1 0 0 0,-1-1-1 0 0,1 0 1 0 0,-1 0 0 0 0,1 0 0 0 0,-1 0-1 0 0,1 0 1 0 0,-1 0 0 0 0,1 0 0 0 0,-1-1 0 0 0,1 1-1 0 0,-1 0 1 0 0,1 0 0 0 0,-1 0 0 0 0,0 0-1 0 0,1-1 1 0 0,0 1 0 0 0,18-7 624 0 0,-17 7-383 0 0,31-14-45 0 0,1-1-1 0 0,-2-2 1 0 0,0-1-1 0 0,-1-2 1 0 0,51-42-1 0 0,-14 1-251 0 0,69-77 0 0 0,-105 103 49 0 0,-2-1 0 0 0,-1-1 0 0 0,44-75 0 0 0,-70 105 133 0 0,1 1 0 0 0,-1-1 0 0 0,-1 0-1 0 0,1 0 1 0 0,-1 0 0 0 0,0 0 0 0 0,-1 0-1 0 0,0-1 1 0 0,0 1 0 0 0,0-13 0 0 0,-1 17-194 0 0,-1-1 1 0 0,0 0 0 0 0,0 1-1 0 0,0-1 1 0 0,0 1 0 0 0,-1 0-1 0 0,1-1 1 0 0,-1 1-1 0 0,0 0 1 0 0,0 0 0 0 0,0 0-1 0 0,0 0 1 0 0,0 0 0 0 0,-1 0-1 0 0,1 0 1 0 0,-1 1 0 0 0,0 0-1 0 0,0-1 1 0 0,0 1-1 0 0,0 0 1 0 0,0 0 0 0 0,-7-2-1 0 0,-91-31 45 0 0,100 35 27 0 0,1-1 0 0 0,-1 1-1 0 0,1 0 1 0 0,-1-1 0 0 0,0 1 0 0 0,1-1-1 0 0,-1 1 1 0 0,1-1 0 0 0,-1 1-1 0 0,1-1 1 0 0,-1 1 0 0 0,1-1-1 0 0,-1 1 1 0 0,1-1 0 0 0,0 0 0 0 0,-1 1-1 0 0,1-1 1 0 0,0 0 0 0 0,0 1-1 0 0,-1-1 1 0 0,1 0 0 0 0,0 0-1 0 0,0 1 1 0 0,0-1 0 0 0,0 0 0 0 0,0 1-1 0 0,0-3 1 0 0,10-21 653 0 0,24-15 347 0 0,-34 38-1010 0 0,73-67 5 0 0,3 3 0 0 0,149-98 0 0 0,189-80-9 0 0,-239 144 4 0 0,-104 61-2238 0 0,-60 32-2542 0 0</inkml:trace>
+</inkml:ink>
+</file>
+
+<file path=ppt/ink/ink6.xml><?xml version="1.0" encoding="utf-8"?>
+<inkml:ink xmlns:inkml="http://www.w3.org/2003/InkML">
+  <inkml:definitions>
+    <inkml:context xml:id="ctx0">
+      <inkml:inkSource xml:id="inkSrc0">
+        <inkml:traceFormat>
+          <inkml:channel name="X" type="integer" min="-2.14748E9" max="2.14748E9" units="cm"/>
+          <inkml:channel name="Y" type="integer" min="-2.14748E9" max="2.14748E9" units="cm"/>
+          <inkml:channel name="F" type="integer" max="32767" units="dev"/>
+          <inkml:channel name="OA" type="integer" max="360" units="deg"/>
+          <inkml:channel name="OE" type="integer" max="90" units="deg"/>
+        </inkml:traceFormat>
+        <inkml:channelProperties>
+          <inkml:channelProperty channel="X" name="resolution" value="1000" units="1/cm"/>
+          <inkml:channelProperty channel="Y" name="resolution" value="1000" units="1/cm"/>
+          <inkml:channelProperty channel="F" name="resolution" value="0" units="1/dev"/>
+          <inkml:channelProperty channel="OA" name="resolution" value="1000" units="1/deg"/>
+          <inkml:channelProperty channel="OE" name="resolution" value="1000" units="1/deg"/>
+        </inkml:channelProperties>
+      </inkml:inkSource>
+      <inkml:timestamp xml:id="ts0" timeString="2020-12-28T15:03:21.342"/>
+    </inkml:context>
+    <inkml:brush xml:id="br0">
+      <inkml:brushProperty name="width" value="0.05" units="cm"/>
+      <inkml:brushProperty name="height" value="0.05" units="cm"/>
+      <inkml:brushProperty name="color" value="#FFFFFF"/>
+    </inkml:brush>
+  </inkml:definitions>
+  <inkml:trace contextRef="#ctx0" brushRef="#br0">14 183 2759 0 0,'0'0'4211'0'0,"11"-25"-1998"0"0,24-30-1679 0 0,-28 42-317 0 0,0 0-1 0 0,1 1 0 0 0,1 0 0 0 0,0 0 1 0 0,0 1-1 0 0,21-18 0 0 0,-54 68-216 0 0,-1-5 0 0 0,18-24 0 0 0,1-1 0 0 0,-2 0 0 0 0,1 0 0 0 0,-1 0 0 0 0,-1-1 0 0 0,1 0 0 0 0,-17 11 0 0 0,22-18 0 0 0,1 1 0 0 0,-1 0 0 0 0,1 0 0 0 0,1 1 0 0 0,1-1 0 0 0,1 0 89 0 0,0 0-1 0 0,0 0 1 0 0,1 0-1 0 0,-1-1 0 0 0,1 1 1 0 0,-1-1-1 0 0,1 1 1 0 0,-1-1-1 0 0,1 0 1 0 0,0 1-1 0 0,0-1 0 0 0,-1 0 1 0 0,1 0-1 0 0,0 0 1 0 0,0 0-1 0 0,0-1 1 0 0,0 1-1 0 0,0 0 0 0 0,0-1 1 0 0,1 1-1 0 0,3-1 1 0 0,-1 1 13 0 0,7 1-240 0 0,1-1 0 0 0,-1 0-1 0 0,1-1 1 0 0,-1-1-1 0 0,0 0 1 0 0,1-1 0 0 0,-1 0-1 0 0,0 0 1 0 0,21-8-1 0 0</inkml:trace>
+</inkml:ink>
+</file>
+
 <file path=ppt/notesMasters/notesMaster1.xml><?xml version="1.0" encoding="utf-8"?>
 <p:notesMaster xmlns:a="http://schemas.openxmlformats.org/drawingml/2006/main" xmlns:r="http://schemas.openxmlformats.org/officeDocument/2006/relationships" xmlns:p="http://schemas.openxmlformats.org/presentationml/2006/main">
   <p:cSld>
@@ -998,7 +1193,7 @@
           <a:p>
             <a:fld id="{ADE0D168-4429-4263-9955-643F75F7DA53}" type="datetimeFigureOut">
               <a:rPr lang="en-US" smtClean="0"/>
-              <a:t>12/2/2020</a:t>
+              <a:t>12/28/2020</a:t>
             </a:fld>
             <a:endParaRPr lang="en-US"/>
           </a:p>
@@ -1400,6 +1595,150 @@
     <p:extLst>
       <p:ext uri="{BB962C8B-B14F-4D97-AF65-F5344CB8AC3E}">
         <p14:creationId xmlns:p14="http://schemas.microsoft.com/office/powerpoint/2010/main" val="2173694804"/>
+      </p:ext>
+    </p:extLst>
+  </p:cSld>
+  <p:clrMapOvr>
+    <a:masterClrMapping/>
+  </p:clrMapOvr>
+</p:notes>
+</file>
+
+<file path=ppt/notesSlides/notesSlide10.xml><?xml version="1.0" encoding="utf-8"?>
+<p:notes xmlns:a="http://schemas.openxmlformats.org/drawingml/2006/main" xmlns:r="http://schemas.openxmlformats.org/officeDocument/2006/relationships" xmlns:p="http://schemas.openxmlformats.org/presentationml/2006/main">
+  <p:cSld>
+    <p:spTree>
+      <p:nvGrpSpPr>
+        <p:cNvPr id="1" name=""/>
+        <p:cNvGrpSpPr/>
+        <p:nvPr/>
+      </p:nvGrpSpPr>
+      <p:grpSpPr>
+        <a:xfrm>
+          <a:off x="0" y="0"/>
+          <a:ext cx="0" cy="0"/>
+          <a:chOff x="0" y="0"/>
+          <a:chExt cx="0" cy="0"/>
+        </a:xfrm>
+      </p:grpSpPr>
+      <p:sp>
+        <p:nvSpPr>
+          <p:cNvPr id="2" name="Slide Image Placeholder 1"/>
+          <p:cNvSpPr>
+            <a:spLocks noGrp="1" noRot="1" noChangeAspect="1"/>
+          </p:cNvSpPr>
+          <p:nvPr>
+            <p:ph type="sldImg"/>
+          </p:nvPr>
+        </p:nvSpPr>
+        <p:spPr/>
+      </p:sp>
+      <p:sp>
+        <p:nvSpPr>
+          <p:cNvPr id="3" name="Notes Placeholder 2"/>
+          <p:cNvSpPr>
+            <a:spLocks noGrp="1"/>
+          </p:cNvSpPr>
+          <p:nvPr>
+            <p:ph type="body" idx="1"/>
+          </p:nvPr>
+        </p:nvSpPr>
+        <p:spPr/>
+        <p:txBody>
+          <a:bodyPr/>
+          <a:lstStyle/>
+          <a:p>
+            <a:endParaRPr lang="en-US"/>
+          </a:p>
+        </p:txBody>
+      </p:sp>
+      <p:sp>
+        <p:nvSpPr>
+          <p:cNvPr id="4" name="Slide Number Placeholder 3"/>
+          <p:cNvSpPr>
+            <a:spLocks noGrp="1"/>
+          </p:cNvSpPr>
+          <p:nvPr>
+            <p:ph type="sldNum" sz="quarter" idx="5"/>
+          </p:nvPr>
+        </p:nvSpPr>
+        <p:spPr/>
+        <p:txBody>
+          <a:bodyPr/>
+          <a:lstStyle/>
+          <a:p>
+            <a:pPr marL="0" marR="0" lvl="0" indent="0" algn="r" defTabSz="914400" rtl="0" eaLnBrk="1" fontAlgn="auto" latinLnBrk="0" hangingPunct="1">
+              <a:lnSpc>
+                <a:spcPct val="100000"/>
+              </a:lnSpc>
+              <a:spcBef>
+                <a:spcPts val="0"/>
+              </a:spcBef>
+              <a:spcAft>
+                <a:spcPts val="0"/>
+              </a:spcAft>
+              <a:buClrTx/>
+              <a:buSzTx/>
+              <a:buFontTx/>
+              <a:buNone/>
+              <a:tabLst/>
+              <a:defRPr/>
+            </a:pPr>
+            <a:fld id="{06206E34-2AFF-4543-9429-368FDE16B24E}" type="slidenum">
+              <a:rPr kumimoji="0" lang="en-US" sz="1200" b="0" i="0" u="none" strike="noStrike" kern="1200" cap="none" spc="0" normalizeH="0" baseline="0" noProof="0" smtClean="0">
+                <a:ln>
+                  <a:noFill/>
+                </a:ln>
+                <a:solidFill>
+                  <a:prstClr val="black"/>
+                </a:solidFill>
+                <a:effectLst/>
+                <a:uLnTx/>
+                <a:uFillTx/>
+                <a:latin typeface="Calibri" panose="020F0502020204030204"/>
+                <a:ea typeface="+mn-ea"/>
+                <a:cs typeface="+mn-cs"/>
+              </a:rPr>
+              <a:pPr marL="0" marR="0" lvl="0" indent="0" algn="r" defTabSz="914400" rtl="0" eaLnBrk="1" fontAlgn="auto" latinLnBrk="0" hangingPunct="1">
+                <a:lnSpc>
+                  <a:spcPct val="100000"/>
+                </a:lnSpc>
+                <a:spcBef>
+                  <a:spcPts val="0"/>
+                </a:spcBef>
+                <a:spcAft>
+                  <a:spcPts val="0"/>
+                </a:spcAft>
+                <a:buClrTx/>
+                <a:buSzTx/>
+                <a:buFontTx/>
+                <a:buNone/>
+                <a:tabLst/>
+                <a:defRPr/>
+              </a:pPr>
+              <a:t>10</a:t>
+            </a:fld>
+            <a:endParaRPr kumimoji="0" lang="en-US" sz="1200" b="0" i="0" u="none" strike="noStrike" kern="1200" cap="none" spc="0" normalizeH="0" baseline="0" noProof="0">
+              <a:ln>
+                <a:noFill/>
+              </a:ln>
+              <a:solidFill>
+                <a:prstClr val="black"/>
+              </a:solidFill>
+              <a:effectLst/>
+              <a:uLnTx/>
+              <a:uFillTx/>
+              <a:latin typeface="Calibri" panose="020F0502020204030204"/>
+              <a:ea typeface="+mn-ea"/>
+              <a:cs typeface="+mn-cs"/>
+            </a:endParaRPr>
+          </a:p>
+        </p:txBody>
+      </p:sp>
+    </p:spTree>
+    <p:extLst>
+      <p:ext uri="{BB962C8B-B14F-4D97-AF65-F5344CB8AC3E}">
+        <p14:creationId xmlns:p14="http://schemas.microsoft.com/office/powerpoint/2010/main" val="3362963241"/>
       </p:ext>
     </p:extLst>
   </p:cSld>
@@ -2264,6 +2603,294 @@
     <p:extLst>
       <p:ext uri="{BB962C8B-B14F-4D97-AF65-F5344CB8AC3E}">
         <p14:creationId xmlns:p14="http://schemas.microsoft.com/office/powerpoint/2010/main" val="707912898"/>
+      </p:ext>
+    </p:extLst>
+  </p:cSld>
+  <p:clrMapOvr>
+    <a:masterClrMapping/>
+  </p:clrMapOvr>
+</p:notes>
+</file>
+
+<file path=ppt/notesSlides/notesSlide8.xml><?xml version="1.0" encoding="utf-8"?>
+<p:notes xmlns:a="http://schemas.openxmlformats.org/drawingml/2006/main" xmlns:r="http://schemas.openxmlformats.org/officeDocument/2006/relationships" xmlns:p="http://schemas.openxmlformats.org/presentationml/2006/main">
+  <p:cSld>
+    <p:spTree>
+      <p:nvGrpSpPr>
+        <p:cNvPr id="1" name=""/>
+        <p:cNvGrpSpPr/>
+        <p:nvPr/>
+      </p:nvGrpSpPr>
+      <p:grpSpPr>
+        <a:xfrm>
+          <a:off x="0" y="0"/>
+          <a:ext cx="0" cy="0"/>
+          <a:chOff x="0" y="0"/>
+          <a:chExt cx="0" cy="0"/>
+        </a:xfrm>
+      </p:grpSpPr>
+      <p:sp>
+        <p:nvSpPr>
+          <p:cNvPr id="2" name="Slide Image Placeholder 1"/>
+          <p:cNvSpPr>
+            <a:spLocks noGrp="1" noRot="1" noChangeAspect="1"/>
+          </p:cNvSpPr>
+          <p:nvPr>
+            <p:ph type="sldImg"/>
+          </p:nvPr>
+        </p:nvSpPr>
+        <p:spPr/>
+      </p:sp>
+      <p:sp>
+        <p:nvSpPr>
+          <p:cNvPr id="3" name="Notes Placeholder 2"/>
+          <p:cNvSpPr>
+            <a:spLocks noGrp="1"/>
+          </p:cNvSpPr>
+          <p:nvPr>
+            <p:ph type="body" idx="1"/>
+          </p:nvPr>
+        </p:nvSpPr>
+        <p:spPr/>
+        <p:txBody>
+          <a:bodyPr/>
+          <a:lstStyle/>
+          <a:p>
+            <a:endParaRPr lang="en-US"/>
+          </a:p>
+        </p:txBody>
+      </p:sp>
+      <p:sp>
+        <p:nvSpPr>
+          <p:cNvPr id="4" name="Slide Number Placeholder 3"/>
+          <p:cNvSpPr>
+            <a:spLocks noGrp="1"/>
+          </p:cNvSpPr>
+          <p:nvPr>
+            <p:ph type="sldNum" sz="quarter" idx="5"/>
+          </p:nvPr>
+        </p:nvSpPr>
+        <p:spPr/>
+        <p:txBody>
+          <a:bodyPr/>
+          <a:lstStyle/>
+          <a:p>
+            <a:pPr marL="0" marR="0" lvl="0" indent="0" algn="r" defTabSz="914400" rtl="0" eaLnBrk="1" fontAlgn="auto" latinLnBrk="0" hangingPunct="1">
+              <a:lnSpc>
+                <a:spcPct val="100000"/>
+              </a:lnSpc>
+              <a:spcBef>
+                <a:spcPts val="0"/>
+              </a:spcBef>
+              <a:spcAft>
+                <a:spcPts val="0"/>
+              </a:spcAft>
+              <a:buClrTx/>
+              <a:buSzTx/>
+              <a:buFontTx/>
+              <a:buNone/>
+              <a:tabLst/>
+              <a:defRPr/>
+            </a:pPr>
+            <a:fld id="{06206E34-2AFF-4543-9429-368FDE16B24E}" type="slidenum">
+              <a:rPr kumimoji="0" lang="en-US" sz="1200" b="0" i="0" u="none" strike="noStrike" kern="1200" cap="none" spc="0" normalizeH="0" baseline="0" noProof="0" smtClean="0">
+                <a:ln>
+                  <a:noFill/>
+                </a:ln>
+                <a:solidFill>
+                  <a:prstClr val="black"/>
+                </a:solidFill>
+                <a:effectLst/>
+                <a:uLnTx/>
+                <a:uFillTx/>
+                <a:latin typeface="Calibri" panose="020F0502020204030204"/>
+                <a:ea typeface="+mn-ea"/>
+                <a:cs typeface="+mn-cs"/>
+              </a:rPr>
+              <a:pPr marL="0" marR="0" lvl="0" indent="0" algn="r" defTabSz="914400" rtl="0" eaLnBrk="1" fontAlgn="auto" latinLnBrk="0" hangingPunct="1">
+                <a:lnSpc>
+                  <a:spcPct val="100000"/>
+                </a:lnSpc>
+                <a:spcBef>
+                  <a:spcPts val="0"/>
+                </a:spcBef>
+                <a:spcAft>
+                  <a:spcPts val="0"/>
+                </a:spcAft>
+                <a:buClrTx/>
+                <a:buSzTx/>
+                <a:buFontTx/>
+                <a:buNone/>
+                <a:tabLst/>
+                <a:defRPr/>
+              </a:pPr>
+              <a:t>8</a:t>
+            </a:fld>
+            <a:endParaRPr kumimoji="0" lang="en-US" sz="1200" b="0" i="0" u="none" strike="noStrike" kern="1200" cap="none" spc="0" normalizeH="0" baseline="0" noProof="0">
+              <a:ln>
+                <a:noFill/>
+              </a:ln>
+              <a:solidFill>
+                <a:prstClr val="black"/>
+              </a:solidFill>
+              <a:effectLst/>
+              <a:uLnTx/>
+              <a:uFillTx/>
+              <a:latin typeface="Calibri" panose="020F0502020204030204"/>
+              <a:ea typeface="+mn-ea"/>
+              <a:cs typeface="+mn-cs"/>
+            </a:endParaRPr>
+          </a:p>
+        </p:txBody>
+      </p:sp>
+    </p:spTree>
+    <p:extLst>
+      <p:ext uri="{BB962C8B-B14F-4D97-AF65-F5344CB8AC3E}">
+        <p14:creationId xmlns:p14="http://schemas.microsoft.com/office/powerpoint/2010/main" val="3362963241"/>
+      </p:ext>
+    </p:extLst>
+  </p:cSld>
+  <p:clrMapOvr>
+    <a:masterClrMapping/>
+  </p:clrMapOvr>
+</p:notes>
+</file>
+
+<file path=ppt/notesSlides/notesSlide9.xml><?xml version="1.0" encoding="utf-8"?>
+<p:notes xmlns:a="http://schemas.openxmlformats.org/drawingml/2006/main" xmlns:r="http://schemas.openxmlformats.org/officeDocument/2006/relationships" xmlns:p="http://schemas.openxmlformats.org/presentationml/2006/main">
+  <p:cSld>
+    <p:spTree>
+      <p:nvGrpSpPr>
+        <p:cNvPr id="1" name=""/>
+        <p:cNvGrpSpPr/>
+        <p:nvPr/>
+      </p:nvGrpSpPr>
+      <p:grpSpPr>
+        <a:xfrm>
+          <a:off x="0" y="0"/>
+          <a:ext cx="0" cy="0"/>
+          <a:chOff x="0" y="0"/>
+          <a:chExt cx="0" cy="0"/>
+        </a:xfrm>
+      </p:grpSpPr>
+      <p:sp>
+        <p:nvSpPr>
+          <p:cNvPr id="2" name="Slide Image Placeholder 1"/>
+          <p:cNvSpPr>
+            <a:spLocks noGrp="1" noRot="1" noChangeAspect="1"/>
+          </p:cNvSpPr>
+          <p:nvPr>
+            <p:ph type="sldImg"/>
+          </p:nvPr>
+        </p:nvSpPr>
+        <p:spPr/>
+      </p:sp>
+      <p:sp>
+        <p:nvSpPr>
+          <p:cNvPr id="3" name="Notes Placeholder 2"/>
+          <p:cNvSpPr>
+            <a:spLocks noGrp="1"/>
+          </p:cNvSpPr>
+          <p:nvPr>
+            <p:ph type="body" idx="1"/>
+          </p:nvPr>
+        </p:nvSpPr>
+        <p:spPr/>
+        <p:txBody>
+          <a:bodyPr/>
+          <a:lstStyle/>
+          <a:p>
+            <a:endParaRPr lang="en-US"/>
+          </a:p>
+        </p:txBody>
+      </p:sp>
+      <p:sp>
+        <p:nvSpPr>
+          <p:cNvPr id="4" name="Slide Number Placeholder 3"/>
+          <p:cNvSpPr>
+            <a:spLocks noGrp="1"/>
+          </p:cNvSpPr>
+          <p:nvPr>
+            <p:ph type="sldNum" sz="quarter" idx="5"/>
+          </p:nvPr>
+        </p:nvSpPr>
+        <p:spPr/>
+        <p:txBody>
+          <a:bodyPr/>
+          <a:lstStyle/>
+          <a:p>
+            <a:pPr marL="0" marR="0" lvl="0" indent="0" algn="r" defTabSz="914400" rtl="0" eaLnBrk="1" fontAlgn="auto" latinLnBrk="0" hangingPunct="1">
+              <a:lnSpc>
+                <a:spcPct val="100000"/>
+              </a:lnSpc>
+              <a:spcBef>
+                <a:spcPts val="0"/>
+              </a:spcBef>
+              <a:spcAft>
+                <a:spcPts val="0"/>
+              </a:spcAft>
+              <a:buClrTx/>
+              <a:buSzTx/>
+              <a:buFontTx/>
+              <a:buNone/>
+              <a:tabLst/>
+              <a:defRPr/>
+            </a:pPr>
+            <a:fld id="{06206E34-2AFF-4543-9429-368FDE16B24E}" type="slidenum">
+              <a:rPr kumimoji="0" lang="en-US" sz="1200" b="0" i="0" u="none" strike="noStrike" kern="1200" cap="none" spc="0" normalizeH="0" baseline="0" noProof="0" smtClean="0">
+                <a:ln>
+                  <a:noFill/>
+                </a:ln>
+                <a:solidFill>
+                  <a:prstClr val="black"/>
+                </a:solidFill>
+                <a:effectLst/>
+                <a:uLnTx/>
+                <a:uFillTx/>
+                <a:latin typeface="Calibri" panose="020F0502020204030204"/>
+                <a:ea typeface="+mn-ea"/>
+                <a:cs typeface="+mn-cs"/>
+              </a:rPr>
+              <a:pPr marL="0" marR="0" lvl="0" indent="0" algn="r" defTabSz="914400" rtl="0" eaLnBrk="1" fontAlgn="auto" latinLnBrk="0" hangingPunct="1">
+                <a:lnSpc>
+                  <a:spcPct val="100000"/>
+                </a:lnSpc>
+                <a:spcBef>
+                  <a:spcPts val="0"/>
+                </a:spcBef>
+                <a:spcAft>
+                  <a:spcPts val="0"/>
+                </a:spcAft>
+                <a:buClrTx/>
+                <a:buSzTx/>
+                <a:buFontTx/>
+                <a:buNone/>
+                <a:tabLst/>
+                <a:defRPr/>
+              </a:pPr>
+              <a:t>9</a:t>
+            </a:fld>
+            <a:endParaRPr kumimoji="0" lang="en-US" sz="1200" b="0" i="0" u="none" strike="noStrike" kern="1200" cap="none" spc="0" normalizeH="0" baseline="0" noProof="0">
+              <a:ln>
+                <a:noFill/>
+              </a:ln>
+              <a:solidFill>
+                <a:prstClr val="black"/>
+              </a:solidFill>
+              <a:effectLst/>
+              <a:uLnTx/>
+              <a:uFillTx/>
+              <a:latin typeface="Calibri" panose="020F0502020204030204"/>
+              <a:ea typeface="+mn-ea"/>
+              <a:cs typeface="+mn-cs"/>
+            </a:endParaRPr>
+          </a:p>
+        </p:txBody>
+      </p:sp>
+    </p:spTree>
+    <p:extLst>
+      <p:ext uri="{BB962C8B-B14F-4D97-AF65-F5344CB8AC3E}">
+        <p14:creationId xmlns:p14="http://schemas.microsoft.com/office/powerpoint/2010/main" val="888003170"/>
       </p:ext>
     </p:extLst>
   </p:cSld>
@@ -23619,7 +24246,7 @@
               <a:defRPr/>
             </a:pPr>
             <a:r>
-              <a:rPr lang="en-US" sz="1225">
+              <a:rPr lang="en-US" sz="1225" dirty="0">
                 <a:solidFill>
                   <a:srgbClr val="000000"/>
                 </a:solidFill>
@@ -32087,6 +32714,1816 @@
 </p:sld>
 </file>
 
+<file path=ppt/slides/slide10.xml><?xml version="1.0" encoding="utf-8"?>
+<p:sld xmlns:a="http://schemas.openxmlformats.org/drawingml/2006/main" xmlns:r="http://schemas.openxmlformats.org/officeDocument/2006/relationships" xmlns:p="http://schemas.openxmlformats.org/presentationml/2006/main">
+  <p:cSld>
+    <p:bg>
+      <p:bgPr>
+        <a:solidFill>
+          <a:schemeClr val="tx1"/>
+        </a:solidFill>
+        <a:effectLst/>
+      </p:bgPr>
+    </p:bg>
+    <p:spTree>
+      <p:nvGrpSpPr>
+        <p:cNvPr id="1" name=""/>
+        <p:cNvGrpSpPr/>
+        <p:nvPr/>
+      </p:nvGrpSpPr>
+      <p:grpSpPr>
+        <a:xfrm>
+          <a:off x="0" y="0"/>
+          <a:ext cx="0" cy="0"/>
+          <a:chOff x="0" y="0"/>
+          <a:chExt cx="0" cy="0"/>
+        </a:xfrm>
+      </p:grpSpPr>
+      <p:pic>
+        <p:nvPicPr>
+          <p:cNvPr id="3" name="Picture 2" descr="Graphical user interface, text, application, email&#10;&#10;Description automatically generated">
+            <a:extLst>
+              <a:ext uri="{FF2B5EF4-FFF2-40B4-BE49-F238E27FC236}">
+                <a16:creationId xmlns:a16="http://schemas.microsoft.com/office/drawing/2014/main" id="{D215A417-0898-4916-B3BA-59730ED55BCC}"/>
+              </a:ext>
+            </a:extLst>
+          </p:cNvPr>
+          <p:cNvPicPr>
+            <a:picLocks noChangeAspect="1"/>
+          </p:cNvPicPr>
+          <p:nvPr/>
+        </p:nvPicPr>
+        <p:blipFill>
+          <a:blip r:embed="rId3">
+            <a:extLst>
+              <a:ext uri="{28A0092B-C50C-407E-A947-70E740481C1C}">
+                <a14:useLocalDpi xmlns:a14="http://schemas.microsoft.com/office/drawing/2010/main" val="0"/>
+              </a:ext>
+            </a:extLst>
+          </a:blip>
+          <a:stretch>
+            <a:fillRect/>
+          </a:stretch>
+        </p:blipFill>
+        <p:spPr>
+          <a:xfrm>
+            <a:off x="689952" y="0"/>
+            <a:ext cx="10872421" cy="5999163"/>
+          </a:xfrm>
+          <a:prstGeom prst="rect">
+            <a:avLst/>
+          </a:prstGeom>
+        </p:spPr>
+      </p:pic>
+      <p:sp>
+        <p:nvSpPr>
+          <p:cNvPr id="4" name="Left Brace 3">
+            <a:extLst>
+              <a:ext uri="{FF2B5EF4-FFF2-40B4-BE49-F238E27FC236}">
+                <a16:creationId xmlns:a16="http://schemas.microsoft.com/office/drawing/2014/main" id="{532C480D-1764-45E3-8047-A5EC31440325}"/>
+              </a:ext>
+            </a:extLst>
+          </p:cNvPr>
+          <p:cNvSpPr/>
+          <p:nvPr/>
+        </p:nvSpPr>
+        <p:spPr>
+          <a:xfrm>
+            <a:off x="1863737" y="956185"/>
+            <a:ext cx="193663" cy="2239453"/>
+          </a:xfrm>
+          <a:prstGeom prst="leftBrace">
+            <a:avLst>
+              <a:gd name="adj1" fmla="val 55208"/>
+              <a:gd name="adj2" fmla="val 50027"/>
+            </a:avLst>
+          </a:prstGeom>
+          <a:ln w="15875">
+            <a:solidFill>
+              <a:srgbClr val="50E6FF"/>
+            </a:solidFill>
+            <a:prstDash val="solid"/>
+            <a:headEnd type="none" w="lg" len="med"/>
+            <a:tailEnd type="none" w="lg" len="med"/>
+          </a:ln>
+          <a:effectLst>
+            <a:outerShdw blurRad="50800" dist="38100" dir="2700000" algn="tl" rotWithShape="0">
+              <a:prstClr val="black">
+                <a:alpha val="40000"/>
+              </a:prstClr>
+            </a:outerShdw>
+          </a:effectLst>
+        </p:spPr>
+        <p:style>
+          <a:lnRef idx="1">
+            <a:schemeClr val="accent1"/>
+          </a:lnRef>
+          <a:fillRef idx="0">
+            <a:schemeClr val="accent1"/>
+          </a:fillRef>
+          <a:effectRef idx="0">
+            <a:schemeClr val="accent1"/>
+          </a:effectRef>
+          <a:fontRef idx="minor">
+            <a:schemeClr val="tx1"/>
+          </a:fontRef>
+        </p:style>
+        <p:txBody>
+          <a:bodyPr rtlCol="0" anchor="ctr"/>
+          <a:lstStyle/>
+          <a:p>
+            <a:pPr algn="ctr"/>
+            <a:endParaRPr lang="en-US"/>
+          </a:p>
+        </p:txBody>
+      </p:sp>
+      <p:sp>
+        <p:nvSpPr>
+          <p:cNvPr id="5" name="Rectangle 4">
+            <a:extLst>
+              <a:ext uri="{FF2B5EF4-FFF2-40B4-BE49-F238E27FC236}">
+                <a16:creationId xmlns:a16="http://schemas.microsoft.com/office/drawing/2014/main" id="{799A6B7D-1CCD-4D8B-A367-8864EDD254B8}"/>
+              </a:ext>
+            </a:extLst>
+          </p:cNvPr>
+          <p:cNvSpPr/>
+          <p:nvPr/>
+        </p:nvSpPr>
+        <p:spPr bwMode="auto">
+          <a:xfrm>
+            <a:off x="1026724" y="1895377"/>
+            <a:ext cx="959239" cy="219173"/>
+          </a:xfrm>
+          <a:prstGeom prst="rect">
+            <a:avLst/>
+          </a:prstGeom>
+          <a:noFill/>
+          <a:ln>
+            <a:noFill/>
+            <a:headEnd type="none" w="med" len="med"/>
+            <a:tailEnd type="none" w="med" len="med"/>
+          </a:ln>
+          <a:effectLst>
+            <a:outerShdw blurRad="50800" dist="38100" dir="2700000" algn="tl" rotWithShape="0">
+              <a:prstClr val="black">
+                <a:alpha val="18000"/>
+              </a:prstClr>
+            </a:outerShdw>
+          </a:effectLst>
+        </p:spPr>
+        <p:style>
+          <a:lnRef idx="1">
+            <a:schemeClr val="accent2"/>
+          </a:lnRef>
+          <a:fillRef idx="3">
+            <a:schemeClr val="accent2"/>
+          </a:fillRef>
+          <a:effectRef idx="2">
+            <a:schemeClr val="accent2"/>
+          </a:effectRef>
+          <a:fontRef idx="minor">
+            <a:schemeClr val="lt1"/>
+          </a:fontRef>
+        </p:style>
+        <p:txBody>
+          <a:bodyPr rot="0" spcFirstLastPara="0" vertOverflow="overflow" horzOverflow="overflow" vert="horz" wrap="square" lIns="159978" tIns="127982" rIns="159978" bIns="127982" numCol="1" spcCol="0" rtlCol="0" fromWordArt="0" anchor="ctr" anchorCtr="0" forceAA="0" compatLnSpc="1">
+            <a:prstTxWarp prst="textNoShape">
+              <a:avLst/>
+            </a:prstTxWarp>
+            <a:noAutofit/>
+          </a:bodyPr>
+          <a:lstStyle/>
+          <a:p>
+            <a:pPr defTabSz="815727" fontAlgn="base">
+              <a:lnSpc>
+                <a:spcPts val="2309"/>
+              </a:lnSpc>
+              <a:spcBef>
+                <a:spcPct val="0"/>
+              </a:spcBef>
+              <a:spcAft>
+                <a:spcPct val="0"/>
+              </a:spcAft>
+              <a:defRPr/>
+            </a:pPr>
+            <a:r>
+              <a:rPr lang="en-US" sz="800" dirty="0">
+                <a:solidFill>
+                  <a:srgbClr val="0070C0"/>
+                </a:solidFill>
+                <a:latin typeface="Segoe UI Semibold"/>
+                <a:ea typeface="Segoe UI" pitchFamily="34" charset="0"/>
+                <a:cs typeface="Segoe UI" pitchFamily="34" charset="0"/>
+              </a:rPr>
+              <a:t>Full asset list</a:t>
+            </a:r>
+          </a:p>
+        </p:txBody>
+      </p:sp>
+      <p:sp>
+        <p:nvSpPr>
+          <p:cNvPr id="11" name="Left Brace 10">
+            <a:extLst>
+              <a:ext uri="{FF2B5EF4-FFF2-40B4-BE49-F238E27FC236}">
+                <a16:creationId xmlns:a16="http://schemas.microsoft.com/office/drawing/2014/main" id="{D89735CF-574F-403C-B58F-8070CED14372}"/>
+              </a:ext>
+            </a:extLst>
+          </p:cNvPr>
+          <p:cNvSpPr/>
+          <p:nvPr/>
+        </p:nvSpPr>
+        <p:spPr>
+          <a:xfrm rot="5400000">
+            <a:off x="8251293" y="1802870"/>
+            <a:ext cx="135468" cy="906995"/>
+          </a:xfrm>
+          <a:prstGeom prst="leftBrace">
+            <a:avLst>
+              <a:gd name="adj1" fmla="val 55208"/>
+              <a:gd name="adj2" fmla="val 50027"/>
+            </a:avLst>
+          </a:prstGeom>
+          <a:ln w="15875">
+            <a:solidFill>
+              <a:srgbClr val="50E6FF"/>
+            </a:solidFill>
+            <a:prstDash val="solid"/>
+            <a:headEnd type="none" w="lg" len="med"/>
+            <a:tailEnd type="none" w="lg" len="med"/>
+          </a:ln>
+          <a:effectLst>
+            <a:outerShdw blurRad="50800" dist="38100" dir="2700000" algn="tl" rotWithShape="0">
+              <a:prstClr val="black">
+                <a:alpha val="40000"/>
+              </a:prstClr>
+            </a:outerShdw>
+          </a:effectLst>
+        </p:spPr>
+        <p:style>
+          <a:lnRef idx="1">
+            <a:schemeClr val="accent1"/>
+          </a:lnRef>
+          <a:fillRef idx="0">
+            <a:schemeClr val="accent1"/>
+          </a:fillRef>
+          <a:effectRef idx="0">
+            <a:schemeClr val="accent1"/>
+          </a:effectRef>
+          <a:fontRef idx="minor">
+            <a:schemeClr val="tx1"/>
+          </a:fontRef>
+        </p:style>
+        <p:txBody>
+          <a:bodyPr rtlCol="0" anchor="ctr"/>
+          <a:lstStyle/>
+          <a:p>
+            <a:pPr algn="ctr"/>
+            <a:endParaRPr lang="en-US" dirty="0"/>
+          </a:p>
+        </p:txBody>
+      </p:sp>
+      <p:sp>
+        <p:nvSpPr>
+          <p:cNvPr id="14" name="Rectangle 13">
+            <a:extLst>
+              <a:ext uri="{FF2B5EF4-FFF2-40B4-BE49-F238E27FC236}">
+                <a16:creationId xmlns:a16="http://schemas.microsoft.com/office/drawing/2014/main" id="{E01C5640-F398-44E6-A2E1-08DA5FE9C0E8}"/>
+              </a:ext>
+            </a:extLst>
+          </p:cNvPr>
+          <p:cNvSpPr/>
+          <p:nvPr/>
+        </p:nvSpPr>
+        <p:spPr bwMode="auto">
+          <a:xfrm>
+            <a:off x="7839407" y="1895376"/>
+            <a:ext cx="959239" cy="219173"/>
+          </a:xfrm>
+          <a:prstGeom prst="rect">
+            <a:avLst/>
+          </a:prstGeom>
+          <a:noFill/>
+          <a:ln>
+            <a:noFill/>
+            <a:headEnd type="none" w="med" len="med"/>
+            <a:tailEnd type="none" w="med" len="med"/>
+          </a:ln>
+          <a:effectLst>
+            <a:outerShdw blurRad="50800" dist="38100" dir="2700000" algn="tl" rotWithShape="0">
+              <a:prstClr val="black">
+                <a:alpha val="18000"/>
+              </a:prstClr>
+            </a:outerShdw>
+          </a:effectLst>
+        </p:spPr>
+        <p:style>
+          <a:lnRef idx="1">
+            <a:schemeClr val="accent2"/>
+          </a:lnRef>
+          <a:fillRef idx="3">
+            <a:schemeClr val="accent2"/>
+          </a:fillRef>
+          <a:effectRef idx="2">
+            <a:schemeClr val="accent2"/>
+          </a:effectRef>
+          <a:fontRef idx="minor">
+            <a:schemeClr val="lt1"/>
+          </a:fontRef>
+        </p:style>
+        <p:txBody>
+          <a:bodyPr rot="0" spcFirstLastPara="0" vertOverflow="overflow" horzOverflow="overflow" vert="horz" wrap="square" lIns="159978" tIns="127982" rIns="159978" bIns="127982" numCol="1" spcCol="0" rtlCol="0" fromWordArt="0" anchor="ctr" anchorCtr="0" forceAA="0" compatLnSpc="1">
+            <a:prstTxWarp prst="textNoShape">
+              <a:avLst/>
+            </a:prstTxWarp>
+            <a:noAutofit/>
+          </a:bodyPr>
+          <a:lstStyle/>
+          <a:p>
+            <a:pPr defTabSz="815727" fontAlgn="base">
+              <a:lnSpc>
+                <a:spcPts val="2309"/>
+              </a:lnSpc>
+              <a:spcBef>
+                <a:spcPct val="0"/>
+              </a:spcBef>
+              <a:spcAft>
+                <a:spcPct val="0"/>
+              </a:spcAft>
+              <a:defRPr/>
+            </a:pPr>
+            <a:r>
+              <a:rPr lang="en-US" sz="800" dirty="0">
+                <a:solidFill>
+                  <a:srgbClr val="0070C0"/>
+                </a:solidFill>
+                <a:latin typeface="Segoe UI Semibold"/>
+                <a:ea typeface="Segoe UI" pitchFamily="34" charset="0"/>
+                <a:cs typeface="Segoe UI" pitchFamily="34" charset="0"/>
+              </a:rPr>
+              <a:t>Full asset list</a:t>
+            </a:r>
+          </a:p>
+        </p:txBody>
+      </p:sp>
+      <p:sp>
+        <p:nvSpPr>
+          <p:cNvPr id="40" name="Left Brace 39">
+            <a:extLst>
+              <a:ext uri="{FF2B5EF4-FFF2-40B4-BE49-F238E27FC236}">
+                <a16:creationId xmlns:a16="http://schemas.microsoft.com/office/drawing/2014/main" id="{13705D2F-C065-4F59-BBC4-56329787D823}"/>
+              </a:ext>
+            </a:extLst>
+          </p:cNvPr>
+          <p:cNvSpPr/>
+          <p:nvPr/>
+        </p:nvSpPr>
+        <p:spPr>
+          <a:xfrm rot="10800000">
+            <a:off x="2973557" y="4667034"/>
+            <a:ext cx="135468" cy="951445"/>
+          </a:xfrm>
+          <a:prstGeom prst="leftBrace">
+            <a:avLst>
+              <a:gd name="adj1" fmla="val 55208"/>
+              <a:gd name="adj2" fmla="val 50027"/>
+            </a:avLst>
+          </a:prstGeom>
+          <a:ln w="15875">
+            <a:solidFill>
+              <a:srgbClr val="50E6FF"/>
+            </a:solidFill>
+            <a:prstDash val="solid"/>
+            <a:headEnd type="none" w="lg" len="med"/>
+            <a:tailEnd type="none" w="lg" len="med"/>
+          </a:ln>
+          <a:effectLst>
+            <a:outerShdw blurRad="50800" dist="38100" dir="2700000" algn="tl" rotWithShape="0">
+              <a:prstClr val="black">
+                <a:alpha val="40000"/>
+              </a:prstClr>
+            </a:outerShdw>
+          </a:effectLst>
+        </p:spPr>
+        <p:style>
+          <a:lnRef idx="1">
+            <a:schemeClr val="accent1"/>
+          </a:lnRef>
+          <a:fillRef idx="0">
+            <a:schemeClr val="accent1"/>
+          </a:fillRef>
+          <a:effectRef idx="0">
+            <a:schemeClr val="accent1"/>
+          </a:effectRef>
+          <a:fontRef idx="minor">
+            <a:schemeClr val="tx1"/>
+          </a:fontRef>
+        </p:style>
+        <p:txBody>
+          <a:bodyPr rtlCol="0" anchor="ctr"/>
+          <a:lstStyle/>
+          <a:p>
+            <a:pPr algn="ctr"/>
+            <a:endParaRPr lang="en-US" dirty="0"/>
+          </a:p>
+        </p:txBody>
+      </p:sp>
+      <p:sp>
+        <p:nvSpPr>
+          <p:cNvPr id="42" name="Rectangle 41">
+            <a:extLst>
+              <a:ext uri="{FF2B5EF4-FFF2-40B4-BE49-F238E27FC236}">
+                <a16:creationId xmlns:a16="http://schemas.microsoft.com/office/drawing/2014/main" id="{5521E0EE-E519-45CC-86C2-A0B66C056CCA}"/>
+              </a:ext>
+            </a:extLst>
+          </p:cNvPr>
+          <p:cNvSpPr/>
+          <p:nvPr/>
+        </p:nvSpPr>
+        <p:spPr bwMode="auto">
+          <a:xfrm>
+            <a:off x="3041290" y="5055395"/>
+            <a:ext cx="1154473" cy="219173"/>
+          </a:xfrm>
+          <a:prstGeom prst="rect">
+            <a:avLst/>
+          </a:prstGeom>
+          <a:noFill/>
+          <a:ln>
+            <a:noFill/>
+            <a:headEnd type="none" w="med" len="med"/>
+            <a:tailEnd type="none" w="med" len="med"/>
+          </a:ln>
+          <a:effectLst>
+            <a:outerShdw blurRad="50800" dist="38100" dir="2700000" algn="tl" rotWithShape="0">
+              <a:prstClr val="black">
+                <a:alpha val="18000"/>
+              </a:prstClr>
+            </a:outerShdw>
+          </a:effectLst>
+        </p:spPr>
+        <p:style>
+          <a:lnRef idx="1">
+            <a:schemeClr val="accent2"/>
+          </a:lnRef>
+          <a:fillRef idx="3">
+            <a:schemeClr val="accent2"/>
+          </a:fillRef>
+          <a:effectRef idx="2">
+            <a:schemeClr val="accent2"/>
+          </a:effectRef>
+          <a:fontRef idx="minor">
+            <a:schemeClr val="lt1"/>
+          </a:fontRef>
+        </p:style>
+        <p:txBody>
+          <a:bodyPr rot="0" spcFirstLastPara="0" vertOverflow="overflow" horzOverflow="overflow" vert="horz" wrap="square" lIns="159978" tIns="127982" rIns="159978" bIns="127982" numCol="1" spcCol="0" rtlCol="0" fromWordArt="0" anchor="ctr" anchorCtr="0" forceAA="0" compatLnSpc="1">
+            <a:prstTxWarp prst="textNoShape">
+              <a:avLst/>
+            </a:prstTxWarp>
+            <a:noAutofit/>
+          </a:bodyPr>
+          <a:lstStyle/>
+          <a:p>
+            <a:pPr defTabSz="815727" fontAlgn="base">
+              <a:spcBef>
+                <a:spcPct val="0"/>
+              </a:spcBef>
+              <a:spcAft>
+                <a:spcPct val="0"/>
+              </a:spcAft>
+              <a:defRPr/>
+            </a:pPr>
+            <a:r>
+              <a:rPr lang="en-US" sz="800" dirty="0">
+                <a:solidFill>
+                  <a:srgbClr val="0070C0"/>
+                </a:solidFill>
+                <a:latin typeface="Segoe UI Semibold"/>
+                <a:ea typeface="Segoe UI" pitchFamily="34" charset="0"/>
+                <a:cs typeface="Segoe UI" pitchFamily="34" charset="0"/>
+              </a:rPr>
+              <a:t>Schema and classifications</a:t>
+            </a:r>
+          </a:p>
+        </p:txBody>
+      </p:sp>
+      <p:sp>
+        <p:nvSpPr>
+          <p:cNvPr id="46" name="Rectangle 45">
+            <a:extLst>
+              <a:ext uri="{FF2B5EF4-FFF2-40B4-BE49-F238E27FC236}">
+                <a16:creationId xmlns:a16="http://schemas.microsoft.com/office/drawing/2014/main" id="{021DD7E7-A09C-4F10-938F-912A67C56E63}"/>
+              </a:ext>
+            </a:extLst>
+          </p:cNvPr>
+          <p:cNvSpPr/>
+          <p:nvPr/>
+        </p:nvSpPr>
+        <p:spPr bwMode="auto">
+          <a:xfrm>
+            <a:off x="8824769" y="1957653"/>
+            <a:ext cx="1995631" cy="219173"/>
+          </a:xfrm>
+          <a:prstGeom prst="rect">
+            <a:avLst/>
+          </a:prstGeom>
+          <a:noFill/>
+          <a:ln>
+            <a:noFill/>
+            <a:headEnd type="none" w="med" len="med"/>
+            <a:tailEnd type="none" w="med" len="med"/>
+          </a:ln>
+          <a:effectLst>
+            <a:outerShdw blurRad="50800" dist="38100" dir="2700000" algn="tl" rotWithShape="0">
+              <a:prstClr val="black">
+                <a:alpha val="18000"/>
+              </a:prstClr>
+            </a:outerShdw>
+          </a:effectLst>
+        </p:spPr>
+        <p:style>
+          <a:lnRef idx="1">
+            <a:schemeClr val="accent2"/>
+          </a:lnRef>
+          <a:fillRef idx="3">
+            <a:schemeClr val="accent2"/>
+          </a:fillRef>
+          <a:effectRef idx="2">
+            <a:schemeClr val="accent2"/>
+          </a:effectRef>
+          <a:fontRef idx="minor">
+            <a:schemeClr val="lt1"/>
+          </a:fontRef>
+        </p:style>
+        <p:txBody>
+          <a:bodyPr rot="0" spcFirstLastPara="0" vertOverflow="overflow" horzOverflow="overflow" vert="horz" wrap="square" lIns="159978" tIns="127982" rIns="159978" bIns="127982" numCol="1" spcCol="0" rtlCol="0" fromWordArt="0" anchor="ctr" anchorCtr="0" forceAA="0" compatLnSpc="1">
+            <a:prstTxWarp prst="textNoShape">
+              <a:avLst/>
+            </a:prstTxWarp>
+            <a:noAutofit/>
+          </a:bodyPr>
+          <a:lstStyle/>
+          <a:p>
+            <a:pPr algn="ctr" defTabSz="815727" fontAlgn="base">
+              <a:spcBef>
+                <a:spcPct val="0"/>
+              </a:spcBef>
+              <a:spcAft>
+                <a:spcPct val="0"/>
+              </a:spcAft>
+              <a:defRPr/>
+            </a:pPr>
+            <a:r>
+              <a:rPr lang="en-US" sz="800" dirty="0">
+                <a:solidFill>
+                  <a:srgbClr val="0070C0"/>
+                </a:solidFill>
+                <a:latin typeface="Segoe UI Semibold"/>
+                <a:ea typeface="Segoe UI" pitchFamily="34" charset="0"/>
+                <a:cs typeface="Segoe UI" pitchFamily="34" charset="0"/>
+              </a:rPr>
+              <a:t>Schema and classifications</a:t>
+            </a:r>
+          </a:p>
+        </p:txBody>
+      </p:sp>
+      <p:sp>
+        <p:nvSpPr>
+          <p:cNvPr id="48" name="Left Brace 47">
+            <a:extLst>
+              <a:ext uri="{FF2B5EF4-FFF2-40B4-BE49-F238E27FC236}">
+                <a16:creationId xmlns:a16="http://schemas.microsoft.com/office/drawing/2014/main" id="{C9BD1335-6133-4812-B68D-08DAAE2E6C90}"/>
+              </a:ext>
+            </a:extLst>
+          </p:cNvPr>
+          <p:cNvSpPr/>
+          <p:nvPr/>
+        </p:nvSpPr>
+        <p:spPr>
+          <a:xfrm rot="5400000">
+            <a:off x="9728728" y="1232430"/>
+            <a:ext cx="135468" cy="2047875"/>
+          </a:xfrm>
+          <a:prstGeom prst="leftBrace">
+            <a:avLst>
+              <a:gd name="adj1" fmla="val 55208"/>
+              <a:gd name="adj2" fmla="val 50027"/>
+            </a:avLst>
+          </a:prstGeom>
+          <a:ln w="15875">
+            <a:solidFill>
+              <a:srgbClr val="50E6FF"/>
+            </a:solidFill>
+            <a:prstDash val="solid"/>
+            <a:headEnd type="none" w="lg" len="med"/>
+            <a:tailEnd type="none" w="lg" len="med"/>
+          </a:ln>
+          <a:effectLst>
+            <a:outerShdw blurRad="50800" dist="38100" dir="2700000" algn="tl" rotWithShape="0">
+              <a:prstClr val="black">
+                <a:alpha val="40000"/>
+              </a:prstClr>
+            </a:outerShdw>
+          </a:effectLst>
+        </p:spPr>
+        <p:style>
+          <a:lnRef idx="1">
+            <a:schemeClr val="accent1"/>
+          </a:lnRef>
+          <a:fillRef idx="0">
+            <a:schemeClr val="accent1"/>
+          </a:fillRef>
+          <a:effectRef idx="0">
+            <a:schemeClr val="accent1"/>
+          </a:effectRef>
+          <a:fontRef idx="minor">
+            <a:schemeClr val="tx1"/>
+          </a:fontRef>
+        </p:style>
+        <p:txBody>
+          <a:bodyPr rtlCol="0" anchor="ctr"/>
+          <a:lstStyle/>
+          <a:p>
+            <a:pPr algn="ctr"/>
+            <a:endParaRPr lang="en-US" dirty="0"/>
+          </a:p>
+        </p:txBody>
+      </p:sp>
+      <p:cxnSp>
+        <p:nvCxnSpPr>
+          <p:cNvPr id="55" name="Connector: Elbow 54">
+            <a:extLst>
+              <a:ext uri="{FF2B5EF4-FFF2-40B4-BE49-F238E27FC236}">
+                <a16:creationId xmlns:a16="http://schemas.microsoft.com/office/drawing/2014/main" id="{3FCD9D58-4E95-494B-85B1-3539BBDEA780}"/>
+              </a:ext>
+            </a:extLst>
+          </p:cNvPr>
+          <p:cNvCxnSpPr>
+            <a:cxnSpLocks/>
+            <a:stCxn id="51" idx="1"/>
+          </p:cNvCxnSpPr>
+          <p:nvPr/>
+        </p:nvCxnSpPr>
+        <p:spPr>
+          <a:xfrm rot="10800000" flipV="1">
+            <a:off x="879458" y="1034303"/>
+            <a:ext cx="1223081" cy="2956399"/>
+          </a:xfrm>
+          <a:prstGeom prst="bentConnector2">
+            <a:avLst/>
+          </a:prstGeom>
+          <a:ln w="19050">
+            <a:solidFill>
+              <a:srgbClr val="0078D4"/>
+            </a:solidFill>
+            <a:headEnd type="none" w="lg" len="med"/>
+            <a:tailEnd type="triangle"/>
+          </a:ln>
+          <a:effectLst>
+            <a:outerShdw blurRad="50800" dist="38100" dir="2700000" algn="tl" rotWithShape="0">
+              <a:prstClr val="black">
+                <a:alpha val="40000"/>
+              </a:prstClr>
+            </a:outerShdw>
+          </a:effectLst>
+        </p:spPr>
+        <p:style>
+          <a:lnRef idx="1">
+            <a:schemeClr val="accent1"/>
+          </a:lnRef>
+          <a:fillRef idx="0">
+            <a:schemeClr val="accent1"/>
+          </a:fillRef>
+          <a:effectRef idx="0">
+            <a:schemeClr val="accent1"/>
+          </a:effectRef>
+          <a:fontRef idx="minor">
+            <a:schemeClr val="tx1"/>
+          </a:fontRef>
+        </p:style>
+      </p:cxnSp>
+      <p:sp>
+        <p:nvSpPr>
+          <p:cNvPr id="58" name="Rectangle 57">
+            <a:extLst>
+              <a:ext uri="{FF2B5EF4-FFF2-40B4-BE49-F238E27FC236}">
+                <a16:creationId xmlns:a16="http://schemas.microsoft.com/office/drawing/2014/main" id="{6764E320-8456-4AE6-B0E4-BAEB297174A8}"/>
+              </a:ext>
+            </a:extLst>
+          </p:cNvPr>
+          <p:cNvSpPr/>
+          <p:nvPr/>
+        </p:nvSpPr>
+        <p:spPr bwMode="auto">
+          <a:xfrm rot="16200000">
+            <a:off x="245112" y="2067239"/>
+            <a:ext cx="959239" cy="219173"/>
+          </a:xfrm>
+          <a:prstGeom prst="rect">
+            <a:avLst/>
+          </a:prstGeom>
+          <a:noFill/>
+          <a:ln>
+            <a:noFill/>
+            <a:headEnd type="none" w="med" len="med"/>
+            <a:tailEnd type="none" w="med" len="med"/>
+          </a:ln>
+          <a:effectLst>
+            <a:outerShdw blurRad="50800" dist="38100" dir="2700000" algn="tl" rotWithShape="0">
+              <a:prstClr val="black">
+                <a:alpha val="18000"/>
+              </a:prstClr>
+            </a:outerShdw>
+          </a:effectLst>
+        </p:spPr>
+        <p:style>
+          <a:lnRef idx="1">
+            <a:schemeClr val="accent2"/>
+          </a:lnRef>
+          <a:fillRef idx="3">
+            <a:schemeClr val="accent2"/>
+          </a:fillRef>
+          <a:effectRef idx="2">
+            <a:schemeClr val="accent2"/>
+          </a:effectRef>
+          <a:fontRef idx="minor">
+            <a:schemeClr val="lt1"/>
+          </a:fontRef>
+        </p:style>
+        <p:txBody>
+          <a:bodyPr rot="0" spcFirstLastPara="0" vertOverflow="overflow" horzOverflow="overflow" vert="horz" wrap="square" lIns="159978" tIns="127982" rIns="159978" bIns="127982" numCol="1" spcCol="0" rtlCol="0" fromWordArt="0" anchor="ctr" anchorCtr="0" forceAA="0" compatLnSpc="1">
+            <a:prstTxWarp prst="textNoShape">
+              <a:avLst/>
+            </a:prstTxWarp>
+            <a:noAutofit/>
+          </a:bodyPr>
+          <a:lstStyle/>
+          <a:p>
+            <a:pPr defTabSz="815727" fontAlgn="base">
+              <a:lnSpc>
+                <a:spcPts val="2309"/>
+              </a:lnSpc>
+              <a:spcBef>
+                <a:spcPct val="0"/>
+              </a:spcBef>
+              <a:spcAft>
+                <a:spcPct val="0"/>
+              </a:spcAft>
+              <a:defRPr/>
+            </a:pPr>
+            <a:r>
+              <a:rPr lang="en-US" sz="800" dirty="0">
+                <a:solidFill>
+                  <a:srgbClr val="0070C0"/>
+                </a:solidFill>
+                <a:latin typeface="Segoe UI Semibold"/>
+                <a:ea typeface="Segoe UI" pitchFamily="34" charset="0"/>
+                <a:cs typeface="Segoe UI" pitchFamily="34" charset="0"/>
+              </a:rPr>
+              <a:t>Drill down</a:t>
+            </a:r>
+          </a:p>
+        </p:txBody>
+      </p:sp>
+      <p:sp>
+        <p:nvSpPr>
+          <p:cNvPr id="62" name="Rectangle 61">
+            <a:extLst>
+              <a:ext uri="{FF2B5EF4-FFF2-40B4-BE49-F238E27FC236}">
+                <a16:creationId xmlns:a16="http://schemas.microsoft.com/office/drawing/2014/main" id="{D6E3CBAE-8B61-4E96-A4C6-67223EA60AB0}"/>
+              </a:ext>
+            </a:extLst>
+          </p:cNvPr>
+          <p:cNvSpPr/>
+          <p:nvPr/>
+        </p:nvSpPr>
+        <p:spPr bwMode="auto">
+          <a:xfrm rot="16200000">
+            <a:off x="8150066" y="2805662"/>
+            <a:ext cx="959239" cy="219173"/>
+          </a:xfrm>
+          <a:prstGeom prst="rect">
+            <a:avLst/>
+          </a:prstGeom>
+          <a:noFill/>
+          <a:ln>
+            <a:noFill/>
+            <a:headEnd type="none" w="med" len="med"/>
+            <a:tailEnd type="none" w="med" len="med"/>
+          </a:ln>
+          <a:effectLst>
+            <a:outerShdw blurRad="50800" dist="38100" dir="2700000" algn="tl" rotWithShape="0">
+              <a:prstClr val="black">
+                <a:alpha val="18000"/>
+              </a:prstClr>
+            </a:outerShdw>
+          </a:effectLst>
+        </p:spPr>
+        <p:style>
+          <a:lnRef idx="1">
+            <a:schemeClr val="accent2"/>
+          </a:lnRef>
+          <a:fillRef idx="3">
+            <a:schemeClr val="accent2"/>
+          </a:fillRef>
+          <a:effectRef idx="2">
+            <a:schemeClr val="accent2"/>
+          </a:effectRef>
+          <a:fontRef idx="minor">
+            <a:schemeClr val="lt1"/>
+          </a:fontRef>
+        </p:style>
+        <p:txBody>
+          <a:bodyPr rot="0" spcFirstLastPara="0" vertOverflow="overflow" horzOverflow="overflow" vert="horz" wrap="square" lIns="159978" tIns="127982" rIns="159978" bIns="127982" numCol="1" spcCol="0" rtlCol="0" fromWordArt="0" anchor="ctr" anchorCtr="0" forceAA="0" compatLnSpc="1">
+            <a:prstTxWarp prst="textNoShape">
+              <a:avLst/>
+            </a:prstTxWarp>
+            <a:noAutofit/>
+          </a:bodyPr>
+          <a:lstStyle/>
+          <a:p>
+            <a:pPr defTabSz="815727" fontAlgn="base">
+              <a:lnSpc>
+                <a:spcPts val="2309"/>
+              </a:lnSpc>
+              <a:spcBef>
+                <a:spcPct val="0"/>
+              </a:spcBef>
+              <a:spcAft>
+                <a:spcPct val="0"/>
+              </a:spcAft>
+              <a:defRPr/>
+            </a:pPr>
+            <a:r>
+              <a:rPr lang="en-US" sz="800" dirty="0">
+                <a:solidFill>
+                  <a:srgbClr val="0070C0"/>
+                </a:solidFill>
+                <a:latin typeface="Segoe UI Semibold"/>
+                <a:ea typeface="Segoe UI" pitchFamily="34" charset="0"/>
+                <a:cs typeface="Segoe UI" pitchFamily="34" charset="0"/>
+              </a:rPr>
+              <a:t>Drill down</a:t>
+            </a:r>
+          </a:p>
+        </p:txBody>
+      </p:sp>
+      <p:cxnSp>
+        <p:nvCxnSpPr>
+          <p:cNvPr id="64" name="Straight Connector 63">
+            <a:extLst>
+              <a:ext uri="{FF2B5EF4-FFF2-40B4-BE49-F238E27FC236}">
+                <a16:creationId xmlns:a16="http://schemas.microsoft.com/office/drawing/2014/main" id="{FEDB46ED-B101-4EB3-B9A5-07774D2E0361}"/>
+              </a:ext>
+            </a:extLst>
+          </p:cNvPr>
+          <p:cNvCxnSpPr/>
+          <p:nvPr/>
+        </p:nvCxnSpPr>
+        <p:spPr>
+          <a:xfrm>
+            <a:off x="4748348" y="0"/>
+            <a:ext cx="0" cy="5999163"/>
+          </a:xfrm>
+          <a:prstGeom prst="line">
+            <a:avLst/>
+          </a:prstGeom>
+          <a:ln w="25400">
+            <a:solidFill>
+              <a:srgbClr val="50E6FF"/>
+            </a:solidFill>
+            <a:prstDash val="solid"/>
+            <a:headEnd type="none" w="lg" len="med"/>
+            <a:tailEnd type="none" w="lg" len="med"/>
+          </a:ln>
+        </p:spPr>
+        <p:style>
+          <a:lnRef idx="1">
+            <a:schemeClr val="accent1"/>
+          </a:lnRef>
+          <a:fillRef idx="0">
+            <a:schemeClr val="accent1"/>
+          </a:fillRef>
+          <a:effectRef idx="0">
+            <a:schemeClr val="accent1"/>
+          </a:effectRef>
+          <a:fontRef idx="minor">
+            <a:schemeClr val="tx1"/>
+          </a:fontRef>
+        </p:style>
+      </p:cxnSp>
+      <p:grpSp>
+        <p:nvGrpSpPr>
+          <p:cNvPr id="83" name="Group 82">
+            <a:extLst>
+              <a:ext uri="{FF2B5EF4-FFF2-40B4-BE49-F238E27FC236}">
+                <a16:creationId xmlns:a16="http://schemas.microsoft.com/office/drawing/2014/main" id="{9FC64766-1867-4BEF-9637-B20CF4D7B262}"/>
+              </a:ext>
+            </a:extLst>
+          </p:cNvPr>
+          <p:cNvGrpSpPr/>
+          <p:nvPr/>
+        </p:nvGrpSpPr>
+        <p:grpSpPr>
+          <a:xfrm>
+            <a:off x="3747240" y="72150"/>
+            <a:ext cx="1001108" cy="241992"/>
+            <a:chOff x="2162177" y="34050"/>
+            <a:chExt cx="1001108" cy="241992"/>
+          </a:xfrm>
+        </p:grpSpPr>
+        <p:sp>
+          <p:nvSpPr>
+            <p:cNvPr id="77" name="Rectangle: Rounded Corners 76">
+              <a:extLst>
+                <a:ext uri="{FF2B5EF4-FFF2-40B4-BE49-F238E27FC236}">
+                  <a16:creationId xmlns:a16="http://schemas.microsoft.com/office/drawing/2014/main" id="{AF1DEB90-5692-4D99-B032-B73B434D2380}"/>
+                </a:ext>
+              </a:extLst>
+            </p:cNvPr>
+            <p:cNvSpPr/>
+            <p:nvPr/>
+          </p:nvSpPr>
+          <p:spPr bwMode="auto">
+            <a:xfrm>
+              <a:off x="2162177" y="38774"/>
+              <a:ext cx="926302" cy="237268"/>
+            </a:xfrm>
+            <a:prstGeom prst="roundRect">
+              <a:avLst>
+                <a:gd name="adj" fmla="val 32780"/>
+              </a:avLst>
+            </a:prstGeom>
+            <a:solidFill>
+              <a:srgbClr val="0078D4">
+                <a:alpha val="84000"/>
+              </a:srgbClr>
+            </a:solidFill>
+            <a:ln>
+              <a:noFill/>
+              <a:headEnd type="none" w="med" len="med"/>
+              <a:tailEnd type="none" w="med" len="med"/>
+            </a:ln>
+            <a:effectLst/>
+          </p:spPr>
+          <p:style>
+            <a:lnRef idx="1">
+              <a:schemeClr val="accent2"/>
+            </a:lnRef>
+            <a:fillRef idx="3">
+              <a:schemeClr val="accent2"/>
+            </a:fillRef>
+            <a:effectRef idx="2">
+              <a:schemeClr val="accent2"/>
+            </a:effectRef>
+            <a:fontRef idx="minor">
+              <a:schemeClr val="lt1"/>
+            </a:fontRef>
+          </p:style>
+          <p:txBody>
+            <a:bodyPr rot="0" spcFirstLastPara="0" vertOverflow="overflow" horzOverflow="overflow" vert="horz" wrap="square" lIns="182880" tIns="146304" rIns="182880" bIns="146304" numCol="1" spcCol="0" rtlCol="0" fromWordArt="0" anchor="t" anchorCtr="0" forceAA="0" compatLnSpc="1">
+              <a:prstTxWarp prst="textNoShape">
+                <a:avLst/>
+              </a:prstTxWarp>
+              <a:noAutofit/>
+            </a:bodyPr>
+            <a:lstStyle/>
+            <a:p>
+              <a:pPr algn="ctr" defTabSz="932472" fontAlgn="base">
+                <a:lnSpc>
+                  <a:spcPct val="90000"/>
+                </a:lnSpc>
+                <a:spcBef>
+                  <a:spcPct val="0"/>
+                </a:spcBef>
+                <a:spcAft>
+                  <a:spcPct val="0"/>
+                </a:spcAft>
+              </a:pPr>
+              <a:endParaRPr lang="en-CA" sz="2400" dirty="0" err="1">
+                <a:gradFill>
+                  <a:gsLst>
+                    <a:gs pos="0">
+                      <a:srgbClr val="FFFFFF"/>
+                    </a:gs>
+                    <a:gs pos="100000">
+                      <a:srgbClr val="FFFFFF"/>
+                    </a:gs>
+                  </a:gsLst>
+                  <a:lin ang="5400000" scaled="0"/>
+                </a:gradFill>
+                <a:ea typeface="Segoe UI" pitchFamily="34" charset="0"/>
+                <a:cs typeface="Segoe UI" pitchFamily="34" charset="0"/>
+              </a:endParaRPr>
+            </a:p>
+          </p:txBody>
+        </p:sp>
+        <p:pic>
+          <p:nvPicPr>
+            <p:cNvPr id="80" name="Graphic 79">
+              <a:extLst>
+                <a:ext uri="{FF2B5EF4-FFF2-40B4-BE49-F238E27FC236}">
+                  <a16:creationId xmlns:a16="http://schemas.microsoft.com/office/drawing/2014/main" id="{CB26C822-CEBD-47E0-AEE7-F9265BA56AB8}"/>
+                </a:ext>
+              </a:extLst>
+            </p:cNvPr>
+            <p:cNvPicPr>
+              <a:picLocks noChangeAspect="1"/>
+            </p:cNvPicPr>
+            <p:nvPr/>
+          </p:nvPicPr>
+          <p:blipFill>
+            <a:blip r:embed="rId4">
+              <a:extLst>
+                <a:ext uri="{28A0092B-C50C-407E-A947-70E740481C1C}">
+                  <a14:useLocalDpi xmlns:a14="http://schemas.microsoft.com/office/drawing/2010/main" val="0"/>
+                </a:ext>
+                <a:ext uri="{96DAC541-7B7A-43D3-8B79-37D633B846F1}">
+                  <asvg:svgBlip xmlns:asvg="http://schemas.microsoft.com/office/drawing/2016/SVG/main" r:embed="rId5"/>
+                </a:ext>
+              </a:extLst>
+            </a:blip>
+            <a:stretch>
+              <a:fillRect/>
+            </a:stretch>
+          </p:blipFill>
+          <p:spPr>
+            <a:xfrm>
+              <a:off x="2212484" y="46227"/>
+              <a:ext cx="209248" cy="209248"/>
+            </a:xfrm>
+            <a:prstGeom prst="rect">
+              <a:avLst/>
+            </a:prstGeom>
+            <a:effectLst>
+              <a:outerShdw blurRad="50800" dist="38100" dir="2700000" algn="tl" rotWithShape="0">
+                <a:prstClr val="black">
+                  <a:alpha val="40000"/>
+                </a:prstClr>
+              </a:outerShdw>
+            </a:effectLst>
+          </p:spPr>
+        </p:pic>
+        <p:sp>
+          <p:nvSpPr>
+            <p:cNvPr id="82" name="TextBox 81">
+              <a:extLst>
+                <a:ext uri="{FF2B5EF4-FFF2-40B4-BE49-F238E27FC236}">
+                  <a16:creationId xmlns:a16="http://schemas.microsoft.com/office/drawing/2014/main" id="{F14E2590-5EAD-408D-8478-017392CD43AA}"/>
+                </a:ext>
+              </a:extLst>
+            </p:cNvPr>
+            <p:cNvSpPr txBox="1"/>
+            <p:nvPr/>
+          </p:nvSpPr>
+          <p:spPr>
+            <a:xfrm>
+              <a:off x="2383339" y="34050"/>
+              <a:ext cx="779946" cy="207942"/>
+            </a:xfrm>
+            <a:prstGeom prst="rect">
+              <a:avLst/>
+            </a:prstGeom>
+            <a:noFill/>
+            <a:effectLst>
+              <a:outerShdw blurRad="50800" dist="38100" dir="2700000" algn="tl" rotWithShape="0">
+                <a:prstClr val="black">
+                  <a:alpha val="40000"/>
+                </a:prstClr>
+              </a:outerShdw>
+            </a:effectLst>
+          </p:spPr>
+          <p:txBody>
+            <a:bodyPr wrap="square" tIns="0" bIns="0" rtlCol="0">
+              <a:spAutoFit/>
+            </a:bodyPr>
+            <a:lstStyle/>
+            <a:p>
+              <a:pPr marL="0" marR="0" lvl="0" indent="0" defTabSz="1097280" eaLnBrk="1" fontAlgn="auto" latinLnBrk="0" hangingPunct="1">
+                <a:lnSpc>
+                  <a:spcPct val="125000"/>
+                </a:lnSpc>
+                <a:spcBef>
+                  <a:spcPts val="0"/>
+                </a:spcBef>
+                <a:spcAft>
+                  <a:spcPts val="0"/>
+                </a:spcAft>
+                <a:buClrTx/>
+                <a:buSzTx/>
+                <a:buFontTx/>
+                <a:buNone/>
+                <a:tabLst/>
+                <a:defRPr/>
+              </a:pPr>
+              <a:r>
+                <a:rPr kumimoji="0" lang="en-US" sz="1200" b="0" i="0" u="none" strike="noStrike" kern="0" cap="none" spc="0" normalizeH="0" baseline="0" noProof="0" dirty="0">
+                  <a:ln>
+                    <a:noFill/>
+                  </a:ln>
+                  <a:solidFill>
+                    <a:srgbClr val="0DDCFF"/>
+                  </a:solidFill>
+                  <a:effectLst/>
+                  <a:uLnTx/>
+                  <a:uFillTx/>
+                  <a:latin typeface="Segoe UI Semibold" panose="020B0702040204020203" pitchFamily="34" charset="0"/>
+                  <a:ea typeface="Segoe Pro" charset="0"/>
+                  <a:cs typeface="Segoe UI Semibold" panose="020B0702040204020203" pitchFamily="34" charset="0"/>
+                </a:rPr>
+                <a:t>Purview</a:t>
+              </a:r>
+            </a:p>
+          </p:txBody>
+        </p:sp>
+      </p:grpSp>
+      <p:grpSp>
+        <p:nvGrpSpPr>
+          <p:cNvPr id="84" name="Group 83">
+            <a:extLst>
+              <a:ext uri="{FF2B5EF4-FFF2-40B4-BE49-F238E27FC236}">
+                <a16:creationId xmlns:a16="http://schemas.microsoft.com/office/drawing/2014/main" id="{1F49579F-0F81-445E-8044-BD58D88EB979}"/>
+              </a:ext>
+            </a:extLst>
+          </p:cNvPr>
+          <p:cNvGrpSpPr/>
+          <p:nvPr/>
+        </p:nvGrpSpPr>
+        <p:grpSpPr>
+          <a:xfrm>
+            <a:off x="4823154" y="74512"/>
+            <a:ext cx="1001108" cy="241992"/>
+            <a:chOff x="2162177" y="34050"/>
+            <a:chExt cx="1001108" cy="241992"/>
+          </a:xfrm>
+        </p:grpSpPr>
+        <p:sp>
+          <p:nvSpPr>
+            <p:cNvPr id="85" name="Rectangle: Rounded Corners 84">
+              <a:extLst>
+                <a:ext uri="{FF2B5EF4-FFF2-40B4-BE49-F238E27FC236}">
+                  <a16:creationId xmlns:a16="http://schemas.microsoft.com/office/drawing/2014/main" id="{701E2B89-B4E5-420A-896B-B1DDC90DF1F1}"/>
+                </a:ext>
+              </a:extLst>
+            </p:cNvPr>
+            <p:cNvSpPr/>
+            <p:nvPr/>
+          </p:nvSpPr>
+          <p:spPr bwMode="auto">
+            <a:xfrm>
+              <a:off x="2162177" y="38774"/>
+              <a:ext cx="926302" cy="237268"/>
+            </a:xfrm>
+            <a:prstGeom prst="roundRect">
+              <a:avLst>
+                <a:gd name="adj" fmla="val 32780"/>
+              </a:avLst>
+            </a:prstGeom>
+            <a:solidFill>
+              <a:srgbClr val="0078D4">
+                <a:alpha val="84000"/>
+              </a:srgbClr>
+            </a:solidFill>
+            <a:ln>
+              <a:noFill/>
+              <a:headEnd type="none" w="med" len="med"/>
+              <a:tailEnd type="none" w="med" len="med"/>
+            </a:ln>
+            <a:effectLst/>
+          </p:spPr>
+          <p:style>
+            <a:lnRef idx="1">
+              <a:schemeClr val="accent2"/>
+            </a:lnRef>
+            <a:fillRef idx="3">
+              <a:schemeClr val="accent2"/>
+            </a:fillRef>
+            <a:effectRef idx="2">
+              <a:schemeClr val="accent2"/>
+            </a:effectRef>
+            <a:fontRef idx="minor">
+              <a:schemeClr val="lt1"/>
+            </a:fontRef>
+          </p:style>
+          <p:txBody>
+            <a:bodyPr rot="0" spcFirstLastPara="0" vertOverflow="overflow" horzOverflow="overflow" vert="horz" wrap="square" lIns="182880" tIns="146304" rIns="182880" bIns="146304" numCol="1" spcCol="0" rtlCol="0" fromWordArt="0" anchor="t" anchorCtr="0" forceAA="0" compatLnSpc="1">
+              <a:prstTxWarp prst="textNoShape">
+                <a:avLst/>
+              </a:prstTxWarp>
+              <a:noAutofit/>
+            </a:bodyPr>
+            <a:lstStyle/>
+            <a:p>
+              <a:pPr algn="ctr" defTabSz="932472" fontAlgn="base">
+                <a:lnSpc>
+                  <a:spcPct val="90000"/>
+                </a:lnSpc>
+                <a:spcBef>
+                  <a:spcPct val="0"/>
+                </a:spcBef>
+                <a:spcAft>
+                  <a:spcPct val="0"/>
+                </a:spcAft>
+              </a:pPr>
+              <a:endParaRPr lang="en-CA" sz="2400" dirty="0" err="1">
+                <a:gradFill>
+                  <a:gsLst>
+                    <a:gs pos="0">
+                      <a:srgbClr val="FFFFFF"/>
+                    </a:gs>
+                    <a:gs pos="100000">
+                      <a:srgbClr val="FFFFFF"/>
+                    </a:gs>
+                  </a:gsLst>
+                  <a:lin ang="5400000" scaled="0"/>
+                </a:gradFill>
+                <a:ea typeface="Segoe UI" pitchFamily="34" charset="0"/>
+                <a:cs typeface="Segoe UI" pitchFamily="34" charset="0"/>
+              </a:endParaRPr>
+            </a:p>
+          </p:txBody>
+        </p:sp>
+        <p:pic>
+          <p:nvPicPr>
+            <p:cNvPr id="86" name="Graphic 85">
+              <a:extLst>
+                <a:ext uri="{FF2B5EF4-FFF2-40B4-BE49-F238E27FC236}">
+                  <a16:creationId xmlns:a16="http://schemas.microsoft.com/office/drawing/2014/main" id="{A721D194-9360-4475-9277-3AC4AC706153}"/>
+                </a:ext>
+              </a:extLst>
+            </p:cNvPr>
+            <p:cNvPicPr>
+              <a:picLocks noChangeAspect="1"/>
+            </p:cNvPicPr>
+            <p:nvPr/>
+          </p:nvPicPr>
+          <p:blipFill>
+            <a:blip r:embed="rId6">
+              <a:extLst>
+                <a:ext uri="{28A0092B-C50C-407E-A947-70E740481C1C}">
+                  <a14:useLocalDpi xmlns:a14="http://schemas.microsoft.com/office/drawing/2010/main" val="0"/>
+                </a:ext>
+              </a:extLst>
+            </a:blip>
+            <a:srcRect/>
+            <a:stretch/>
+          </p:blipFill>
+          <p:spPr>
+            <a:xfrm>
+              <a:off x="2228925" y="46227"/>
+              <a:ext cx="176366" cy="209248"/>
+            </a:xfrm>
+            <a:prstGeom prst="rect">
+              <a:avLst/>
+            </a:prstGeom>
+            <a:effectLst>
+              <a:outerShdw blurRad="50800" dist="38100" dir="2700000" algn="tl" rotWithShape="0">
+                <a:prstClr val="black">
+                  <a:alpha val="40000"/>
+                </a:prstClr>
+              </a:outerShdw>
+            </a:effectLst>
+          </p:spPr>
+        </p:pic>
+        <p:sp>
+          <p:nvSpPr>
+            <p:cNvPr id="87" name="TextBox 86">
+              <a:extLst>
+                <a:ext uri="{FF2B5EF4-FFF2-40B4-BE49-F238E27FC236}">
+                  <a16:creationId xmlns:a16="http://schemas.microsoft.com/office/drawing/2014/main" id="{8FDDD316-4F17-420F-9F36-7A96B60FCFE6}"/>
+                </a:ext>
+              </a:extLst>
+            </p:cNvPr>
+            <p:cNvSpPr txBox="1"/>
+            <p:nvPr/>
+          </p:nvSpPr>
+          <p:spPr>
+            <a:xfrm>
+              <a:off x="2383339" y="34050"/>
+              <a:ext cx="779946" cy="207942"/>
+            </a:xfrm>
+            <a:prstGeom prst="rect">
+              <a:avLst/>
+            </a:prstGeom>
+            <a:noFill/>
+            <a:effectLst>
+              <a:outerShdw blurRad="50800" dist="38100" dir="2700000" algn="tl" rotWithShape="0">
+                <a:prstClr val="black">
+                  <a:alpha val="40000"/>
+                </a:prstClr>
+              </a:outerShdw>
+            </a:effectLst>
+          </p:spPr>
+          <p:txBody>
+            <a:bodyPr wrap="square" tIns="0" bIns="0" rtlCol="0">
+              <a:spAutoFit/>
+            </a:bodyPr>
+            <a:lstStyle/>
+            <a:p>
+              <a:pPr marL="0" marR="0" lvl="0" indent="0" defTabSz="1097280" eaLnBrk="1" fontAlgn="auto" latinLnBrk="0" hangingPunct="1">
+                <a:lnSpc>
+                  <a:spcPct val="125000"/>
+                </a:lnSpc>
+                <a:spcBef>
+                  <a:spcPts val="0"/>
+                </a:spcBef>
+                <a:spcAft>
+                  <a:spcPts val="0"/>
+                </a:spcAft>
+                <a:buClrTx/>
+                <a:buSzTx/>
+                <a:buFontTx/>
+                <a:buNone/>
+                <a:tabLst/>
+                <a:defRPr/>
+              </a:pPr>
+              <a:r>
+                <a:rPr kumimoji="0" lang="en-US" sz="1200" b="0" i="0" u="none" strike="noStrike" kern="0" cap="none" spc="0" normalizeH="0" baseline="0" noProof="0" dirty="0">
+                  <a:ln>
+                    <a:noFill/>
+                  </a:ln>
+                  <a:solidFill>
+                    <a:srgbClr val="0DDCFF"/>
+                  </a:solidFill>
+                  <a:effectLst/>
+                  <a:uLnTx/>
+                  <a:uFillTx/>
+                  <a:latin typeface="Segoe UI Semibold" panose="020B0702040204020203" pitchFamily="34" charset="0"/>
+                  <a:ea typeface="Segoe Pro" charset="0"/>
+                  <a:cs typeface="Segoe UI Semibold" panose="020B0702040204020203" pitchFamily="34" charset="0"/>
+                </a:rPr>
+                <a:t>Synapse</a:t>
+              </a:r>
+            </a:p>
+          </p:txBody>
+        </p:sp>
+      </p:grpSp>
+      <p:cxnSp>
+        <p:nvCxnSpPr>
+          <p:cNvPr id="93" name="Straight Connector 92">
+            <a:extLst>
+              <a:ext uri="{FF2B5EF4-FFF2-40B4-BE49-F238E27FC236}">
+                <a16:creationId xmlns:a16="http://schemas.microsoft.com/office/drawing/2014/main" id="{75BFE377-614E-4E23-A029-BFE4E7D73EE3}"/>
+              </a:ext>
+            </a:extLst>
+          </p:cNvPr>
+          <p:cNvCxnSpPr>
+            <a:stCxn id="4" idx="0"/>
+          </p:cNvCxnSpPr>
+          <p:nvPr/>
+        </p:nvCxnSpPr>
+        <p:spPr>
+          <a:xfrm>
+            <a:off x="2057400" y="956185"/>
+            <a:ext cx="2501900" cy="0"/>
+          </a:xfrm>
+          <a:prstGeom prst="line">
+            <a:avLst/>
+          </a:prstGeom>
+          <a:ln>
+            <a:solidFill>
+              <a:srgbClr val="50E6FF"/>
+            </a:solidFill>
+            <a:prstDash val="dash"/>
+            <a:headEnd type="none" w="lg" len="med"/>
+            <a:tailEnd type="none" w="lg" len="med"/>
+          </a:ln>
+        </p:spPr>
+        <p:style>
+          <a:lnRef idx="1">
+            <a:schemeClr val="accent1"/>
+          </a:lnRef>
+          <a:fillRef idx="0">
+            <a:schemeClr val="accent1"/>
+          </a:fillRef>
+          <a:effectRef idx="0">
+            <a:schemeClr val="accent1"/>
+          </a:effectRef>
+          <a:fontRef idx="minor">
+            <a:schemeClr val="tx1"/>
+          </a:fontRef>
+        </p:style>
+      </p:cxnSp>
+      <p:sp>
+        <p:nvSpPr>
+          <p:cNvPr id="51" name="Rectangle: Rounded Corners 50">
+            <a:extLst>
+              <a:ext uri="{FF2B5EF4-FFF2-40B4-BE49-F238E27FC236}">
+                <a16:creationId xmlns:a16="http://schemas.microsoft.com/office/drawing/2014/main" id="{03983E0C-48E2-4B97-B624-DE43A484DDA0}"/>
+              </a:ext>
+            </a:extLst>
+          </p:cNvPr>
+          <p:cNvSpPr/>
+          <p:nvPr/>
+        </p:nvSpPr>
+        <p:spPr bwMode="auto">
+          <a:xfrm>
+            <a:off x="2102538" y="956185"/>
+            <a:ext cx="1223082" cy="156238"/>
+          </a:xfrm>
+          <a:prstGeom prst="roundRect">
+            <a:avLst/>
+          </a:prstGeom>
+          <a:noFill/>
+          <a:ln w="19050">
+            <a:solidFill>
+              <a:srgbClr val="0078D4"/>
+            </a:solidFill>
+            <a:headEnd type="none" w="med" len="med"/>
+            <a:tailEnd type="none" w="med" len="med"/>
+          </a:ln>
+          <a:effectLst>
+            <a:outerShdw blurRad="50800" dist="38100" dir="2700000" algn="tl" rotWithShape="0">
+              <a:prstClr val="black">
+                <a:alpha val="40000"/>
+              </a:prstClr>
+            </a:outerShdw>
+          </a:effectLst>
+        </p:spPr>
+        <p:style>
+          <a:lnRef idx="1">
+            <a:schemeClr val="accent2"/>
+          </a:lnRef>
+          <a:fillRef idx="3">
+            <a:schemeClr val="accent2"/>
+          </a:fillRef>
+          <a:effectRef idx="2">
+            <a:schemeClr val="accent2"/>
+          </a:effectRef>
+          <a:fontRef idx="minor">
+            <a:schemeClr val="lt1"/>
+          </a:fontRef>
+        </p:style>
+        <p:txBody>
+          <a:bodyPr rot="0" spcFirstLastPara="0" vertOverflow="overflow" horzOverflow="overflow" vert="horz" wrap="square" lIns="182880" tIns="146304" rIns="182880" bIns="146304" numCol="1" spcCol="0" rtlCol="0" fromWordArt="0" anchor="t" anchorCtr="0" forceAA="0" compatLnSpc="1">
+            <a:prstTxWarp prst="textNoShape">
+              <a:avLst/>
+            </a:prstTxWarp>
+            <a:noAutofit/>
+          </a:bodyPr>
+          <a:lstStyle/>
+          <a:p>
+            <a:pPr algn="l" defTabSz="932472" fontAlgn="base">
+              <a:spcBef>
+                <a:spcPct val="0"/>
+              </a:spcBef>
+              <a:spcAft>
+                <a:spcPct val="0"/>
+              </a:spcAft>
+            </a:pPr>
+            <a:endParaRPr lang="en-CA" sz="2000" dirty="0" err="1">
+              <a:gradFill>
+                <a:gsLst>
+                  <a:gs pos="0">
+                    <a:srgbClr val="FFFFFF"/>
+                  </a:gs>
+                  <a:gs pos="100000">
+                    <a:srgbClr val="FFFFFF"/>
+                  </a:gs>
+                </a:gsLst>
+                <a:lin ang="5400000" scaled="0"/>
+              </a:gradFill>
+              <a:ea typeface="Segoe UI" pitchFamily="34" charset="0"/>
+              <a:cs typeface="Segoe UI" pitchFamily="34" charset="0"/>
+            </a:endParaRPr>
+          </a:p>
+        </p:txBody>
+      </p:sp>
+      <p:cxnSp>
+        <p:nvCxnSpPr>
+          <p:cNvPr id="95" name="Straight Connector 94">
+            <a:extLst>
+              <a:ext uri="{FF2B5EF4-FFF2-40B4-BE49-F238E27FC236}">
+                <a16:creationId xmlns:a16="http://schemas.microsoft.com/office/drawing/2014/main" id="{ABBB2B9B-C45D-4F29-8F1B-C118C46E7509}"/>
+              </a:ext>
+            </a:extLst>
+          </p:cNvPr>
+          <p:cNvCxnSpPr>
+            <a:cxnSpLocks/>
+          </p:cNvCxnSpPr>
+          <p:nvPr/>
+        </p:nvCxnSpPr>
+        <p:spPr>
+          <a:xfrm>
+            <a:off x="2057400" y="3199323"/>
+            <a:ext cx="2501900" cy="0"/>
+          </a:xfrm>
+          <a:prstGeom prst="line">
+            <a:avLst/>
+          </a:prstGeom>
+          <a:ln>
+            <a:solidFill>
+              <a:srgbClr val="50E6FF"/>
+            </a:solidFill>
+            <a:prstDash val="dash"/>
+            <a:headEnd type="none" w="lg" len="med"/>
+            <a:tailEnd type="none" w="lg" len="med"/>
+          </a:ln>
+        </p:spPr>
+        <p:style>
+          <a:lnRef idx="1">
+            <a:schemeClr val="accent1"/>
+          </a:lnRef>
+          <a:fillRef idx="0">
+            <a:schemeClr val="accent1"/>
+          </a:fillRef>
+          <a:effectRef idx="0">
+            <a:schemeClr val="accent1"/>
+          </a:effectRef>
+          <a:fontRef idx="minor">
+            <a:schemeClr val="tx1"/>
+          </a:fontRef>
+        </p:style>
+      </p:cxnSp>
+      <p:cxnSp>
+        <p:nvCxnSpPr>
+          <p:cNvPr id="97" name="Straight Connector 96">
+            <a:extLst>
+              <a:ext uri="{FF2B5EF4-FFF2-40B4-BE49-F238E27FC236}">
+                <a16:creationId xmlns:a16="http://schemas.microsoft.com/office/drawing/2014/main" id="{EE637012-3308-4208-87F1-EA1B633FF74E}"/>
+              </a:ext>
+            </a:extLst>
+          </p:cNvPr>
+          <p:cNvCxnSpPr>
+            <a:cxnSpLocks/>
+          </p:cNvCxnSpPr>
+          <p:nvPr/>
+        </p:nvCxnSpPr>
+        <p:spPr>
+          <a:xfrm>
+            <a:off x="831143" y="4667035"/>
+            <a:ext cx="2139238" cy="0"/>
+          </a:xfrm>
+          <a:prstGeom prst="line">
+            <a:avLst/>
+          </a:prstGeom>
+          <a:ln>
+            <a:solidFill>
+              <a:srgbClr val="50E6FF"/>
+            </a:solidFill>
+            <a:prstDash val="dash"/>
+            <a:headEnd type="none" w="lg" len="med"/>
+            <a:tailEnd type="none" w="lg" len="med"/>
+          </a:ln>
+        </p:spPr>
+        <p:style>
+          <a:lnRef idx="1">
+            <a:schemeClr val="accent1"/>
+          </a:lnRef>
+          <a:fillRef idx="0">
+            <a:schemeClr val="accent1"/>
+          </a:fillRef>
+          <a:effectRef idx="0">
+            <a:schemeClr val="accent1"/>
+          </a:effectRef>
+          <a:fontRef idx="minor">
+            <a:schemeClr val="tx1"/>
+          </a:fontRef>
+        </p:style>
+      </p:cxnSp>
+      <p:cxnSp>
+        <p:nvCxnSpPr>
+          <p:cNvPr id="100" name="Straight Connector 99">
+            <a:extLst>
+              <a:ext uri="{FF2B5EF4-FFF2-40B4-BE49-F238E27FC236}">
+                <a16:creationId xmlns:a16="http://schemas.microsoft.com/office/drawing/2014/main" id="{A1EA7FE0-2A88-464A-B98F-1390C95D0E99}"/>
+              </a:ext>
+            </a:extLst>
+          </p:cNvPr>
+          <p:cNvCxnSpPr>
+            <a:cxnSpLocks/>
+          </p:cNvCxnSpPr>
+          <p:nvPr/>
+        </p:nvCxnSpPr>
+        <p:spPr>
+          <a:xfrm>
+            <a:off x="831143" y="5618479"/>
+            <a:ext cx="2139238" cy="0"/>
+          </a:xfrm>
+          <a:prstGeom prst="line">
+            <a:avLst/>
+          </a:prstGeom>
+          <a:ln>
+            <a:solidFill>
+              <a:srgbClr val="50E6FF"/>
+            </a:solidFill>
+            <a:prstDash val="dash"/>
+            <a:headEnd type="none" w="lg" len="med"/>
+            <a:tailEnd type="none" w="lg" len="med"/>
+          </a:ln>
+        </p:spPr>
+        <p:style>
+          <a:lnRef idx="1">
+            <a:schemeClr val="accent1"/>
+          </a:lnRef>
+          <a:fillRef idx="0">
+            <a:schemeClr val="accent1"/>
+          </a:fillRef>
+          <a:effectRef idx="0">
+            <a:schemeClr val="accent1"/>
+          </a:effectRef>
+          <a:fontRef idx="minor">
+            <a:schemeClr val="tx1"/>
+          </a:fontRef>
+        </p:style>
+      </p:cxnSp>
+      <p:cxnSp>
+        <p:nvCxnSpPr>
+          <p:cNvPr id="102" name="Straight Connector 101">
+            <a:extLst>
+              <a:ext uri="{FF2B5EF4-FFF2-40B4-BE49-F238E27FC236}">
+                <a16:creationId xmlns:a16="http://schemas.microsoft.com/office/drawing/2014/main" id="{7CDD84D2-43C7-496E-971A-B33DA0C4B152}"/>
+              </a:ext>
+            </a:extLst>
+          </p:cNvPr>
+          <p:cNvCxnSpPr>
+            <a:cxnSpLocks/>
+          </p:cNvCxnSpPr>
+          <p:nvPr/>
+        </p:nvCxnSpPr>
+        <p:spPr>
+          <a:xfrm flipV="1">
+            <a:off x="7873191" y="2324103"/>
+            <a:ext cx="0" cy="2152647"/>
+          </a:xfrm>
+          <a:prstGeom prst="line">
+            <a:avLst/>
+          </a:prstGeom>
+          <a:ln>
+            <a:solidFill>
+              <a:srgbClr val="50E6FF"/>
+            </a:solidFill>
+            <a:prstDash val="dash"/>
+            <a:headEnd type="none" w="lg" len="med"/>
+            <a:tailEnd type="none" w="lg" len="med"/>
+          </a:ln>
+        </p:spPr>
+        <p:style>
+          <a:lnRef idx="1">
+            <a:schemeClr val="accent1"/>
+          </a:lnRef>
+          <a:fillRef idx="0">
+            <a:schemeClr val="accent1"/>
+          </a:fillRef>
+          <a:effectRef idx="0">
+            <a:schemeClr val="accent1"/>
+          </a:effectRef>
+          <a:fontRef idx="minor">
+            <a:schemeClr val="tx1"/>
+          </a:fontRef>
+        </p:style>
+      </p:cxnSp>
+      <p:cxnSp>
+        <p:nvCxnSpPr>
+          <p:cNvPr id="106" name="Straight Connector 105">
+            <a:extLst>
+              <a:ext uri="{FF2B5EF4-FFF2-40B4-BE49-F238E27FC236}">
+                <a16:creationId xmlns:a16="http://schemas.microsoft.com/office/drawing/2014/main" id="{73F94857-D7CE-4699-A2FE-95C00A422421}"/>
+              </a:ext>
+            </a:extLst>
+          </p:cNvPr>
+          <p:cNvCxnSpPr>
+            <a:cxnSpLocks/>
+          </p:cNvCxnSpPr>
+          <p:nvPr/>
+        </p:nvCxnSpPr>
+        <p:spPr>
+          <a:xfrm flipV="1">
+            <a:off x="8778787" y="2324103"/>
+            <a:ext cx="0" cy="2152647"/>
+          </a:xfrm>
+          <a:prstGeom prst="line">
+            <a:avLst/>
+          </a:prstGeom>
+          <a:ln>
+            <a:solidFill>
+              <a:srgbClr val="50E6FF"/>
+            </a:solidFill>
+            <a:prstDash val="dash"/>
+            <a:headEnd type="none" w="lg" len="med"/>
+            <a:tailEnd type="none" w="lg" len="med"/>
+          </a:ln>
+        </p:spPr>
+        <p:style>
+          <a:lnRef idx="1">
+            <a:schemeClr val="accent1"/>
+          </a:lnRef>
+          <a:fillRef idx="0">
+            <a:schemeClr val="accent1"/>
+          </a:fillRef>
+          <a:effectRef idx="0">
+            <a:schemeClr val="accent1"/>
+          </a:effectRef>
+          <a:fontRef idx="minor">
+            <a:schemeClr val="tx1"/>
+          </a:fontRef>
+        </p:style>
+      </p:cxnSp>
+      <p:cxnSp>
+        <p:nvCxnSpPr>
+          <p:cNvPr id="110" name="Straight Connector 109">
+            <a:extLst>
+              <a:ext uri="{FF2B5EF4-FFF2-40B4-BE49-F238E27FC236}">
+                <a16:creationId xmlns:a16="http://schemas.microsoft.com/office/drawing/2014/main" id="{3A21F4F6-530F-401D-9DB3-8E6EE5FE7281}"/>
+              </a:ext>
+            </a:extLst>
+          </p:cNvPr>
+          <p:cNvCxnSpPr>
+            <a:cxnSpLocks/>
+          </p:cNvCxnSpPr>
+          <p:nvPr/>
+        </p:nvCxnSpPr>
+        <p:spPr>
+          <a:xfrm flipV="1">
+            <a:off x="10820400" y="2346328"/>
+            <a:ext cx="0" cy="2152647"/>
+          </a:xfrm>
+          <a:prstGeom prst="line">
+            <a:avLst/>
+          </a:prstGeom>
+          <a:ln>
+            <a:solidFill>
+              <a:srgbClr val="50E6FF"/>
+            </a:solidFill>
+            <a:prstDash val="dash"/>
+            <a:headEnd type="none" w="lg" len="med"/>
+            <a:tailEnd type="none" w="lg" len="med"/>
+          </a:ln>
+        </p:spPr>
+        <p:style>
+          <a:lnRef idx="1">
+            <a:schemeClr val="accent1"/>
+          </a:lnRef>
+          <a:fillRef idx="0">
+            <a:schemeClr val="accent1"/>
+          </a:fillRef>
+          <a:effectRef idx="0">
+            <a:schemeClr val="accent1"/>
+          </a:effectRef>
+          <a:fontRef idx="minor">
+            <a:schemeClr val="tx1"/>
+          </a:fontRef>
+        </p:style>
+      </p:cxnSp>
+      <p:cxnSp>
+        <p:nvCxnSpPr>
+          <p:cNvPr id="60" name="Straight Arrow Connector 59">
+            <a:extLst>
+              <a:ext uri="{FF2B5EF4-FFF2-40B4-BE49-F238E27FC236}">
+                <a16:creationId xmlns:a16="http://schemas.microsoft.com/office/drawing/2014/main" id="{A18A759D-08BA-400D-AA97-117A3E4F48D1}"/>
+              </a:ext>
+            </a:extLst>
+          </p:cNvPr>
+          <p:cNvCxnSpPr/>
+          <p:nvPr/>
+        </p:nvCxnSpPr>
+        <p:spPr>
+          <a:xfrm>
+            <a:off x="8782030" y="2604293"/>
+            <a:ext cx="0" cy="790575"/>
+          </a:xfrm>
+          <a:prstGeom prst="straightConnector1">
+            <a:avLst/>
+          </a:prstGeom>
+          <a:ln w="19050">
+            <a:solidFill>
+              <a:srgbClr val="0078D4"/>
+            </a:solidFill>
+            <a:headEnd type="none" w="lg" len="med"/>
+            <a:tailEnd type="triangle"/>
+          </a:ln>
+        </p:spPr>
+        <p:style>
+          <a:lnRef idx="1">
+            <a:schemeClr val="accent1"/>
+          </a:lnRef>
+          <a:fillRef idx="0">
+            <a:schemeClr val="accent1"/>
+          </a:fillRef>
+          <a:effectRef idx="0">
+            <a:schemeClr val="accent1"/>
+          </a:effectRef>
+          <a:fontRef idx="minor">
+            <a:schemeClr val="tx1"/>
+          </a:fontRef>
+        </p:style>
+      </p:cxnSp>
+    </p:spTree>
+    <p:extLst>
+      <p:ext uri="{BB962C8B-B14F-4D97-AF65-F5344CB8AC3E}">
+        <p14:creationId xmlns:p14="http://schemas.microsoft.com/office/powerpoint/2010/main" val="735742717"/>
+      </p:ext>
+    </p:extLst>
+  </p:cSld>
+  <p:clrMapOvr>
+    <a:masterClrMapping/>
+  </p:clrMapOvr>
+  <p:transition>
+    <p:fade/>
+  </p:transition>
+</p:sld>
+</file>
+
 <file path=ppt/slides/slide2.xml><?xml version="1.0" encoding="utf-8"?>
 <p:sld xmlns:a="http://schemas.openxmlformats.org/drawingml/2006/main" xmlns:r="http://schemas.openxmlformats.org/officeDocument/2006/relationships" xmlns:p="http://schemas.openxmlformats.org/presentationml/2006/main">
   <p:cSld>
@@ -38718,6 +41155,5003 @@
 </p:sld>
 </file>
 
+<file path=ppt/slides/slide8.xml><?xml version="1.0" encoding="utf-8"?>
+<p:sld xmlns:a="http://schemas.openxmlformats.org/drawingml/2006/main" xmlns:r="http://schemas.openxmlformats.org/officeDocument/2006/relationships" xmlns:p="http://schemas.openxmlformats.org/presentationml/2006/main">
+  <p:cSld>
+    <p:bg>
+      <p:bgPr>
+        <a:solidFill>
+          <a:schemeClr val="tx1"/>
+        </a:solidFill>
+        <a:effectLst/>
+      </p:bgPr>
+    </p:bg>
+    <p:spTree>
+      <p:nvGrpSpPr>
+        <p:cNvPr id="1" name=""/>
+        <p:cNvGrpSpPr/>
+        <p:nvPr/>
+      </p:nvGrpSpPr>
+      <p:grpSpPr>
+        <a:xfrm>
+          <a:off x="0" y="0"/>
+          <a:ext cx="0" cy="0"/>
+          <a:chOff x="0" y="0"/>
+          <a:chExt cx="0" cy="0"/>
+        </a:xfrm>
+      </p:grpSpPr>
+      <p:pic>
+        <p:nvPicPr>
+          <p:cNvPr id="7" name="Picture 6">
+            <a:extLst>
+              <a:ext uri="{FF2B5EF4-FFF2-40B4-BE49-F238E27FC236}">
+                <a16:creationId xmlns:a16="http://schemas.microsoft.com/office/drawing/2014/main" id="{02CB5CA2-33FB-41B9-B961-2F3490F1145A}"/>
+              </a:ext>
+            </a:extLst>
+          </p:cNvPr>
+          <p:cNvPicPr>
+            <a:picLocks noChangeAspect="1"/>
+          </p:cNvPicPr>
+          <p:nvPr/>
+        </p:nvPicPr>
+        <p:blipFill rotWithShape="1">
+          <a:blip r:embed="rId3">
+            <a:extLst>
+              <a:ext uri="{28A0092B-C50C-407E-A947-70E740481C1C}">
+                <a14:useLocalDpi xmlns:a14="http://schemas.microsoft.com/office/drawing/2010/main" val="0"/>
+              </a:ext>
+            </a:extLst>
+          </a:blip>
+          <a:srcRect t="445" b="445"/>
+          <a:stretch/>
+        </p:blipFill>
+        <p:spPr>
+          <a:xfrm>
+            <a:off x="633366" y="53340"/>
+            <a:ext cx="10985593" cy="5945823"/>
+          </a:xfrm>
+          <a:prstGeom prst="rect">
+            <a:avLst/>
+          </a:prstGeom>
+        </p:spPr>
+      </p:pic>
+      <p:sp>
+        <p:nvSpPr>
+          <p:cNvPr id="9" name="Left Brace 8">
+            <a:extLst>
+              <a:ext uri="{FF2B5EF4-FFF2-40B4-BE49-F238E27FC236}">
+                <a16:creationId xmlns:a16="http://schemas.microsoft.com/office/drawing/2014/main" id="{40D53E1A-798E-4AA7-8331-D9EC4483C600}"/>
+              </a:ext>
+            </a:extLst>
+          </p:cNvPr>
+          <p:cNvSpPr/>
+          <p:nvPr/>
+        </p:nvSpPr>
+        <p:spPr>
+          <a:xfrm rot="10800000">
+            <a:off x="3145802" y="1195262"/>
+            <a:ext cx="396711" cy="4428297"/>
+          </a:xfrm>
+          <a:prstGeom prst="leftBrace">
+            <a:avLst>
+              <a:gd name="adj1" fmla="val 55208"/>
+              <a:gd name="adj2" fmla="val 49814"/>
+            </a:avLst>
+          </a:prstGeom>
+          <a:ln w="15875">
+            <a:solidFill>
+              <a:srgbClr val="50E6FF"/>
+            </a:solidFill>
+            <a:prstDash val="solid"/>
+            <a:headEnd type="none" w="lg" len="med"/>
+            <a:tailEnd type="none" w="lg" len="med"/>
+          </a:ln>
+          <a:effectLst>
+            <a:outerShdw blurRad="50800" dist="38100" dir="2700000" algn="tl" rotWithShape="0">
+              <a:prstClr val="black">
+                <a:alpha val="40000"/>
+              </a:prstClr>
+            </a:outerShdw>
+          </a:effectLst>
+        </p:spPr>
+        <p:style>
+          <a:lnRef idx="1">
+            <a:schemeClr val="accent1"/>
+          </a:lnRef>
+          <a:fillRef idx="0">
+            <a:schemeClr val="accent1"/>
+          </a:fillRef>
+          <a:effectRef idx="0">
+            <a:schemeClr val="accent1"/>
+          </a:effectRef>
+          <a:fontRef idx="minor">
+            <a:schemeClr val="tx1"/>
+          </a:fontRef>
+        </p:style>
+        <p:txBody>
+          <a:bodyPr rtlCol="0" anchor="ctr"/>
+          <a:lstStyle/>
+          <a:p>
+            <a:pPr algn="ctr"/>
+            <a:endParaRPr lang="en-US"/>
+          </a:p>
+        </p:txBody>
+      </p:sp>
+      <p:sp>
+        <p:nvSpPr>
+          <p:cNvPr id="10" name="Left Brace 9">
+            <a:extLst>
+              <a:ext uri="{FF2B5EF4-FFF2-40B4-BE49-F238E27FC236}">
+                <a16:creationId xmlns:a16="http://schemas.microsoft.com/office/drawing/2014/main" id="{8A35DCF1-D4E7-4A63-84E0-63EF2699806F}"/>
+              </a:ext>
+            </a:extLst>
+          </p:cNvPr>
+          <p:cNvSpPr/>
+          <p:nvPr/>
+        </p:nvSpPr>
+        <p:spPr>
+          <a:xfrm>
+            <a:off x="6727203" y="2552700"/>
+            <a:ext cx="191758" cy="701041"/>
+          </a:xfrm>
+          <a:prstGeom prst="leftBrace">
+            <a:avLst>
+              <a:gd name="adj1" fmla="val 43382"/>
+              <a:gd name="adj2" fmla="val 50901"/>
+            </a:avLst>
+          </a:prstGeom>
+          <a:ln w="15875">
+            <a:solidFill>
+              <a:srgbClr val="50E6FF"/>
+            </a:solidFill>
+            <a:prstDash val="solid"/>
+            <a:headEnd type="none" w="lg" len="med"/>
+            <a:tailEnd type="none" w="lg" len="med"/>
+          </a:ln>
+          <a:effectLst>
+            <a:outerShdw blurRad="50800" dist="38100" dir="2700000" algn="tl" rotWithShape="0">
+              <a:prstClr val="black">
+                <a:alpha val="40000"/>
+              </a:prstClr>
+            </a:outerShdw>
+          </a:effectLst>
+        </p:spPr>
+        <p:style>
+          <a:lnRef idx="1">
+            <a:schemeClr val="accent1"/>
+          </a:lnRef>
+          <a:fillRef idx="0">
+            <a:schemeClr val="accent1"/>
+          </a:fillRef>
+          <a:effectRef idx="0">
+            <a:schemeClr val="accent1"/>
+          </a:effectRef>
+          <a:fontRef idx="minor">
+            <a:schemeClr val="tx1"/>
+          </a:fontRef>
+        </p:style>
+        <p:txBody>
+          <a:bodyPr rtlCol="0" anchor="ctr"/>
+          <a:lstStyle/>
+          <a:p>
+            <a:pPr algn="ctr"/>
+            <a:endParaRPr lang="en-US"/>
+          </a:p>
+        </p:txBody>
+      </p:sp>
+      <p:sp>
+        <p:nvSpPr>
+          <p:cNvPr id="12" name="Rectangle 11">
+            <a:extLst>
+              <a:ext uri="{FF2B5EF4-FFF2-40B4-BE49-F238E27FC236}">
+                <a16:creationId xmlns:a16="http://schemas.microsoft.com/office/drawing/2014/main" id="{3D4A5C16-2475-4704-BF16-7D5D01838FD4}"/>
+              </a:ext>
+            </a:extLst>
+          </p:cNvPr>
+          <p:cNvSpPr/>
+          <p:nvPr/>
+        </p:nvSpPr>
+        <p:spPr bwMode="auto">
+          <a:xfrm>
+            <a:off x="3481081" y="3109664"/>
+            <a:ext cx="1250467" cy="523996"/>
+          </a:xfrm>
+          <a:prstGeom prst="rect">
+            <a:avLst/>
+          </a:prstGeom>
+          <a:noFill/>
+          <a:ln>
+            <a:noFill/>
+            <a:headEnd type="none" w="med" len="med"/>
+            <a:tailEnd type="none" w="med" len="med"/>
+          </a:ln>
+          <a:effectLst>
+            <a:outerShdw blurRad="50800" dist="38100" dir="2700000" algn="tl" rotWithShape="0">
+              <a:prstClr val="black">
+                <a:alpha val="18000"/>
+              </a:prstClr>
+            </a:outerShdw>
+          </a:effectLst>
+        </p:spPr>
+        <p:style>
+          <a:lnRef idx="1">
+            <a:schemeClr val="accent2"/>
+          </a:lnRef>
+          <a:fillRef idx="3">
+            <a:schemeClr val="accent2"/>
+          </a:fillRef>
+          <a:effectRef idx="2">
+            <a:schemeClr val="accent2"/>
+          </a:effectRef>
+          <a:fontRef idx="minor">
+            <a:schemeClr val="lt1"/>
+          </a:fontRef>
+        </p:style>
+        <p:txBody>
+          <a:bodyPr rot="0" spcFirstLastPara="0" vertOverflow="overflow" horzOverflow="overflow" vert="horz" wrap="square" lIns="159978" tIns="127982" rIns="159978" bIns="127982" numCol="1" spcCol="0" rtlCol="0" fromWordArt="0" anchor="ctr" anchorCtr="0" forceAA="0" compatLnSpc="1">
+            <a:prstTxWarp prst="textNoShape">
+              <a:avLst/>
+            </a:prstTxWarp>
+            <a:noAutofit/>
+          </a:bodyPr>
+          <a:lstStyle/>
+          <a:p>
+            <a:pPr defTabSz="815727" fontAlgn="base">
+              <a:lnSpc>
+                <a:spcPts val="2309"/>
+              </a:lnSpc>
+              <a:spcBef>
+                <a:spcPct val="0"/>
+              </a:spcBef>
+              <a:spcAft>
+                <a:spcPct val="0"/>
+              </a:spcAft>
+              <a:defRPr/>
+            </a:pPr>
+            <a:r>
+              <a:rPr lang="en-US" sz="1225" dirty="0">
+                <a:solidFill>
+                  <a:srgbClr val="0070C0"/>
+                </a:solidFill>
+                <a:latin typeface="Segoe UI Semibold"/>
+                <a:ea typeface="Segoe UI" pitchFamily="34" charset="0"/>
+                <a:cs typeface="Segoe UI" pitchFamily="34" charset="0"/>
+              </a:rPr>
+              <a:t>What we see</a:t>
+            </a:r>
+          </a:p>
+        </p:txBody>
+      </p:sp>
+      <p:sp>
+        <p:nvSpPr>
+          <p:cNvPr id="13" name="Rectangle 12">
+            <a:extLst>
+              <a:ext uri="{FF2B5EF4-FFF2-40B4-BE49-F238E27FC236}">
+                <a16:creationId xmlns:a16="http://schemas.microsoft.com/office/drawing/2014/main" id="{C3F007DB-6B11-4F0A-8595-C3D9FC3A4612}"/>
+              </a:ext>
+            </a:extLst>
+          </p:cNvPr>
+          <p:cNvSpPr/>
+          <p:nvPr/>
+        </p:nvSpPr>
+        <p:spPr bwMode="auto">
+          <a:xfrm>
+            <a:off x="5127788" y="2600556"/>
+            <a:ext cx="1695295" cy="523996"/>
+          </a:xfrm>
+          <a:prstGeom prst="rect">
+            <a:avLst/>
+          </a:prstGeom>
+          <a:noFill/>
+          <a:ln>
+            <a:noFill/>
+            <a:headEnd type="none" w="med" len="med"/>
+            <a:tailEnd type="none" w="med" len="med"/>
+          </a:ln>
+          <a:effectLst>
+            <a:outerShdw blurRad="50800" dist="38100" dir="2700000" algn="tl" rotWithShape="0">
+              <a:prstClr val="black">
+                <a:alpha val="40000"/>
+              </a:prstClr>
+            </a:outerShdw>
+          </a:effectLst>
+        </p:spPr>
+        <p:style>
+          <a:lnRef idx="1">
+            <a:schemeClr val="accent2"/>
+          </a:lnRef>
+          <a:fillRef idx="3">
+            <a:schemeClr val="accent2"/>
+          </a:fillRef>
+          <a:effectRef idx="2">
+            <a:schemeClr val="accent2"/>
+          </a:effectRef>
+          <a:fontRef idx="minor">
+            <a:schemeClr val="lt1"/>
+          </a:fontRef>
+        </p:style>
+        <p:txBody>
+          <a:bodyPr rot="0" spcFirstLastPara="0" vertOverflow="overflow" horzOverflow="overflow" vert="horz" wrap="square" lIns="159978" tIns="127982" rIns="159978" bIns="127982" numCol="1" spcCol="0" rtlCol="0" fromWordArt="0" anchor="ctr" anchorCtr="0" forceAA="0" compatLnSpc="1">
+            <a:prstTxWarp prst="textNoShape">
+              <a:avLst/>
+            </a:prstTxWarp>
+            <a:noAutofit/>
+          </a:bodyPr>
+          <a:lstStyle/>
+          <a:p>
+            <a:pPr algn="r" defTabSz="815727" fontAlgn="base">
+              <a:lnSpc>
+                <a:spcPts val="2309"/>
+              </a:lnSpc>
+              <a:spcBef>
+                <a:spcPct val="0"/>
+              </a:spcBef>
+              <a:spcAft>
+                <a:spcPct val="0"/>
+              </a:spcAft>
+              <a:defRPr/>
+            </a:pPr>
+            <a:r>
+              <a:rPr lang="en-US" sz="1225" dirty="0">
+                <a:solidFill>
+                  <a:srgbClr val="50E6FF"/>
+                </a:solidFill>
+                <a:latin typeface="Segoe UI Semibold"/>
+                <a:ea typeface="Segoe UI" pitchFamily="34" charset="0"/>
+                <a:cs typeface="Segoe UI" pitchFamily="34" charset="0"/>
+              </a:rPr>
+              <a:t>What happens</a:t>
+            </a:r>
+          </a:p>
+        </p:txBody>
+      </p:sp>
+      <p:grpSp>
+        <p:nvGrpSpPr>
+          <p:cNvPr id="23" name="Group 22">
+            <a:extLst>
+              <a:ext uri="{FF2B5EF4-FFF2-40B4-BE49-F238E27FC236}">
+                <a16:creationId xmlns:a16="http://schemas.microsoft.com/office/drawing/2014/main" id="{2122E441-6DDD-4182-A944-6E6265E3224A}"/>
+              </a:ext>
+            </a:extLst>
+          </p:cNvPr>
+          <p:cNvGrpSpPr/>
+          <p:nvPr/>
+        </p:nvGrpSpPr>
+        <p:grpSpPr>
+          <a:xfrm>
+            <a:off x="4911120" y="430200"/>
+            <a:ext cx="476640" cy="458280"/>
+            <a:chOff x="4911120" y="430200"/>
+            <a:chExt cx="476640" cy="458280"/>
+          </a:xfrm>
+        </p:grpSpPr>
+        <mc:AlternateContent xmlns:mc="http://schemas.openxmlformats.org/markup-compatibility/2006">
+          <mc:Choice xmlns:p14="http://schemas.microsoft.com/office/powerpoint/2010/main" Requires="p14">
+            <p:contentPart p14:bwMode="auto" r:id="rId4">
+              <p14:nvContentPartPr>
+                <p14:cNvPr id="18" name="Ink 17">
+                  <a:extLst>
+                    <a:ext uri="{FF2B5EF4-FFF2-40B4-BE49-F238E27FC236}">
+                      <a16:creationId xmlns:a16="http://schemas.microsoft.com/office/drawing/2014/main" id="{7E1FBF95-7057-4966-91D2-D0E5F1F2E0F9}"/>
+                    </a:ext>
+                  </a:extLst>
+                </p14:cNvPr>
+                <p14:cNvContentPartPr/>
+                <p14:nvPr/>
+              </p14:nvContentPartPr>
+              <p14:xfrm>
+                <a:off x="4911120" y="430200"/>
+                <a:ext cx="423360" cy="458280"/>
+              </p14:xfrm>
+            </p:contentPart>
+          </mc:Choice>
+          <mc:Fallback>
+            <p:pic>
+              <p:nvPicPr>
+                <p:cNvPr id="18" name="Ink 17">
+                  <a:extLst>
+                    <a:ext uri="{FF2B5EF4-FFF2-40B4-BE49-F238E27FC236}">
+                      <a16:creationId xmlns:a16="http://schemas.microsoft.com/office/drawing/2014/main" id="{7E1FBF95-7057-4966-91D2-D0E5F1F2E0F9}"/>
+                    </a:ext>
+                  </a:extLst>
+                </p:cNvPr>
+                <p:cNvPicPr/>
+                <p:nvPr/>
+              </p:nvPicPr>
+              <p:blipFill>
+                <a:blip r:embed="rId5"/>
+                <a:stretch>
+                  <a:fillRect/>
+                </a:stretch>
+              </p:blipFill>
+              <p:spPr>
+                <a:xfrm>
+                  <a:off x="4893480" y="412560"/>
+                  <a:ext cx="459000" cy="493920"/>
+                </a:xfrm>
+                <a:prstGeom prst="rect">
+                  <a:avLst/>
+                </a:prstGeom>
+              </p:spPr>
+            </p:pic>
+          </mc:Fallback>
+        </mc:AlternateContent>
+        <mc:AlternateContent xmlns:mc="http://schemas.openxmlformats.org/markup-compatibility/2006">
+          <mc:Choice xmlns:p14="http://schemas.microsoft.com/office/powerpoint/2010/main" Requires="p14">
+            <p:contentPart p14:bwMode="auto" r:id="rId6">
+              <p14:nvContentPartPr>
+                <p14:cNvPr id="20" name="Ink 19">
+                  <a:extLst>
+                    <a:ext uri="{FF2B5EF4-FFF2-40B4-BE49-F238E27FC236}">
+                      <a16:creationId xmlns:a16="http://schemas.microsoft.com/office/drawing/2014/main" id="{FD3F4E01-B047-43CA-A20B-E33EA62B00D8}"/>
+                    </a:ext>
+                  </a:extLst>
+                </p14:cNvPr>
+                <p14:cNvContentPartPr/>
+                <p14:nvPr/>
+              </p14:nvContentPartPr>
+              <p14:xfrm>
+                <a:off x="5207040" y="436320"/>
+                <a:ext cx="180720" cy="130320"/>
+              </p14:xfrm>
+            </p:contentPart>
+          </mc:Choice>
+          <mc:Fallback>
+            <p:pic>
+              <p:nvPicPr>
+                <p:cNvPr id="20" name="Ink 19">
+                  <a:extLst>
+                    <a:ext uri="{FF2B5EF4-FFF2-40B4-BE49-F238E27FC236}">
+                      <a16:creationId xmlns:a16="http://schemas.microsoft.com/office/drawing/2014/main" id="{FD3F4E01-B047-43CA-A20B-E33EA62B00D8}"/>
+                    </a:ext>
+                  </a:extLst>
+                </p:cNvPr>
+                <p:cNvPicPr/>
+                <p:nvPr/>
+              </p:nvPicPr>
+              <p:blipFill>
+                <a:blip r:embed="rId7"/>
+                <a:stretch>
+                  <a:fillRect/>
+                </a:stretch>
+              </p:blipFill>
+              <p:spPr>
+                <a:xfrm>
+                  <a:off x="5189400" y="418680"/>
+                  <a:ext cx="216360" cy="165960"/>
+                </a:xfrm>
+                <a:prstGeom prst="rect">
+                  <a:avLst/>
+                </a:prstGeom>
+              </p:spPr>
+            </p:pic>
+          </mc:Fallback>
+        </mc:AlternateContent>
+      </p:grpSp>
+      <p:sp>
+        <p:nvSpPr>
+          <p:cNvPr id="25" name="Rectangle 24">
+            <a:extLst>
+              <a:ext uri="{FF2B5EF4-FFF2-40B4-BE49-F238E27FC236}">
+                <a16:creationId xmlns:a16="http://schemas.microsoft.com/office/drawing/2014/main" id="{769FC382-1023-491C-9F33-54A0EC615C4F}"/>
+              </a:ext>
+            </a:extLst>
+          </p:cNvPr>
+          <p:cNvSpPr/>
+          <p:nvPr/>
+        </p:nvSpPr>
+        <p:spPr bwMode="auto">
+          <a:xfrm>
+            <a:off x="3336537" y="566640"/>
+            <a:ext cx="1706408" cy="523996"/>
+          </a:xfrm>
+          <a:prstGeom prst="rect">
+            <a:avLst/>
+          </a:prstGeom>
+          <a:noFill/>
+          <a:ln>
+            <a:noFill/>
+            <a:headEnd type="none" w="med" len="med"/>
+            <a:tailEnd type="none" w="med" len="med"/>
+          </a:ln>
+          <a:effectLst>
+            <a:outerShdw blurRad="50800" dist="38100" dir="2700000" algn="tl" rotWithShape="0">
+              <a:prstClr val="black">
+                <a:alpha val="18000"/>
+              </a:prstClr>
+            </a:outerShdw>
+          </a:effectLst>
+        </p:spPr>
+        <p:style>
+          <a:lnRef idx="1">
+            <a:schemeClr val="accent2"/>
+          </a:lnRef>
+          <a:fillRef idx="3">
+            <a:schemeClr val="accent2"/>
+          </a:fillRef>
+          <a:effectRef idx="2">
+            <a:schemeClr val="accent2"/>
+          </a:effectRef>
+          <a:fontRef idx="minor">
+            <a:schemeClr val="lt1"/>
+          </a:fontRef>
+        </p:style>
+        <p:txBody>
+          <a:bodyPr rot="0" spcFirstLastPara="0" vertOverflow="overflow" horzOverflow="overflow" vert="horz" wrap="square" lIns="159978" tIns="127982" rIns="159978" bIns="127982" numCol="1" spcCol="0" rtlCol="0" fromWordArt="0" anchor="ctr" anchorCtr="0" forceAA="0" compatLnSpc="1">
+            <a:prstTxWarp prst="textNoShape">
+              <a:avLst/>
+            </a:prstTxWarp>
+            <a:noAutofit/>
+          </a:bodyPr>
+          <a:lstStyle/>
+          <a:p>
+            <a:pPr defTabSz="815727" fontAlgn="base">
+              <a:lnSpc>
+                <a:spcPts val="2309"/>
+              </a:lnSpc>
+              <a:spcBef>
+                <a:spcPct val="0"/>
+              </a:spcBef>
+              <a:spcAft>
+                <a:spcPct val="0"/>
+              </a:spcAft>
+              <a:defRPr/>
+            </a:pPr>
+            <a:r>
+              <a:rPr lang="en-US" sz="1225" dirty="0">
+                <a:solidFill>
+                  <a:srgbClr val="0070C0"/>
+                </a:solidFill>
+                <a:latin typeface="Segoe UI Semibold"/>
+                <a:ea typeface="Segoe UI" pitchFamily="34" charset="0"/>
+                <a:cs typeface="Segoe UI" pitchFamily="34" charset="0"/>
+              </a:rPr>
+              <a:t>Authenticated user</a:t>
+            </a:r>
+          </a:p>
+        </p:txBody>
+      </p:sp>
+      <p:grpSp>
+        <p:nvGrpSpPr>
+          <p:cNvPr id="29" name="Group 28">
+            <a:extLst>
+              <a:ext uri="{FF2B5EF4-FFF2-40B4-BE49-F238E27FC236}">
+                <a16:creationId xmlns:a16="http://schemas.microsoft.com/office/drawing/2014/main" id="{01A16762-A078-4E40-84CC-DC822EE63926}"/>
+              </a:ext>
+            </a:extLst>
+          </p:cNvPr>
+          <p:cNvGrpSpPr/>
+          <p:nvPr/>
+        </p:nvGrpSpPr>
+        <p:grpSpPr>
+          <a:xfrm>
+            <a:off x="5129280" y="1264320"/>
+            <a:ext cx="421200" cy="596160"/>
+            <a:chOff x="5129280" y="1264320"/>
+            <a:chExt cx="421200" cy="596160"/>
+          </a:xfrm>
+        </p:grpSpPr>
+        <mc:AlternateContent xmlns:mc="http://schemas.openxmlformats.org/markup-compatibility/2006">
+          <mc:Choice xmlns:p14="http://schemas.microsoft.com/office/powerpoint/2010/main" Requires="p14">
+            <p:contentPart p14:bwMode="auto" r:id="rId8">
+              <p14:nvContentPartPr>
+                <p14:cNvPr id="27" name="Ink 26">
+                  <a:extLst>
+                    <a:ext uri="{FF2B5EF4-FFF2-40B4-BE49-F238E27FC236}">
+                      <a16:creationId xmlns:a16="http://schemas.microsoft.com/office/drawing/2014/main" id="{EC92B793-C32B-4617-8B3C-F1B7D151D64D}"/>
+                    </a:ext>
+                  </a:extLst>
+                </p14:cNvPr>
+                <p14:cNvContentPartPr/>
+                <p14:nvPr/>
+              </p14:nvContentPartPr>
+              <p14:xfrm>
+                <a:off x="5129280" y="1306440"/>
+                <a:ext cx="413280" cy="554040"/>
+              </p14:xfrm>
+            </p:contentPart>
+          </mc:Choice>
+          <mc:Fallback>
+            <p:pic>
+              <p:nvPicPr>
+                <p:cNvPr id="27" name="Ink 26">
+                  <a:extLst>
+                    <a:ext uri="{FF2B5EF4-FFF2-40B4-BE49-F238E27FC236}">
+                      <a16:creationId xmlns:a16="http://schemas.microsoft.com/office/drawing/2014/main" id="{EC92B793-C32B-4617-8B3C-F1B7D151D64D}"/>
+                    </a:ext>
+                  </a:extLst>
+                </p:cNvPr>
+                <p:cNvPicPr/>
+                <p:nvPr/>
+              </p:nvPicPr>
+              <p:blipFill>
+                <a:blip r:embed="rId9"/>
+                <a:stretch>
+                  <a:fillRect/>
+                </a:stretch>
+              </p:blipFill>
+              <p:spPr>
+                <a:xfrm>
+                  <a:off x="5111280" y="1288440"/>
+                  <a:ext cx="448920" cy="589680"/>
+                </a:xfrm>
+                <a:prstGeom prst="rect">
+                  <a:avLst/>
+                </a:prstGeom>
+              </p:spPr>
+            </p:pic>
+          </mc:Fallback>
+        </mc:AlternateContent>
+        <mc:AlternateContent xmlns:mc="http://schemas.openxmlformats.org/markup-compatibility/2006">
+          <mc:Choice xmlns:p14="http://schemas.microsoft.com/office/powerpoint/2010/main" Requires="p14">
+            <p:contentPart p14:bwMode="auto" r:id="rId10">
+              <p14:nvContentPartPr>
+                <p14:cNvPr id="28" name="Ink 27">
+                  <a:extLst>
+                    <a:ext uri="{FF2B5EF4-FFF2-40B4-BE49-F238E27FC236}">
+                      <a16:creationId xmlns:a16="http://schemas.microsoft.com/office/drawing/2014/main" id="{EF902F1C-CE8A-48CE-A729-AB21B4552258}"/>
+                    </a:ext>
+                  </a:extLst>
+                </p14:cNvPr>
+                <p14:cNvContentPartPr/>
+                <p14:nvPr/>
+              </p14:nvContentPartPr>
+              <p14:xfrm>
+                <a:off x="5370480" y="1264320"/>
+                <a:ext cx="180000" cy="208800"/>
+              </p14:xfrm>
+            </p:contentPart>
+          </mc:Choice>
+          <mc:Fallback>
+            <p:pic>
+              <p:nvPicPr>
+                <p:cNvPr id="28" name="Ink 27">
+                  <a:extLst>
+                    <a:ext uri="{FF2B5EF4-FFF2-40B4-BE49-F238E27FC236}">
+                      <a16:creationId xmlns:a16="http://schemas.microsoft.com/office/drawing/2014/main" id="{EF902F1C-CE8A-48CE-A729-AB21B4552258}"/>
+                    </a:ext>
+                  </a:extLst>
+                </p:cNvPr>
+                <p:cNvPicPr/>
+                <p:nvPr/>
+              </p:nvPicPr>
+              <p:blipFill>
+                <a:blip r:embed="rId11"/>
+                <a:stretch>
+                  <a:fillRect/>
+                </a:stretch>
+              </p:blipFill>
+              <p:spPr>
+                <a:xfrm>
+                  <a:off x="5352480" y="1246320"/>
+                  <a:ext cx="215640" cy="244440"/>
+                </a:xfrm>
+                <a:prstGeom prst="rect">
+                  <a:avLst/>
+                </a:prstGeom>
+              </p:spPr>
+            </p:pic>
+          </mc:Fallback>
+        </mc:AlternateContent>
+      </p:grpSp>
+      <p:sp>
+        <p:nvSpPr>
+          <p:cNvPr id="30" name="Rectangle 29">
+            <a:extLst>
+              <a:ext uri="{FF2B5EF4-FFF2-40B4-BE49-F238E27FC236}">
+                <a16:creationId xmlns:a16="http://schemas.microsoft.com/office/drawing/2014/main" id="{3E27F84A-59E5-443A-A472-99FE353E2058}"/>
+              </a:ext>
+            </a:extLst>
+          </p:cNvPr>
+          <p:cNvSpPr/>
+          <p:nvPr/>
+        </p:nvSpPr>
+        <p:spPr bwMode="auto">
+          <a:xfrm>
+            <a:off x="4106314" y="1754444"/>
+            <a:ext cx="1706408" cy="523996"/>
+          </a:xfrm>
+          <a:prstGeom prst="rect">
+            <a:avLst/>
+          </a:prstGeom>
+          <a:noFill/>
+          <a:ln>
+            <a:noFill/>
+            <a:headEnd type="none" w="med" len="med"/>
+            <a:tailEnd type="none" w="med" len="med"/>
+          </a:ln>
+          <a:effectLst>
+            <a:outerShdw blurRad="50800" dist="38100" dir="2700000" algn="tl" rotWithShape="0">
+              <a:prstClr val="black">
+                <a:alpha val="18000"/>
+              </a:prstClr>
+            </a:outerShdw>
+          </a:effectLst>
+        </p:spPr>
+        <p:style>
+          <a:lnRef idx="1">
+            <a:schemeClr val="accent2"/>
+          </a:lnRef>
+          <a:fillRef idx="3">
+            <a:schemeClr val="accent2"/>
+          </a:fillRef>
+          <a:effectRef idx="2">
+            <a:schemeClr val="accent2"/>
+          </a:effectRef>
+          <a:fontRef idx="minor">
+            <a:schemeClr val="lt1"/>
+          </a:fontRef>
+        </p:style>
+        <p:txBody>
+          <a:bodyPr rot="0" spcFirstLastPara="0" vertOverflow="overflow" horzOverflow="overflow" vert="horz" wrap="square" lIns="159978" tIns="127982" rIns="159978" bIns="127982" numCol="1" spcCol="0" rtlCol="0" fromWordArt="0" anchor="ctr" anchorCtr="0" forceAA="0" compatLnSpc="1">
+            <a:prstTxWarp prst="textNoShape">
+              <a:avLst/>
+            </a:prstTxWarp>
+            <a:noAutofit/>
+          </a:bodyPr>
+          <a:lstStyle/>
+          <a:p>
+            <a:pPr defTabSz="815727" fontAlgn="base">
+              <a:lnSpc>
+                <a:spcPts val="2309"/>
+              </a:lnSpc>
+              <a:spcBef>
+                <a:spcPct val="0"/>
+              </a:spcBef>
+              <a:spcAft>
+                <a:spcPct val="0"/>
+              </a:spcAft>
+              <a:defRPr/>
+            </a:pPr>
+            <a:r>
+              <a:rPr lang="en-US" sz="1225" dirty="0">
+                <a:solidFill>
+                  <a:srgbClr val="0070C0"/>
+                </a:solidFill>
+                <a:latin typeface="Cascadia Code" panose="020B0609020000020004" pitchFamily="49" charset="0"/>
+                <a:ea typeface="Segoe UI" pitchFamily="34" charset="0"/>
+                <a:cs typeface="Cascadia Code" panose="020B0609020000020004" pitchFamily="49" charset="0"/>
+              </a:rPr>
+              <a:t>API</a:t>
+            </a:r>
+            <a:r>
+              <a:rPr lang="en-US" sz="1225" dirty="0">
+                <a:solidFill>
+                  <a:srgbClr val="0070C0"/>
+                </a:solidFill>
+                <a:latin typeface="Segoe UI Semibold"/>
+                <a:ea typeface="Segoe UI" pitchFamily="34" charset="0"/>
+                <a:cs typeface="Segoe UI" pitchFamily="34" charset="0"/>
+              </a:rPr>
+              <a:t> Requests</a:t>
+            </a:r>
+          </a:p>
+        </p:txBody>
+      </p:sp>
+    </p:spTree>
+    <p:extLst>
+      <p:ext uri="{BB962C8B-B14F-4D97-AF65-F5344CB8AC3E}">
+        <p14:creationId xmlns:p14="http://schemas.microsoft.com/office/powerpoint/2010/main" val="2648509249"/>
+      </p:ext>
+    </p:extLst>
+  </p:cSld>
+  <p:clrMapOvr>
+    <a:masterClrMapping/>
+  </p:clrMapOvr>
+  <p:transition>
+    <p:fade/>
+  </p:transition>
+</p:sld>
+</file>
+
+<file path=ppt/slides/slide9.xml><?xml version="1.0" encoding="utf-8"?>
+<p:sld xmlns:a="http://schemas.openxmlformats.org/drawingml/2006/main" xmlns:r="http://schemas.openxmlformats.org/officeDocument/2006/relationships" xmlns:p="http://schemas.openxmlformats.org/presentationml/2006/main">
+  <p:cSld>
+    <p:bg>
+      <p:bgPr>
+        <a:solidFill>
+          <a:schemeClr val="tx1"/>
+        </a:solidFill>
+        <a:effectLst/>
+      </p:bgPr>
+    </p:bg>
+    <p:spTree>
+      <p:nvGrpSpPr>
+        <p:cNvPr id="1" name=""/>
+        <p:cNvGrpSpPr/>
+        <p:nvPr/>
+      </p:nvGrpSpPr>
+      <p:grpSpPr>
+        <a:xfrm>
+          <a:off x="0" y="0"/>
+          <a:ext cx="0" cy="0"/>
+          <a:chOff x="0" y="0"/>
+          <a:chExt cx="0" cy="0"/>
+        </a:xfrm>
+      </p:grpSpPr>
+      <p:sp>
+        <p:nvSpPr>
+          <p:cNvPr id="5" name="Rectangle: Rounded Corners 4">
+            <a:extLst>
+              <a:ext uri="{FF2B5EF4-FFF2-40B4-BE49-F238E27FC236}">
+                <a16:creationId xmlns:a16="http://schemas.microsoft.com/office/drawing/2014/main" id="{AE52487A-E438-4E09-9EA9-1747EA227766}"/>
+              </a:ext>
+            </a:extLst>
+          </p:cNvPr>
+          <p:cNvSpPr/>
+          <p:nvPr/>
+        </p:nvSpPr>
+        <p:spPr bwMode="auto">
+          <a:xfrm>
+            <a:off x="69421" y="741943"/>
+            <a:ext cx="12182904" cy="4389111"/>
+          </a:xfrm>
+          <a:prstGeom prst="roundRect">
+            <a:avLst>
+              <a:gd name="adj" fmla="val 0"/>
+            </a:avLst>
+          </a:prstGeom>
+          <a:solidFill>
+            <a:srgbClr val="1A202C"/>
+          </a:solidFill>
+          <a:ln w="25400">
+            <a:noFill/>
+            <a:headEnd type="none" w="med" len="med"/>
+            <a:tailEnd type="none" w="med" len="med"/>
+          </a:ln>
+          <a:effectLst/>
+        </p:spPr>
+        <p:style>
+          <a:lnRef idx="1">
+            <a:schemeClr val="accent2"/>
+          </a:lnRef>
+          <a:fillRef idx="3">
+            <a:schemeClr val="accent2"/>
+          </a:fillRef>
+          <a:effectRef idx="2">
+            <a:schemeClr val="accent2"/>
+          </a:effectRef>
+          <a:fontRef idx="minor">
+            <a:schemeClr val="lt1"/>
+          </a:fontRef>
+        </p:style>
+        <p:txBody>
+          <a:bodyPr rot="0" spcFirstLastPara="0" vertOverflow="overflow" horzOverflow="overflow" vert="horz" wrap="square" lIns="182880" tIns="146304" rIns="182880" bIns="146304" numCol="1" spcCol="0" rtlCol="0" fromWordArt="0" anchor="t" anchorCtr="0" forceAA="0" compatLnSpc="1">
+            <a:prstTxWarp prst="textNoShape">
+              <a:avLst/>
+            </a:prstTxWarp>
+            <a:noAutofit/>
+          </a:bodyPr>
+          <a:lstStyle/>
+          <a:p>
+            <a:pPr algn="l" defTabSz="932472" fontAlgn="base">
+              <a:spcBef>
+                <a:spcPct val="0"/>
+              </a:spcBef>
+              <a:spcAft>
+                <a:spcPct val="0"/>
+              </a:spcAft>
+            </a:pPr>
+            <a:endParaRPr lang="en-US" sz="2000" dirty="0" err="1">
+              <a:gradFill>
+                <a:gsLst>
+                  <a:gs pos="0">
+                    <a:srgbClr val="FFFFFF"/>
+                  </a:gs>
+                  <a:gs pos="100000">
+                    <a:srgbClr val="FFFFFF"/>
+                  </a:gs>
+                </a:gsLst>
+                <a:lin ang="5400000" scaled="0"/>
+              </a:gradFill>
+              <a:ea typeface="Segoe UI" pitchFamily="34" charset="0"/>
+              <a:cs typeface="Segoe UI" pitchFamily="34" charset="0"/>
+            </a:endParaRPr>
+          </a:p>
+        </p:txBody>
+      </p:sp>
+      <p:grpSp>
+        <p:nvGrpSpPr>
+          <p:cNvPr id="16" name="Group 15">
+            <a:extLst>
+              <a:ext uri="{FF2B5EF4-FFF2-40B4-BE49-F238E27FC236}">
+                <a16:creationId xmlns:a16="http://schemas.microsoft.com/office/drawing/2014/main" id="{8624FAE6-ECBF-467A-AE2E-A0E4CC3838B7}"/>
+              </a:ext>
+            </a:extLst>
+          </p:cNvPr>
+          <p:cNvGrpSpPr/>
+          <p:nvPr/>
+        </p:nvGrpSpPr>
+        <p:grpSpPr>
+          <a:xfrm>
+            <a:off x="56224" y="741944"/>
+            <a:ext cx="12067191" cy="4389110"/>
+            <a:chOff x="56224" y="741944"/>
+            <a:chExt cx="12067191" cy="4389110"/>
+          </a:xfrm>
+        </p:grpSpPr>
+        <p:pic>
+          <p:nvPicPr>
+            <p:cNvPr id="12" name="Picture 4" descr="Dots grid design - Transparent PNG &amp; SVG vector file">
+              <a:extLst>
+                <a:ext uri="{FF2B5EF4-FFF2-40B4-BE49-F238E27FC236}">
+                  <a16:creationId xmlns:a16="http://schemas.microsoft.com/office/drawing/2014/main" id="{C4950839-DF4B-4A71-85EE-FF5F0126ED33}"/>
+                </a:ext>
+              </a:extLst>
+            </p:cNvPr>
+            <p:cNvPicPr>
+              <a:picLocks noChangeAspect="1" noChangeArrowheads="1"/>
+            </p:cNvPicPr>
+            <p:nvPr/>
+          </p:nvPicPr>
+          <p:blipFill rotWithShape="1">
+            <a:blip r:embed="rId3">
+              <a:alphaModFix amt="50000"/>
+              <a:extLst>
+                <a:ext uri="{28A0092B-C50C-407E-A947-70E740481C1C}">
+                  <a14:useLocalDpi xmlns:a14="http://schemas.microsoft.com/office/drawing/2010/main" val="0"/>
+                </a:ext>
+              </a:extLst>
+            </a:blip>
+            <a:srcRect l="666" t="152" r="-2072" b="403"/>
+            <a:stretch/>
+          </p:blipFill>
+          <p:spPr bwMode="auto">
+            <a:xfrm>
+              <a:off x="56224" y="741944"/>
+              <a:ext cx="4475716" cy="4389110"/>
+            </a:xfrm>
+            <a:prstGeom prst="rect">
+              <a:avLst/>
+            </a:prstGeom>
+            <a:noFill/>
+            <a:extLst>
+              <a:ext uri="{909E8E84-426E-40DD-AFC4-6F175D3DCCD1}">
+                <a14:hiddenFill xmlns:a14="http://schemas.microsoft.com/office/drawing/2010/main">
+                  <a:solidFill>
+                    <a:srgbClr val="FFFFFF"/>
+                  </a:solidFill>
+                </a14:hiddenFill>
+              </a:ext>
+            </a:extLst>
+          </p:spPr>
+        </p:pic>
+        <p:pic>
+          <p:nvPicPr>
+            <p:cNvPr id="13" name="Picture 4" descr="Dots grid design - Transparent PNG &amp; SVG vector file">
+              <a:extLst>
+                <a:ext uri="{FF2B5EF4-FFF2-40B4-BE49-F238E27FC236}">
+                  <a16:creationId xmlns:a16="http://schemas.microsoft.com/office/drawing/2014/main" id="{BE9FF004-9458-4C74-A65D-7400F8C269BB}"/>
+                </a:ext>
+              </a:extLst>
+            </p:cNvPr>
+            <p:cNvPicPr>
+              <a:picLocks noChangeAspect="1" noChangeArrowheads="1"/>
+            </p:cNvPicPr>
+            <p:nvPr/>
+          </p:nvPicPr>
+          <p:blipFill rotWithShape="1">
+            <a:blip r:embed="rId3">
+              <a:alphaModFix amt="50000"/>
+              <a:extLst>
+                <a:ext uri="{28A0092B-C50C-407E-A947-70E740481C1C}">
+                  <a14:useLocalDpi xmlns:a14="http://schemas.microsoft.com/office/drawing/2010/main" val="0"/>
+                </a:ext>
+              </a:extLst>
+            </a:blip>
+            <a:srcRect l="666" t="152" r="-2072" b="403"/>
+            <a:stretch/>
+          </p:blipFill>
+          <p:spPr bwMode="auto">
+            <a:xfrm>
+              <a:off x="4179244" y="741944"/>
+              <a:ext cx="4475716" cy="4389110"/>
+            </a:xfrm>
+            <a:prstGeom prst="rect">
+              <a:avLst/>
+            </a:prstGeom>
+            <a:noFill/>
+            <a:extLst>
+              <a:ext uri="{909E8E84-426E-40DD-AFC4-6F175D3DCCD1}">
+                <a14:hiddenFill xmlns:a14="http://schemas.microsoft.com/office/drawing/2010/main">
+                  <a:solidFill>
+                    <a:srgbClr val="FFFFFF"/>
+                  </a:solidFill>
+                </a14:hiddenFill>
+              </a:ext>
+            </a:extLst>
+          </p:spPr>
+        </p:pic>
+        <p:pic>
+          <p:nvPicPr>
+            <p:cNvPr id="15" name="Picture 4" descr="Dots grid design - Transparent PNG &amp; SVG vector file">
+              <a:extLst>
+                <a:ext uri="{FF2B5EF4-FFF2-40B4-BE49-F238E27FC236}">
+                  <a16:creationId xmlns:a16="http://schemas.microsoft.com/office/drawing/2014/main" id="{83189745-2B0B-45EF-A89D-6AFA78486E47}"/>
+                </a:ext>
+              </a:extLst>
+            </p:cNvPr>
+            <p:cNvPicPr>
+              <a:picLocks noChangeAspect="1" noChangeArrowheads="1"/>
+            </p:cNvPicPr>
+            <p:nvPr/>
+          </p:nvPicPr>
+          <p:blipFill rotWithShape="1">
+            <a:blip r:embed="rId3">
+              <a:alphaModFix amt="50000"/>
+              <a:extLst>
+                <a:ext uri="{28A0092B-C50C-407E-A947-70E740481C1C}">
+                  <a14:useLocalDpi xmlns:a14="http://schemas.microsoft.com/office/drawing/2010/main" val="0"/>
+                </a:ext>
+              </a:extLst>
+            </a:blip>
+            <a:srcRect l="666" t="152" r="13093" b="403"/>
+            <a:stretch/>
+          </p:blipFill>
+          <p:spPr bwMode="auto">
+            <a:xfrm>
+              <a:off x="8317061" y="741944"/>
+              <a:ext cx="3806354" cy="4389110"/>
+            </a:xfrm>
+            <a:prstGeom prst="rect">
+              <a:avLst/>
+            </a:prstGeom>
+            <a:noFill/>
+            <a:extLst>
+              <a:ext uri="{909E8E84-426E-40DD-AFC4-6F175D3DCCD1}">
+                <a14:hiddenFill xmlns:a14="http://schemas.microsoft.com/office/drawing/2010/main">
+                  <a:solidFill>
+                    <a:srgbClr val="FFFFFF"/>
+                  </a:solidFill>
+                </a14:hiddenFill>
+              </a:ext>
+            </a:extLst>
+          </p:spPr>
+        </p:pic>
+      </p:grpSp>
+      <p:grpSp>
+        <p:nvGrpSpPr>
+          <p:cNvPr id="99" name="Group 98">
+            <a:extLst>
+              <a:ext uri="{FF2B5EF4-FFF2-40B4-BE49-F238E27FC236}">
+                <a16:creationId xmlns:a16="http://schemas.microsoft.com/office/drawing/2014/main" id="{5B36D08C-30A4-4564-BF07-63BFB0C01EDD}"/>
+              </a:ext>
+            </a:extLst>
+          </p:cNvPr>
+          <p:cNvGrpSpPr/>
+          <p:nvPr/>
+        </p:nvGrpSpPr>
+        <p:grpSpPr>
+          <a:xfrm>
+            <a:off x="319362" y="1569294"/>
+            <a:ext cx="11613600" cy="2860573"/>
+            <a:chOff x="319362" y="582890"/>
+            <a:chExt cx="11613600" cy="2860573"/>
+          </a:xfrm>
+        </p:grpSpPr>
+        <p:sp>
+          <p:nvSpPr>
+            <p:cNvPr id="101" name="Rectangle: Rounded Corners 100">
+              <a:extLst>
+                <a:ext uri="{FF2B5EF4-FFF2-40B4-BE49-F238E27FC236}">
+                  <a16:creationId xmlns:a16="http://schemas.microsoft.com/office/drawing/2014/main" id="{812C927F-B2FC-4D32-84D9-0CA0A13EB592}"/>
+                </a:ext>
+              </a:extLst>
+            </p:cNvPr>
+            <p:cNvSpPr/>
+            <p:nvPr/>
+          </p:nvSpPr>
+          <p:spPr bwMode="auto">
+            <a:xfrm>
+              <a:off x="6811708" y="1045221"/>
+              <a:ext cx="5121253" cy="2001610"/>
+            </a:xfrm>
+            <a:prstGeom prst="roundRect">
+              <a:avLst>
+                <a:gd name="adj" fmla="val 0"/>
+              </a:avLst>
+            </a:prstGeom>
+            <a:solidFill>
+              <a:srgbClr val="50E6FF">
+                <a:alpha val="28000"/>
+              </a:srgbClr>
+            </a:solidFill>
+            <a:ln w="6350" cap="flat" cmpd="sng" algn="ctr">
+              <a:noFill/>
+              <a:prstDash val="solid"/>
+              <a:miter lim="800000"/>
+              <a:headEnd type="none" w="med" len="med"/>
+              <a:tailEnd type="none" w="med" len="med"/>
+            </a:ln>
+            <a:effectLst>
+              <a:outerShdw blurRad="50800" dist="38100" dir="2700000" algn="tl" rotWithShape="0">
+                <a:prstClr val="black">
+                  <a:alpha val="40000"/>
+                </a:prstClr>
+              </a:outerShdw>
+            </a:effectLst>
+          </p:spPr>
+          <p:txBody>
+            <a:bodyPr rot="0" spcFirstLastPara="0" vertOverflow="overflow" horzOverflow="overflow" vert="horz" wrap="square" lIns="182880" tIns="146304" rIns="182880" bIns="146304" numCol="1" spcCol="0" rtlCol="0" fromWordArt="0" anchor="t" anchorCtr="0" forceAA="0" compatLnSpc="1">
+              <a:prstTxWarp prst="textNoShape">
+                <a:avLst/>
+              </a:prstTxWarp>
+              <a:noAutofit/>
+            </a:bodyPr>
+            <a:lstStyle/>
+            <a:p>
+              <a:pPr marL="0" marR="0" lvl="0" indent="0" algn="ctr" defTabSz="932472" eaLnBrk="1" fontAlgn="base" latinLnBrk="0" hangingPunct="1">
+                <a:lnSpc>
+                  <a:spcPct val="90000"/>
+                </a:lnSpc>
+                <a:spcBef>
+                  <a:spcPct val="0"/>
+                </a:spcBef>
+                <a:spcAft>
+                  <a:spcPct val="0"/>
+                </a:spcAft>
+                <a:buClrTx/>
+                <a:buSzTx/>
+                <a:buFontTx/>
+                <a:buNone/>
+                <a:tabLst/>
+                <a:defRPr/>
+              </a:pPr>
+              <a:endParaRPr kumimoji="0" lang="en-CA" sz="2400" b="0" i="0" u="none" strike="noStrike" kern="0" cap="none" spc="0" normalizeH="0" baseline="0" noProof="0" dirty="0" err="1">
+                <a:ln>
+                  <a:noFill/>
+                </a:ln>
+                <a:gradFill>
+                  <a:gsLst>
+                    <a:gs pos="0">
+                      <a:srgbClr val="FFFFFF"/>
+                    </a:gs>
+                    <a:gs pos="100000">
+                      <a:srgbClr val="FFFFFF"/>
+                    </a:gs>
+                  </a:gsLst>
+                  <a:lin ang="5400000" scaled="0"/>
+                </a:gradFill>
+                <a:effectLst/>
+                <a:uLnTx/>
+                <a:uFillTx/>
+                <a:latin typeface="Calibri" panose="020F0502020204030204"/>
+                <a:ea typeface="Segoe UI" pitchFamily="34" charset="0"/>
+                <a:cs typeface="Segoe UI" pitchFamily="34" charset="0"/>
+              </a:endParaRPr>
+            </a:p>
+          </p:txBody>
+        </p:sp>
+        <p:pic>
+          <p:nvPicPr>
+            <p:cNvPr id="102" name="Picture 101">
+              <a:extLst>
+                <a:ext uri="{FF2B5EF4-FFF2-40B4-BE49-F238E27FC236}">
+                  <a16:creationId xmlns:a16="http://schemas.microsoft.com/office/drawing/2014/main" id="{8476B230-9BB3-4529-A913-45EA81287A96}"/>
+                </a:ext>
+              </a:extLst>
+            </p:cNvPr>
+            <p:cNvPicPr>
+              <a:picLocks noChangeAspect="1"/>
+            </p:cNvPicPr>
+            <p:nvPr/>
+          </p:nvPicPr>
+          <p:blipFill>
+            <a:blip r:embed="rId4"/>
+            <a:stretch>
+              <a:fillRect/>
+            </a:stretch>
+          </p:blipFill>
+          <p:spPr>
+            <a:xfrm>
+              <a:off x="319362" y="1209757"/>
+              <a:ext cx="1483242" cy="1323724"/>
+            </a:xfrm>
+            <a:prstGeom prst="rect">
+              <a:avLst/>
+            </a:prstGeom>
+          </p:spPr>
+        </p:pic>
+        <p:sp>
+          <p:nvSpPr>
+            <p:cNvPr id="103" name="TextBox 102">
+              <a:extLst>
+                <a:ext uri="{FF2B5EF4-FFF2-40B4-BE49-F238E27FC236}">
+                  <a16:creationId xmlns:a16="http://schemas.microsoft.com/office/drawing/2014/main" id="{1D44720D-8905-4D75-A56D-026D2A2A76BB}"/>
+                </a:ext>
+              </a:extLst>
+            </p:cNvPr>
+            <p:cNvSpPr txBox="1"/>
+            <p:nvPr/>
+          </p:nvSpPr>
+          <p:spPr>
+            <a:xfrm>
+              <a:off x="1160552" y="2032776"/>
+              <a:ext cx="1049612" cy="230832"/>
+            </a:xfrm>
+            <a:prstGeom prst="rect">
+              <a:avLst/>
+            </a:prstGeom>
+            <a:noFill/>
+          </p:spPr>
+          <p:txBody>
+            <a:bodyPr wrap="square" rtlCol="0">
+              <a:spAutoFit/>
+            </a:bodyPr>
+            <a:lstStyle/>
+            <a:p>
+              <a:pPr marL="0" marR="0" lvl="0" indent="0" algn="ctr" defTabSz="914400" eaLnBrk="1" fontAlgn="auto" latinLnBrk="0" hangingPunct="1">
+                <a:lnSpc>
+                  <a:spcPct val="100000"/>
+                </a:lnSpc>
+                <a:spcBef>
+                  <a:spcPts val="0"/>
+                </a:spcBef>
+                <a:spcAft>
+                  <a:spcPts val="0"/>
+                </a:spcAft>
+                <a:buClrTx/>
+                <a:buSzTx/>
+                <a:buFontTx/>
+                <a:buNone/>
+                <a:tabLst/>
+                <a:defRPr/>
+              </a:pPr>
+              <a:r>
+                <a:rPr kumimoji="0" lang="en-CA" sz="900" b="0" i="0" u="none" strike="noStrike" kern="0" cap="none" spc="0" normalizeH="0" baseline="0" noProof="0" dirty="0">
+                  <a:ln>
+                    <a:noFill/>
+                  </a:ln>
+                  <a:solidFill>
+                    <a:prstClr val="white"/>
+                  </a:solidFill>
+                  <a:effectLst/>
+                  <a:uLnTx/>
+                  <a:uFillTx/>
+                  <a:latin typeface="Segoe UI Semibold" panose="020B0702040204020203" pitchFamily="34" charset="0"/>
+                  <a:cs typeface="Segoe UI Semibold" panose="020B0702040204020203" pitchFamily="34" charset="0"/>
+                </a:rPr>
+                <a:t>CashFlow_01.csv</a:t>
+              </a:r>
+            </a:p>
+          </p:txBody>
+        </p:sp>
+        <p:cxnSp>
+          <p:nvCxnSpPr>
+            <p:cNvPr id="104" name="Straight Connector 103">
+              <a:extLst>
+                <a:ext uri="{FF2B5EF4-FFF2-40B4-BE49-F238E27FC236}">
+                  <a16:creationId xmlns:a16="http://schemas.microsoft.com/office/drawing/2014/main" id="{6A75D347-C32B-4384-A359-B01C65B75445}"/>
+                </a:ext>
+              </a:extLst>
+            </p:cNvPr>
+            <p:cNvCxnSpPr>
+              <a:cxnSpLocks/>
+            </p:cNvCxnSpPr>
+            <p:nvPr/>
+          </p:nvCxnSpPr>
+          <p:spPr>
+            <a:xfrm flipH="1" flipV="1">
+              <a:off x="1757391" y="1871619"/>
+              <a:ext cx="508352" cy="1"/>
+            </a:xfrm>
+            <a:prstGeom prst="line">
+              <a:avLst/>
+            </a:prstGeom>
+            <a:noFill/>
+            <a:ln w="50800" cap="flat" cmpd="sng" algn="ctr">
+              <a:gradFill>
+                <a:gsLst>
+                  <a:gs pos="0">
+                    <a:srgbClr val="50E6FF"/>
+                  </a:gs>
+                  <a:gs pos="100000">
+                    <a:srgbClr val="0DDCFF"/>
+                  </a:gs>
+                </a:gsLst>
+                <a:lin ang="5400000" scaled="1"/>
+              </a:gradFill>
+              <a:prstDash val="solid"/>
+              <a:miter lim="800000"/>
+            </a:ln>
+            <a:effectLst/>
+          </p:spPr>
+        </p:cxnSp>
+        <p:grpSp>
+          <p:nvGrpSpPr>
+            <p:cNvPr id="105" name="Group 104">
+              <a:extLst>
+                <a:ext uri="{FF2B5EF4-FFF2-40B4-BE49-F238E27FC236}">
+                  <a16:creationId xmlns:a16="http://schemas.microsoft.com/office/drawing/2014/main" id="{34C00427-3858-4AA7-BAAF-E277F257C111}"/>
+                </a:ext>
+              </a:extLst>
+            </p:cNvPr>
+            <p:cNvGrpSpPr/>
+            <p:nvPr/>
+          </p:nvGrpSpPr>
+          <p:grpSpPr>
+            <a:xfrm>
+              <a:off x="3138056" y="595161"/>
+              <a:ext cx="1613193" cy="414567"/>
+              <a:chOff x="3147783" y="1566711"/>
+              <a:chExt cx="1613193" cy="414567"/>
+            </a:xfrm>
+          </p:grpSpPr>
+          <p:pic>
+            <p:nvPicPr>
+              <p:cNvPr id="159" name="Graphic 158">
+                <a:extLst>
+                  <a:ext uri="{FF2B5EF4-FFF2-40B4-BE49-F238E27FC236}">
+                    <a16:creationId xmlns:a16="http://schemas.microsoft.com/office/drawing/2014/main" id="{707E95D7-6147-4C01-8AB8-90EAB0BDF4C2}"/>
+                  </a:ext>
+                </a:extLst>
+              </p:cNvPr>
+              <p:cNvPicPr>
+                <a:picLocks noChangeAspect="1"/>
+              </p:cNvPicPr>
+              <p:nvPr/>
+            </p:nvPicPr>
+            <p:blipFill>
+              <a:blip r:embed="rId5">
+                <a:extLst>
+                  <a:ext uri="{28A0092B-C50C-407E-A947-70E740481C1C}">
+                    <a14:useLocalDpi xmlns:a14="http://schemas.microsoft.com/office/drawing/2010/main" val="0"/>
+                  </a:ext>
+                  <a:ext uri="{96DAC541-7B7A-43D3-8B79-37D633B846F1}">
+                    <asvg:svgBlip xmlns:asvg="http://schemas.microsoft.com/office/drawing/2016/SVG/main" r:embed="rId6"/>
+                  </a:ext>
+                </a:extLst>
+              </a:blip>
+              <a:stretch>
+                <a:fillRect/>
+              </a:stretch>
+            </p:blipFill>
+            <p:spPr>
+              <a:xfrm>
+                <a:off x="3147783" y="1566711"/>
+                <a:ext cx="414567" cy="414567"/>
+              </a:xfrm>
+              <a:prstGeom prst="rect">
+                <a:avLst/>
+              </a:prstGeom>
+              <a:effectLst/>
+            </p:spPr>
+          </p:pic>
+          <p:sp>
+            <p:nvSpPr>
+              <p:cNvPr id="160" name="TextBox 159">
+                <a:extLst>
+                  <a:ext uri="{FF2B5EF4-FFF2-40B4-BE49-F238E27FC236}">
+                    <a16:creationId xmlns:a16="http://schemas.microsoft.com/office/drawing/2014/main" id="{FBAAE07D-E21D-4B95-9CBE-A29569ECA52C}"/>
+                  </a:ext>
+                </a:extLst>
+              </p:cNvPr>
+              <p:cNvSpPr txBox="1"/>
+              <p:nvPr/>
+            </p:nvSpPr>
+            <p:spPr>
+              <a:xfrm>
+                <a:off x="3554382" y="1567412"/>
+                <a:ext cx="1206594" cy="346633"/>
+              </a:xfrm>
+              <a:prstGeom prst="rect">
+                <a:avLst/>
+              </a:prstGeom>
+              <a:noFill/>
+            </p:spPr>
+            <p:txBody>
+              <a:bodyPr wrap="square" tIns="0" bIns="0" rtlCol="0">
+                <a:spAutoFit/>
+              </a:bodyPr>
+              <a:lstStyle/>
+              <a:p>
+                <a:pPr marL="0" marR="0" lvl="0" indent="0" defTabSz="1097280" eaLnBrk="1" fontAlgn="auto" latinLnBrk="0" hangingPunct="1">
+                  <a:lnSpc>
+                    <a:spcPct val="125000"/>
+                  </a:lnSpc>
+                  <a:spcBef>
+                    <a:spcPts val="0"/>
+                  </a:spcBef>
+                  <a:spcAft>
+                    <a:spcPts val="0"/>
+                  </a:spcAft>
+                  <a:buClrTx/>
+                  <a:buSzTx/>
+                  <a:buFontTx/>
+                  <a:buNone/>
+                  <a:tabLst/>
+                  <a:defRPr/>
+                </a:pPr>
+                <a:r>
+                  <a:rPr kumimoji="0" lang="en-US" sz="2000" b="0" i="0" u="none" strike="noStrike" kern="0" cap="none" spc="0" normalizeH="0" baseline="0" noProof="0" dirty="0">
+                    <a:ln>
+                      <a:noFill/>
+                    </a:ln>
+                    <a:solidFill>
+                      <a:srgbClr val="0DDCFF"/>
+                    </a:solidFill>
+                    <a:effectLst/>
+                    <a:uLnTx/>
+                    <a:uFillTx/>
+                    <a:latin typeface="Segoe UI Semibold" panose="020B0702040204020203" pitchFamily="34" charset="0"/>
+                    <a:ea typeface="Segoe Pro" charset="0"/>
+                    <a:cs typeface="Segoe UI Semibold" panose="020B0702040204020203" pitchFamily="34" charset="0"/>
+                  </a:rPr>
+                  <a:t>Purview</a:t>
+                </a:r>
+              </a:p>
+            </p:txBody>
+          </p:sp>
+        </p:grpSp>
+        <p:cxnSp>
+          <p:nvCxnSpPr>
+            <p:cNvPr id="106" name="Straight Connector 105">
+              <a:extLst>
+                <a:ext uri="{FF2B5EF4-FFF2-40B4-BE49-F238E27FC236}">
+                  <a16:creationId xmlns:a16="http://schemas.microsoft.com/office/drawing/2014/main" id="{FAE2A4EA-736D-4BD5-8E6D-056C8B29B8A2}"/>
+                </a:ext>
+              </a:extLst>
+            </p:cNvPr>
+            <p:cNvCxnSpPr>
+              <a:cxnSpLocks/>
+            </p:cNvCxnSpPr>
+            <p:nvPr/>
+          </p:nvCxnSpPr>
+          <p:spPr>
+            <a:xfrm>
+              <a:off x="6831332" y="1429812"/>
+              <a:ext cx="5101630" cy="0"/>
+            </a:xfrm>
+            <a:prstGeom prst="line">
+              <a:avLst/>
+            </a:prstGeom>
+            <a:noFill/>
+            <a:ln w="12700" cap="flat" cmpd="sng" algn="ctr">
+              <a:solidFill>
+                <a:srgbClr val="0DDCFF"/>
+              </a:solidFill>
+              <a:prstDash val="solid"/>
+              <a:miter lim="800000"/>
+              <a:headEnd type="none" w="lg" len="med"/>
+              <a:tailEnd type="none" w="lg" len="med"/>
+            </a:ln>
+            <a:effectLst/>
+          </p:spPr>
+        </p:cxnSp>
+        <p:cxnSp>
+          <p:nvCxnSpPr>
+            <p:cNvPr id="107" name="Straight Connector 106">
+              <a:extLst>
+                <a:ext uri="{FF2B5EF4-FFF2-40B4-BE49-F238E27FC236}">
+                  <a16:creationId xmlns:a16="http://schemas.microsoft.com/office/drawing/2014/main" id="{C5A1AEC4-086A-49A0-9511-86CD5D7F1359}"/>
+                </a:ext>
+              </a:extLst>
+            </p:cNvPr>
+            <p:cNvCxnSpPr>
+              <a:cxnSpLocks/>
+            </p:cNvCxnSpPr>
+            <p:nvPr/>
+          </p:nvCxnSpPr>
+          <p:spPr>
+            <a:xfrm>
+              <a:off x="6811709" y="2353115"/>
+              <a:ext cx="5121253" cy="0"/>
+            </a:xfrm>
+            <a:prstGeom prst="line">
+              <a:avLst/>
+            </a:prstGeom>
+            <a:noFill/>
+            <a:ln w="6350" cap="flat" cmpd="sng" algn="ctr">
+              <a:solidFill>
+                <a:srgbClr val="F0EEED">
+                  <a:alpha val="86000"/>
+                </a:srgbClr>
+              </a:solidFill>
+              <a:prstDash val="solid"/>
+              <a:miter lim="800000"/>
+              <a:headEnd type="none" w="lg" len="med"/>
+              <a:tailEnd type="none" w="lg" len="med"/>
+            </a:ln>
+            <a:effectLst/>
+          </p:spPr>
+        </p:cxnSp>
+        <p:cxnSp>
+          <p:nvCxnSpPr>
+            <p:cNvPr id="108" name="Straight Connector 107">
+              <a:extLst>
+                <a:ext uri="{FF2B5EF4-FFF2-40B4-BE49-F238E27FC236}">
+                  <a16:creationId xmlns:a16="http://schemas.microsoft.com/office/drawing/2014/main" id="{58B7D03F-2841-4CF5-8461-8F02416DA6E9}"/>
+                </a:ext>
+              </a:extLst>
+            </p:cNvPr>
+            <p:cNvCxnSpPr>
+              <a:cxnSpLocks/>
+            </p:cNvCxnSpPr>
+            <p:nvPr/>
+          </p:nvCxnSpPr>
+          <p:spPr>
+            <a:xfrm>
+              <a:off x="6811709" y="2695853"/>
+              <a:ext cx="5121253" cy="0"/>
+            </a:xfrm>
+            <a:prstGeom prst="line">
+              <a:avLst/>
+            </a:prstGeom>
+            <a:noFill/>
+            <a:ln w="6350" cap="flat" cmpd="sng" algn="ctr">
+              <a:solidFill>
+                <a:srgbClr val="F0EEED">
+                  <a:alpha val="86000"/>
+                </a:srgbClr>
+              </a:solidFill>
+              <a:prstDash val="solid"/>
+              <a:miter lim="800000"/>
+              <a:headEnd type="none" w="lg" len="med"/>
+              <a:tailEnd type="none" w="lg" len="med"/>
+            </a:ln>
+            <a:effectLst/>
+          </p:spPr>
+        </p:cxnSp>
+        <p:cxnSp>
+          <p:nvCxnSpPr>
+            <p:cNvPr id="109" name="Straight Connector 108">
+              <a:extLst>
+                <a:ext uri="{FF2B5EF4-FFF2-40B4-BE49-F238E27FC236}">
+                  <a16:creationId xmlns:a16="http://schemas.microsoft.com/office/drawing/2014/main" id="{330F3C93-8CE1-4192-830A-70D0729BB18F}"/>
+                </a:ext>
+              </a:extLst>
+            </p:cNvPr>
+            <p:cNvCxnSpPr>
+              <a:cxnSpLocks/>
+            </p:cNvCxnSpPr>
+            <p:nvPr/>
+          </p:nvCxnSpPr>
+          <p:spPr>
+            <a:xfrm>
+              <a:off x="6811709" y="3046830"/>
+              <a:ext cx="5121253" cy="0"/>
+            </a:xfrm>
+            <a:prstGeom prst="line">
+              <a:avLst/>
+            </a:prstGeom>
+            <a:noFill/>
+            <a:ln w="6350" cap="flat" cmpd="sng" algn="ctr">
+              <a:solidFill>
+                <a:srgbClr val="F0EEED">
+                  <a:alpha val="86000"/>
+                </a:srgbClr>
+              </a:solidFill>
+              <a:prstDash val="dash"/>
+              <a:miter lim="800000"/>
+              <a:headEnd type="none" w="lg" len="med"/>
+              <a:tailEnd type="none" w="lg" len="med"/>
+            </a:ln>
+            <a:effectLst/>
+          </p:spPr>
+        </p:cxnSp>
+        <p:grpSp>
+          <p:nvGrpSpPr>
+            <p:cNvPr id="110" name="Group 109">
+              <a:extLst>
+                <a:ext uri="{FF2B5EF4-FFF2-40B4-BE49-F238E27FC236}">
+                  <a16:creationId xmlns:a16="http://schemas.microsoft.com/office/drawing/2014/main" id="{F3E91184-16D5-489B-9FA4-6E16F0F7899A}"/>
+                </a:ext>
+              </a:extLst>
+            </p:cNvPr>
+            <p:cNvGrpSpPr/>
+            <p:nvPr/>
+          </p:nvGrpSpPr>
+          <p:grpSpPr>
+            <a:xfrm>
+              <a:off x="8570940" y="582890"/>
+              <a:ext cx="1600242" cy="426123"/>
+              <a:chOff x="8570940" y="1554440"/>
+              <a:chExt cx="1600242" cy="426123"/>
+            </a:xfrm>
+          </p:grpSpPr>
+          <p:pic>
+            <p:nvPicPr>
+              <p:cNvPr id="157" name="Picture 156">
+                <a:extLst>
+                  <a:ext uri="{FF2B5EF4-FFF2-40B4-BE49-F238E27FC236}">
+                    <a16:creationId xmlns:a16="http://schemas.microsoft.com/office/drawing/2014/main" id="{B1C904AD-405E-4CD9-B24B-F321F7CE65F1}"/>
+                  </a:ext>
+                </a:extLst>
+              </p:cNvPr>
+              <p:cNvPicPr>
+                <a:picLocks noChangeAspect="1"/>
+              </p:cNvPicPr>
+              <p:nvPr/>
+            </p:nvPicPr>
+            <p:blipFill>
+              <a:blip r:embed="rId7"/>
+              <a:stretch>
+                <a:fillRect/>
+              </a:stretch>
+            </p:blipFill>
+            <p:spPr>
+              <a:xfrm>
+                <a:off x="8570940" y="1554440"/>
+                <a:ext cx="361559" cy="426123"/>
+              </a:xfrm>
+              <a:prstGeom prst="rect">
+                <a:avLst/>
+              </a:prstGeom>
+              <a:effectLst/>
+            </p:spPr>
+          </p:pic>
+          <p:sp>
+            <p:nvSpPr>
+              <p:cNvPr id="158" name="TextBox 157">
+                <a:extLst>
+                  <a:ext uri="{FF2B5EF4-FFF2-40B4-BE49-F238E27FC236}">
+                    <a16:creationId xmlns:a16="http://schemas.microsoft.com/office/drawing/2014/main" id="{3F168C21-7C13-416A-AF8E-CA09D4BFBDA8}"/>
+                  </a:ext>
+                </a:extLst>
+              </p:cNvPr>
+              <p:cNvSpPr txBox="1"/>
+              <p:nvPr/>
+            </p:nvSpPr>
+            <p:spPr>
+              <a:xfrm>
+                <a:off x="8964588" y="1567412"/>
+                <a:ext cx="1206594" cy="346633"/>
+              </a:xfrm>
+              <a:prstGeom prst="rect">
+                <a:avLst/>
+              </a:prstGeom>
+              <a:noFill/>
+            </p:spPr>
+            <p:txBody>
+              <a:bodyPr wrap="square" tIns="0" bIns="0" rtlCol="0">
+                <a:spAutoFit/>
+              </a:bodyPr>
+              <a:lstStyle/>
+              <a:p>
+                <a:pPr marL="0" marR="0" lvl="0" indent="0" defTabSz="1097280" eaLnBrk="1" fontAlgn="auto" latinLnBrk="0" hangingPunct="1">
+                  <a:lnSpc>
+                    <a:spcPct val="125000"/>
+                  </a:lnSpc>
+                  <a:spcBef>
+                    <a:spcPts val="0"/>
+                  </a:spcBef>
+                  <a:spcAft>
+                    <a:spcPts val="0"/>
+                  </a:spcAft>
+                  <a:buClrTx/>
+                  <a:buSzTx/>
+                  <a:buFontTx/>
+                  <a:buNone/>
+                  <a:tabLst/>
+                  <a:defRPr/>
+                </a:pPr>
+                <a:r>
+                  <a:rPr kumimoji="0" lang="en-US" sz="2000" b="0" i="0" u="none" strike="noStrike" kern="0" cap="none" spc="0" normalizeH="0" baseline="0" noProof="0" dirty="0">
+                    <a:ln>
+                      <a:noFill/>
+                    </a:ln>
+                    <a:solidFill>
+                      <a:srgbClr val="0DDCFF"/>
+                    </a:solidFill>
+                    <a:effectLst/>
+                    <a:uLnTx/>
+                    <a:uFillTx/>
+                    <a:latin typeface="Segoe UI Semibold" panose="020B0702040204020203" pitchFamily="34" charset="0"/>
+                    <a:ea typeface="Segoe Pro" charset="0"/>
+                    <a:cs typeface="Segoe UI Semibold" panose="020B0702040204020203" pitchFamily="34" charset="0"/>
+                  </a:rPr>
+                  <a:t>Synapse</a:t>
+                </a:r>
+              </a:p>
+            </p:txBody>
+          </p:sp>
+        </p:grpSp>
+        <p:grpSp>
+          <p:nvGrpSpPr>
+            <p:cNvPr id="111" name="Group 110">
+              <a:extLst>
+                <a:ext uri="{FF2B5EF4-FFF2-40B4-BE49-F238E27FC236}">
+                  <a16:creationId xmlns:a16="http://schemas.microsoft.com/office/drawing/2014/main" id="{B8202ECA-FE4F-4EA1-B03E-EFF551B47C44}"/>
+                </a:ext>
+              </a:extLst>
+            </p:cNvPr>
+            <p:cNvGrpSpPr/>
+            <p:nvPr/>
+          </p:nvGrpSpPr>
+          <p:grpSpPr>
+            <a:xfrm>
+              <a:off x="8617404" y="3109587"/>
+              <a:ext cx="1564540" cy="261610"/>
+              <a:chOff x="8617404" y="3771513"/>
+              <a:chExt cx="1564540" cy="261610"/>
+            </a:xfrm>
+          </p:grpSpPr>
+          <p:sp>
+            <p:nvSpPr>
+              <p:cNvPr id="155" name="TextBox 154">
+                <a:extLst>
+                  <a:ext uri="{FF2B5EF4-FFF2-40B4-BE49-F238E27FC236}">
+                    <a16:creationId xmlns:a16="http://schemas.microsoft.com/office/drawing/2014/main" id="{469A4DAB-FA46-4A68-A535-3247109094DD}"/>
+                  </a:ext>
+                </a:extLst>
+              </p:cNvPr>
+              <p:cNvSpPr txBox="1"/>
+              <p:nvPr/>
+            </p:nvSpPr>
+            <p:spPr>
+              <a:xfrm>
+                <a:off x="8708853" y="3771513"/>
+                <a:ext cx="1473091" cy="261610"/>
+              </a:xfrm>
+              <a:prstGeom prst="rect">
+                <a:avLst/>
+              </a:prstGeom>
+              <a:noFill/>
+            </p:spPr>
+            <p:txBody>
+              <a:bodyPr wrap="square" rtlCol="0">
+                <a:spAutoFit/>
+              </a:bodyPr>
+              <a:lstStyle/>
+              <a:p>
+                <a:pPr marL="0" marR="0" lvl="0" indent="0" algn="ctr" defTabSz="914400" eaLnBrk="1" fontAlgn="auto" latinLnBrk="0" hangingPunct="1">
+                  <a:lnSpc>
+                    <a:spcPct val="100000"/>
+                  </a:lnSpc>
+                  <a:spcBef>
+                    <a:spcPts val="0"/>
+                  </a:spcBef>
+                  <a:spcAft>
+                    <a:spcPts val="0"/>
+                  </a:spcAft>
+                  <a:buClrTx/>
+                  <a:buSzTx/>
+                  <a:buFontTx/>
+                  <a:buNone/>
+                  <a:tabLst/>
+                  <a:defRPr/>
+                </a:pPr>
+                <a:r>
+                  <a:rPr kumimoji="0" lang="en-CA" sz="1100" b="1" i="0" u="none" strike="noStrike" kern="0" cap="none" spc="0" normalizeH="0" baseline="0" noProof="0" dirty="0">
+                    <a:ln>
+                      <a:noFill/>
+                    </a:ln>
+                    <a:solidFill>
+                      <a:srgbClr val="0DDCFF"/>
+                    </a:solidFill>
+                    <a:effectLst/>
+                    <a:uLnTx/>
+                    <a:uFillTx/>
+                    <a:latin typeface="Cascadia Code" panose="020B0609020000020004" pitchFamily="49" charset="0"/>
+                    <a:cs typeface="Cascadia Code" panose="020B0609020000020004" pitchFamily="49" charset="0"/>
+                  </a:rPr>
+                  <a:t>Spark</a:t>
+                </a:r>
+                <a:r>
+                  <a:rPr kumimoji="0" lang="en-CA" sz="1100" b="0" i="0" u="none" strike="noStrike" kern="0" cap="none" spc="0" normalizeH="0" baseline="0" noProof="0" dirty="0">
+                    <a:ln>
+                      <a:noFill/>
+                    </a:ln>
+                    <a:solidFill>
+                      <a:srgbClr val="0DDCFF"/>
+                    </a:solidFill>
+                    <a:effectLst/>
+                    <a:uLnTx/>
+                    <a:uFillTx/>
+                    <a:latin typeface="Cascadia Code" panose="020B0609020000020004" pitchFamily="49" charset="0"/>
+                    <a:cs typeface="Cascadia Code" panose="020B0609020000020004" pitchFamily="49" charset="0"/>
+                  </a:rPr>
+                  <a:t> </a:t>
+                </a:r>
+                <a:r>
+                  <a:rPr kumimoji="0" lang="en-CA" sz="1100" b="0" i="0" u="none" strike="noStrike" kern="0" cap="none" spc="0" normalizeH="0" baseline="0" noProof="0" dirty="0" err="1">
+                    <a:ln>
+                      <a:noFill/>
+                    </a:ln>
+                    <a:solidFill>
+                      <a:srgbClr val="0DDCFF"/>
+                    </a:solidFill>
+                    <a:effectLst/>
+                    <a:uLnTx/>
+                    <a:uFillTx/>
+                    <a:latin typeface="Cascadia Code" panose="020B0609020000020004" pitchFamily="49" charset="0"/>
+                    <a:cs typeface="Cascadia Code" panose="020B0609020000020004" pitchFamily="49" charset="0"/>
+                  </a:rPr>
+                  <a:t>DataFrame</a:t>
+                </a:r>
+                <a:endParaRPr kumimoji="0" lang="en-CA" sz="1100" b="0" i="0" u="none" strike="noStrike" kern="0" cap="none" spc="0" normalizeH="0" baseline="0" noProof="0" dirty="0">
+                  <a:ln>
+                    <a:noFill/>
+                  </a:ln>
+                  <a:solidFill>
+                    <a:srgbClr val="0DDCFF"/>
+                  </a:solidFill>
+                  <a:effectLst/>
+                  <a:uLnTx/>
+                  <a:uFillTx/>
+                  <a:latin typeface="Cascadia Code" panose="020B0609020000020004" pitchFamily="49" charset="0"/>
+                  <a:cs typeface="Cascadia Code" panose="020B0609020000020004" pitchFamily="49" charset="0"/>
+                </a:endParaRPr>
+              </a:p>
+            </p:txBody>
+          </p:sp>
+          <p:pic>
+            <p:nvPicPr>
+              <p:cNvPr id="156" name="Graphic 155">
+                <a:extLst>
+                  <a:ext uri="{FF2B5EF4-FFF2-40B4-BE49-F238E27FC236}">
+                    <a16:creationId xmlns:a16="http://schemas.microsoft.com/office/drawing/2014/main" id="{439B615C-A13F-4290-AA9F-FB6635E8DC2A}"/>
+                  </a:ext>
+                </a:extLst>
+              </p:cNvPr>
+              <p:cNvPicPr>
+                <a:picLocks noChangeAspect="1"/>
+              </p:cNvPicPr>
+              <p:nvPr/>
+            </p:nvPicPr>
+            <p:blipFill>
+              <a:blip r:embed="rId8">
+                <a:extLst>
+                  <a:ext uri="{28A0092B-C50C-407E-A947-70E740481C1C}">
+                    <a14:useLocalDpi xmlns:a14="http://schemas.microsoft.com/office/drawing/2010/main" val="0"/>
+                  </a:ext>
+                  <a:ext uri="{96DAC541-7B7A-43D3-8B79-37D633B846F1}">
+                    <asvg:svgBlip xmlns:asvg="http://schemas.microsoft.com/office/drawing/2016/SVG/main" r:embed="rId9"/>
+                  </a:ext>
+                </a:extLst>
+              </a:blip>
+              <a:stretch>
+                <a:fillRect/>
+              </a:stretch>
+            </p:blipFill>
+            <p:spPr>
+              <a:xfrm>
+                <a:off x="8617404" y="3826987"/>
+                <a:ext cx="161373" cy="161373"/>
+              </a:xfrm>
+              <a:prstGeom prst="rect">
+                <a:avLst/>
+              </a:prstGeom>
+            </p:spPr>
+          </p:pic>
+        </p:grpSp>
+        <p:sp>
+          <p:nvSpPr>
+            <p:cNvPr id="112" name="TextBox 111">
+              <a:extLst>
+                <a:ext uri="{FF2B5EF4-FFF2-40B4-BE49-F238E27FC236}">
+                  <a16:creationId xmlns:a16="http://schemas.microsoft.com/office/drawing/2014/main" id="{F2F2CF29-60AA-4145-8C9E-1954D93421DE}"/>
+                </a:ext>
+              </a:extLst>
+            </p:cNvPr>
+            <p:cNvSpPr txBox="1"/>
+            <p:nvPr/>
+          </p:nvSpPr>
+          <p:spPr>
+            <a:xfrm>
+              <a:off x="6890199" y="1133760"/>
+              <a:ext cx="1206594" cy="201658"/>
+            </a:xfrm>
+            <a:prstGeom prst="rect">
+              <a:avLst/>
+            </a:prstGeom>
+            <a:noFill/>
+          </p:spPr>
+          <p:txBody>
+            <a:bodyPr wrap="square" tIns="0" bIns="0" rtlCol="0">
+              <a:spAutoFit/>
+            </a:bodyPr>
+            <a:lstStyle/>
+            <a:p>
+              <a:pPr marL="0" marR="0" lvl="0" indent="0" defTabSz="1097280" eaLnBrk="1" fontAlgn="auto" latinLnBrk="0" hangingPunct="1">
+                <a:lnSpc>
+                  <a:spcPct val="125000"/>
+                </a:lnSpc>
+                <a:spcBef>
+                  <a:spcPts val="0"/>
+                </a:spcBef>
+                <a:spcAft>
+                  <a:spcPts val="0"/>
+                </a:spcAft>
+                <a:buClrTx/>
+                <a:buSzTx/>
+                <a:buFontTx/>
+                <a:buNone/>
+                <a:tabLst/>
+                <a:defRPr/>
+              </a:pPr>
+              <a:r>
+                <a:rPr kumimoji="0" lang="en-US" sz="1150" b="1" i="0" u="none" strike="noStrike" kern="0" cap="none" spc="0" normalizeH="0" baseline="0" noProof="0" dirty="0">
+                  <a:ln>
+                    <a:noFill/>
+                  </a:ln>
+                  <a:solidFill>
+                    <a:prstClr val="white"/>
+                  </a:solidFill>
+                  <a:effectLst/>
+                  <a:uLnTx/>
+                  <a:uFillTx/>
+                  <a:latin typeface="Cascadia Code" panose="020B0609020000020004" pitchFamily="49" charset="0"/>
+                  <a:ea typeface="Segoe Pro" charset="0"/>
+                  <a:cs typeface="Cascadia Code" panose="020B0609020000020004" pitchFamily="49" charset="0"/>
+                </a:rPr>
+                <a:t>filename</a:t>
+              </a:r>
+            </a:p>
+          </p:txBody>
+        </p:sp>
+        <p:sp>
+          <p:nvSpPr>
+            <p:cNvPr id="113" name="TextBox 112">
+              <a:extLst>
+                <a:ext uri="{FF2B5EF4-FFF2-40B4-BE49-F238E27FC236}">
+                  <a16:creationId xmlns:a16="http://schemas.microsoft.com/office/drawing/2014/main" id="{FC64A072-E4AB-484E-AA86-A3E3C7557062}"/>
+                </a:ext>
+              </a:extLst>
+            </p:cNvPr>
+            <p:cNvSpPr txBox="1"/>
+            <p:nvPr/>
+          </p:nvSpPr>
+          <p:spPr>
+            <a:xfrm>
+              <a:off x="6890200" y="1544851"/>
+              <a:ext cx="1388115" cy="159531"/>
+            </a:xfrm>
+            <a:prstGeom prst="rect">
+              <a:avLst/>
+            </a:prstGeom>
+            <a:noFill/>
+          </p:spPr>
+          <p:txBody>
+            <a:bodyPr wrap="square" tIns="0" bIns="0" rtlCol="0">
+              <a:spAutoFit/>
+            </a:bodyPr>
+            <a:lstStyle/>
+            <a:p>
+              <a:pPr marL="0" marR="0" lvl="0" indent="0" defTabSz="1097280" eaLnBrk="1" fontAlgn="auto" latinLnBrk="0" hangingPunct="1">
+                <a:lnSpc>
+                  <a:spcPct val="125000"/>
+                </a:lnSpc>
+                <a:spcBef>
+                  <a:spcPts val="0"/>
+                </a:spcBef>
+                <a:spcAft>
+                  <a:spcPts val="0"/>
+                </a:spcAft>
+                <a:buClrTx/>
+                <a:buSzTx/>
+                <a:buFontTx/>
+                <a:buNone/>
+                <a:tabLst/>
+                <a:defRPr/>
+              </a:pPr>
+              <a:r>
+                <a:rPr kumimoji="0" lang="en-US" sz="900" b="0" i="0" u="none" strike="noStrike" kern="0" cap="none" spc="0" normalizeH="0" baseline="0" noProof="0" dirty="0">
+                  <a:ln>
+                    <a:noFill/>
+                  </a:ln>
+                  <a:solidFill>
+                    <a:prstClr val="white"/>
+                  </a:solidFill>
+                  <a:effectLst/>
+                  <a:uLnTx/>
+                  <a:uFillTx/>
+                  <a:latin typeface="Consolas" panose="020B0609020204030204" pitchFamily="49" charset="0"/>
+                  <a:ea typeface="Segoe Pro" charset="0"/>
+                  <a:cs typeface="Segoe UI" panose="020B0502040204020203" pitchFamily="34" charset="0"/>
+                </a:rPr>
+                <a:t>CashFlow_01.csv</a:t>
+              </a:r>
+            </a:p>
+          </p:txBody>
+        </p:sp>
+        <p:sp>
+          <p:nvSpPr>
+            <p:cNvPr id="114" name="TextBox 113">
+              <a:extLst>
+                <a:ext uri="{FF2B5EF4-FFF2-40B4-BE49-F238E27FC236}">
+                  <a16:creationId xmlns:a16="http://schemas.microsoft.com/office/drawing/2014/main" id="{79BD623B-34FE-474A-806C-F073E74213AB}"/>
+                </a:ext>
+              </a:extLst>
+            </p:cNvPr>
+            <p:cNvSpPr txBox="1"/>
+            <p:nvPr/>
+          </p:nvSpPr>
+          <p:spPr>
+            <a:xfrm>
+              <a:off x="6890200" y="2436565"/>
+              <a:ext cx="1388115" cy="159531"/>
+            </a:xfrm>
+            <a:prstGeom prst="rect">
+              <a:avLst/>
+            </a:prstGeom>
+            <a:noFill/>
+          </p:spPr>
+          <p:txBody>
+            <a:bodyPr wrap="square" tIns="0" bIns="0" rtlCol="0">
+              <a:spAutoFit/>
+            </a:bodyPr>
+            <a:lstStyle/>
+            <a:p>
+              <a:pPr marL="0" marR="0" lvl="0" indent="0" defTabSz="1097280" eaLnBrk="1" fontAlgn="auto" latinLnBrk="0" hangingPunct="1">
+                <a:lnSpc>
+                  <a:spcPct val="125000"/>
+                </a:lnSpc>
+                <a:spcBef>
+                  <a:spcPts val="0"/>
+                </a:spcBef>
+                <a:spcAft>
+                  <a:spcPts val="0"/>
+                </a:spcAft>
+                <a:buClrTx/>
+                <a:buSzTx/>
+                <a:buFontTx/>
+                <a:buNone/>
+                <a:tabLst/>
+                <a:defRPr/>
+              </a:pPr>
+              <a:r>
+                <a:rPr kumimoji="0" lang="en-US" sz="900" b="0" i="0" u="none" strike="noStrike" kern="0" cap="none" spc="0" normalizeH="0" baseline="0" noProof="0" dirty="0">
+                  <a:ln>
+                    <a:noFill/>
+                  </a:ln>
+                  <a:solidFill>
+                    <a:prstClr val="white"/>
+                  </a:solidFill>
+                  <a:effectLst/>
+                  <a:uLnTx/>
+                  <a:uFillTx/>
+                  <a:latin typeface="Consolas" panose="020B0609020204030204" pitchFamily="49" charset="0"/>
+                  <a:ea typeface="Segoe Pro" charset="0"/>
+                  <a:cs typeface="Segoe UI" panose="020B0502040204020203" pitchFamily="34" charset="0"/>
+                </a:rPr>
+                <a:t>Sales_02.parquet</a:t>
+              </a:r>
+            </a:p>
+          </p:txBody>
+        </p:sp>
+        <p:grpSp>
+          <p:nvGrpSpPr>
+            <p:cNvPr id="115" name="Group 114">
+              <a:extLst>
+                <a:ext uri="{FF2B5EF4-FFF2-40B4-BE49-F238E27FC236}">
+                  <a16:creationId xmlns:a16="http://schemas.microsoft.com/office/drawing/2014/main" id="{D29FA624-5C77-4585-86EB-F668B34A7529}"/>
+                </a:ext>
+              </a:extLst>
+            </p:cNvPr>
+            <p:cNvGrpSpPr/>
+            <p:nvPr/>
+          </p:nvGrpSpPr>
+          <p:grpSpPr>
+            <a:xfrm flipH="1">
+              <a:off x="6795198" y="3148320"/>
+              <a:ext cx="45719" cy="295143"/>
+              <a:chOff x="13832864" y="2926317"/>
+              <a:chExt cx="0" cy="603996"/>
+            </a:xfrm>
+          </p:grpSpPr>
+          <p:cxnSp>
+            <p:nvCxnSpPr>
+              <p:cNvPr id="152" name="Straight Connector 151">
+                <a:extLst>
+                  <a:ext uri="{FF2B5EF4-FFF2-40B4-BE49-F238E27FC236}">
+                    <a16:creationId xmlns:a16="http://schemas.microsoft.com/office/drawing/2014/main" id="{E75CDEFC-A066-4DA4-A889-FD479F7AF30D}"/>
+                  </a:ext>
+                </a:extLst>
+              </p:cNvPr>
+              <p:cNvCxnSpPr>
+                <a:cxnSpLocks/>
+              </p:cNvCxnSpPr>
+              <p:nvPr/>
+            </p:nvCxnSpPr>
+            <p:spPr>
+              <a:xfrm>
+                <a:off x="13832864" y="2926317"/>
+                <a:ext cx="0" cy="108696"/>
+              </a:xfrm>
+              <a:prstGeom prst="line">
+                <a:avLst/>
+              </a:prstGeom>
+              <a:noFill/>
+              <a:ln w="50800" cap="flat" cmpd="sng" algn="ctr">
+                <a:solidFill>
+                  <a:srgbClr val="90A4AE"/>
+                </a:solidFill>
+                <a:prstDash val="solid"/>
+                <a:miter lim="800000"/>
+              </a:ln>
+              <a:effectLst/>
+            </p:spPr>
+          </p:cxnSp>
+          <p:cxnSp>
+            <p:nvCxnSpPr>
+              <p:cNvPr id="153" name="Straight Connector 152">
+                <a:extLst>
+                  <a:ext uri="{FF2B5EF4-FFF2-40B4-BE49-F238E27FC236}">
+                    <a16:creationId xmlns:a16="http://schemas.microsoft.com/office/drawing/2014/main" id="{E2F54772-47B2-4092-9CE5-AF788ABB62F7}"/>
+                  </a:ext>
+                </a:extLst>
+              </p:cNvPr>
+              <p:cNvCxnSpPr>
+                <a:cxnSpLocks/>
+              </p:cNvCxnSpPr>
+              <p:nvPr/>
+            </p:nvCxnSpPr>
+            <p:spPr>
+              <a:xfrm>
+                <a:off x="13832864" y="3173967"/>
+                <a:ext cx="0" cy="108696"/>
+              </a:xfrm>
+              <a:prstGeom prst="line">
+                <a:avLst/>
+              </a:prstGeom>
+              <a:noFill/>
+              <a:ln w="50800" cap="flat" cmpd="sng" algn="ctr">
+                <a:solidFill>
+                  <a:srgbClr val="90A4AE">
+                    <a:alpha val="50000"/>
+                  </a:srgbClr>
+                </a:solidFill>
+                <a:prstDash val="solid"/>
+                <a:miter lim="800000"/>
+              </a:ln>
+              <a:effectLst/>
+            </p:spPr>
+          </p:cxnSp>
+          <p:cxnSp>
+            <p:nvCxnSpPr>
+              <p:cNvPr id="154" name="Straight Connector 153">
+                <a:extLst>
+                  <a:ext uri="{FF2B5EF4-FFF2-40B4-BE49-F238E27FC236}">
+                    <a16:creationId xmlns:a16="http://schemas.microsoft.com/office/drawing/2014/main" id="{A1C63BD8-4B97-458A-9D42-21E60A96E9B0}"/>
+                  </a:ext>
+                </a:extLst>
+              </p:cNvPr>
+              <p:cNvCxnSpPr>
+                <a:cxnSpLocks/>
+              </p:cNvCxnSpPr>
+              <p:nvPr/>
+            </p:nvCxnSpPr>
+            <p:spPr>
+              <a:xfrm>
+                <a:off x="13832864" y="3421617"/>
+                <a:ext cx="0" cy="108696"/>
+              </a:xfrm>
+              <a:prstGeom prst="line">
+                <a:avLst/>
+              </a:prstGeom>
+              <a:noFill/>
+              <a:ln w="50800" cap="flat" cmpd="sng" algn="ctr">
+                <a:solidFill>
+                  <a:srgbClr val="90A4AE">
+                    <a:alpha val="25000"/>
+                  </a:srgbClr>
+                </a:solidFill>
+                <a:prstDash val="solid"/>
+                <a:miter lim="800000"/>
+              </a:ln>
+              <a:effectLst/>
+            </p:spPr>
+          </p:cxnSp>
+        </p:grpSp>
+        <p:cxnSp>
+          <p:nvCxnSpPr>
+            <p:cNvPr id="116" name="Straight Connector 115">
+              <a:extLst>
+                <a:ext uri="{FF2B5EF4-FFF2-40B4-BE49-F238E27FC236}">
+                  <a16:creationId xmlns:a16="http://schemas.microsoft.com/office/drawing/2014/main" id="{BDEB719B-5ED0-4CB7-B904-245C3233E7D8}"/>
+                </a:ext>
+              </a:extLst>
+            </p:cNvPr>
+            <p:cNvCxnSpPr>
+              <a:cxnSpLocks/>
+            </p:cNvCxnSpPr>
+            <p:nvPr/>
+          </p:nvCxnSpPr>
+          <p:spPr>
+            <a:xfrm flipH="1" flipV="1">
+              <a:off x="5630403" y="1870490"/>
+              <a:ext cx="1181304" cy="3016"/>
+            </a:xfrm>
+            <a:prstGeom prst="line">
+              <a:avLst/>
+            </a:prstGeom>
+            <a:noFill/>
+            <a:ln w="50800" cap="flat" cmpd="sng" algn="ctr">
+              <a:gradFill>
+                <a:gsLst>
+                  <a:gs pos="0">
+                    <a:srgbClr val="0078D4"/>
+                  </a:gs>
+                  <a:gs pos="100000">
+                    <a:srgbClr val="0DDCFF"/>
+                  </a:gs>
+                </a:gsLst>
+                <a:lin ang="5400000" scaled="1"/>
+              </a:gradFill>
+              <a:prstDash val="sysDot"/>
+              <a:miter lim="800000"/>
+            </a:ln>
+            <a:effectLst/>
+          </p:spPr>
+        </p:cxnSp>
+        <p:pic>
+          <p:nvPicPr>
+            <p:cNvPr id="117" name="Picture 116">
+              <a:extLst>
+                <a:ext uri="{FF2B5EF4-FFF2-40B4-BE49-F238E27FC236}">
+                  <a16:creationId xmlns:a16="http://schemas.microsoft.com/office/drawing/2014/main" id="{0C7B8EB6-B493-43BD-BC41-8EAD2D4D0D33}"/>
+                </a:ext>
+              </a:extLst>
+            </p:cNvPr>
+            <p:cNvPicPr>
+              <a:picLocks noChangeAspect="1"/>
+            </p:cNvPicPr>
+            <p:nvPr/>
+          </p:nvPicPr>
+          <p:blipFill>
+            <a:blip r:embed="rId10">
+              <a:alphaModFix amt="20000"/>
+            </a:blip>
+            <a:stretch>
+              <a:fillRect/>
+            </a:stretch>
+          </p:blipFill>
+          <p:spPr>
+            <a:xfrm>
+              <a:off x="2264374" y="1420424"/>
+              <a:ext cx="3359187" cy="347502"/>
+            </a:xfrm>
+            <a:prstGeom prst="rect">
+              <a:avLst/>
+            </a:prstGeom>
+          </p:spPr>
+        </p:pic>
+        <p:pic>
+          <p:nvPicPr>
+            <p:cNvPr id="118" name="Picture 117">
+              <a:extLst>
+                <a:ext uri="{FF2B5EF4-FFF2-40B4-BE49-F238E27FC236}">
+                  <a16:creationId xmlns:a16="http://schemas.microsoft.com/office/drawing/2014/main" id="{E0819445-3B41-42D5-A138-D8984C632D44}"/>
+                </a:ext>
+              </a:extLst>
+            </p:cNvPr>
+            <p:cNvPicPr>
+              <a:picLocks noChangeAspect="1"/>
+            </p:cNvPicPr>
+            <p:nvPr/>
+          </p:nvPicPr>
+          <p:blipFill>
+            <a:blip r:embed="rId10">
+              <a:alphaModFix amt="20000"/>
+            </a:blip>
+            <a:stretch>
+              <a:fillRect/>
+            </a:stretch>
+          </p:blipFill>
+          <p:spPr>
+            <a:xfrm>
+              <a:off x="2256764" y="1776344"/>
+              <a:ext cx="3359187" cy="347502"/>
+            </a:xfrm>
+            <a:prstGeom prst="rect">
+              <a:avLst/>
+            </a:prstGeom>
+          </p:spPr>
+        </p:pic>
+        <p:cxnSp>
+          <p:nvCxnSpPr>
+            <p:cNvPr id="119" name="Straight Connector 118">
+              <a:extLst>
+                <a:ext uri="{FF2B5EF4-FFF2-40B4-BE49-F238E27FC236}">
+                  <a16:creationId xmlns:a16="http://schemas.microsoft.com/office/drawing/2014/main" id="{8BE80D92-B553-43CC-A843-7FB0A2A9EC61}"/>
+                </a:ext>
+              </a:extLst>
+            </p:cNvPr>
+            <p:cNvCxnSpPr>
+              <a:cxnSpLocks/>
+            </p:cNvCxnSpPr>
+            <p:nvPr/>
+          </p:nvCxnSpPr>
+          <p:spPr>
+            <a:xfrm>
+              <a:off x="2274010" y="1429812"/>
+              <a:ext cx="3349551" cy="0"/>
+            </a:xfrm>
+            <a:prstGeom prst="line">
+              <a:avLst/>
+            </a:prstGeom>
+            <a:noFill/>
+            <a:ln w="12700" cap="flat" cmpd="sng" algn="ctr">
+              <a:solidFill>
+                <a:srgbClr val="0DDCFF"/>
+              </a:solidFill>
+              <a:prstDash val="solid"/>
+              <a:miter lim="800000"/>
+              <a:headEnd type="none" w="lg" len="med"/>
+              <a:tailEnd type="none" w="lg" len="med"/>
+            </a:ln>
+            <a:effectLst/>
+          </p:spPr>
+        </p:cxnSp>
+        <p:cxnSp>
+          <p:nvCxnSpPr>
+            <p:cNvPr id="120" name="Straight Connector 119">
+              <a:extLst>
+                <a:ext uri="{FF2B5EF4-FFF2-40B4-BE49-F238E27FC236}">
+                  <a16:creationId xmlns:a16="http://schemas.microsoft.com/office/drawing/2014/main" id="{60504F86-0F22-42AF-8FF7-E8A40DCB1D35}"/>
+                </a:ext>
+              </a:extLst>
+            </p:cNvPr>
+            <p:cNvCxnSpPr>
+              <a:cxnSpLocks/>
+            </p:cNvCxnSpPr>
+            <p:nvPr/>
+          </p:nvCxnSpPr>
+          <p:spPr>
+            <a:xfrm>
+              <a:off x="2274010" y="1772550"/>
+              <a:ext cx="3349551" cy="0"/>
+            </a:xfrm>
+            <a:prstGeom prst="line">
+              <a:avLst/>
+            </a:prstGeom>
+            <a:noFill/>
+            <a:ln w="6350" cap="flat" cmpd="sng" algn="ctr">
+              <a:solidFill>
+                <a:srgbClr val="0DDCFF">
+                  <a:alpha val="86000"/>
+                </a:srgbClr>
+              </a:solidFill>
+              <a:prstDash val="solid"/>
+              <a:miter lim="800000"/>
+              <a:headEnd type="none" w="lg" len="med"/>
+              <a:tailEnd type="none" w="lg" len="med"/>
+            </a:ln>
+            <a:effectLst/>
+          </p:spPr>
+        </p:cxnSp>
+        <p:cxnSp>
+          <p:nvCxnSpPr>
+            <p:cNvPr id="121" name="Straight Connector 120">
+              <a:extLst>
+                <a:ext uri="{FF2B5EF4-FFF2-40B4-BE49-F238E27FC236}">
+                  <a16:creationId xmlns:a16="http://schemas.microsoft.com/office/drawing/2014/main" id="{5C2D6AC0-96CB-4E95-940A-FFA85FE83F48}"/>
+                </a:ext>
+              </a:extLst>
+            </p:cNvPr>
+            <p:cNvCxnSpPr>
+              <a:cxnSpLocks/>
+            </p:cNvCxnSpPr>
+            <p:nvPr/>
+          </p:nvCxnSpPr>
+          <p:spPr>
+            <a:xfrm>
+              <a:off x="2274010" y="2115288"/>
+              <a:ext cx="3349551" cy="0"/>
+            </a:xfrm>
+            <a:prstGeom prst="line">
+              <a:avLst/>
+            </a:prstGeom>
+            <a:noFill/>
+            <a:ln w="6350" cap="flat" cmpd="sng" algn="ctr">
+              <a:solidFill>
+                <a:srgbClr val="0DDCFF">
+                  <a:alpha val="86000"/>
+                </a:srgbClr>
+              </a:solidFill>
+              <a:prstDash val="solid"/>
+              <a:miter lim="800000"/>
+              <a:headEnd type="none" w="lg" len="med"/>
+              <a:tailEnd type="none" w="lg" len="med"/>
+            </a:ln>
+            <a:effectLst/>
+          </p:spPr>
+        </p:cxnSp>
+        <p:cxnSp>
+          <p:nvCxnSpPr>
+            <p:cNvPr id="122" name="Straight Connector 121">
+              <a:extLst>
+                <a:ext uri="{FF2B5EF4-FFF2-40B4-BE49-F238E27FC236}">
+                  <a16:creationId xmlns:a16="http://schemas.microsoft.com/office/drawing/2014/main" id="{4AC68814-572A-45A0-8F94-C14C2C420B4B}"/>
+                </a:ext>
+              </a:extLst>
+            </p:cNvPr>
+            <p:cNvCxnSpPr>
+              <a:cxnSpLocks/>
+            </p:cNvCxnSpPr>
+            <p:nvPr/>
+          </p:nvCxnSpPr>
+          <p:spPr>
+            <a:xfrm>
+              <a:off x="2274010" y="2458027"/>
+              <a:ext cx="3349551" cy="0"/>
+            </a:xfrm>
+            <a:prstGeom prst="line">
+              <a:avLst/>
+            </a:prstGeom>
+            <a:noFill/>
+            <a:ln w="6350" cap="flat" cmpd="sng" algn="ctr">
+              <a:solidFill>
+                <a:srgbClr val="0DDCFF">
+                  <a:alpha val="86000"/>
+                </a:srgbClr>
+              </a:solidFill>
+              <a:prstDash val="solid"/>
+              <a:miter lim="800000"/>
+              <a:headEnd type="none" w="lg" len="med"/>
+              <a:tailEnd type="none" w="lg" len="med"/>
+            </a:ln>
+            <a:effectLst/>
+          </p:spPr>
+        </p:cxnSp>
+        <p:sp>
+          <p:nvSpPr>
+            <p:cNvPr id="123" name="TextBox 122">
+              <a:extLst>
+                <a:ext uri="{FF2B5EF4-FFF2-40B4-BE49-F238E27FC236}">
+                  <a16:creationId xmlns:a16="http://schemas.microsoft.com/office/drawing/2014/main" id="{11F964C2-74D5-4DD3-BA79-9FA2AD4CE72F}"/>
+                </a:ext>
+              </a:extLst>
+            </p:cNvPr>
+            <p:cNvSpPr txBox="1"/>
+            <p:nvPr/>
+          </p:nvSpPr>
+          <p:spPr>
+            <a:xfrm>
+              <a:off x="2313847" y="1133760"/>
+              <a:ext cx="1206594" cy="210186"/>
+            </a:xfrm>
+            <a:prstGeom prst="rect">
+              <a:avLst/>
+            </a:prstGeom>
+            <a:noFill/>
+            <a:effectLst>
+              <a:outerShdw blurRad="50800" dist="38100" dir="2700000" algn="tl" rotWithShape="0">
+                <a:prstClr val="black">
+                  <a:alpha val="40000"/>
+                </a:prstClr>
+              </a:outerShdw>
+            </a:effectLst>
+          </p:spPr>
+          <p:txBody>
+            <a:bodyPr wrap="square" tIns="0" bIns="0" rtlCol="0">
+              <a:spAutoFit/>
+            </a:bodyPr>
+            <a:lstStyle/>
+            <a:p>
+              <a:pPr marL="0" marR="0" lvl="0" indent="0" defTabSz="1097280" eaLnBrk="1" fontAlgn="auto" latinLnBrk="0" hangingPunct="1">
+                <a:lnSpc>
+                  <a:spcPct val="125000"/>
+                </a:lnSpc>
+                <a:spcBef>
+                  <a:spcPts val="0"/>
+                </a:spcBef>
+                <a:spcAft>
+                  <a:spcPts val="0"/>
+                </a:spcAft>
+                <a:buClrTx/>
+                <a:buSzTx/>
+                <a:buFontTx/>
+                <a:buNone/>
+                <a:tabLst/>
+                <a:defRPr/>
+              </a:pPr>
+              <a:r>
+                <a:rPr kumimoji="0" lang="en-US" sz="1150" b="0" i="0" u="none" strike="noStrike" kern="0" cap="none" spc="0" normalizeH="0" baseline="0" noProof="0" dirty="0">
+                  <a:ln>
+                    <a:noFill/>
+                  </a:ln>
+                  <a:solidFill>
+                    <a:prstClr val="white"/>
+                  </a:solidFill>
+                  <a:effectLst/>
+                  <a:uLnTx/>
+                  <a:uFillTx/>
+                  <a:latin typeface="IndustryW00-Demi" panose="01000000000000000000" pitchFamily="2" charset="0"/>
+                  <a:ea typeface="Segoe Pro" charset="0"/>
+                  <a:cs typeface="Segoe UI Semibold" panose="020B0702040204020203" pitchFamily="34" charset="0"/>
+                </a:rPr>
+                <a:t>Column name</a:t>
+              </a:r>
+            </a:p>
+          </p:txBody>
+        </p:sp>
+        <p:sp>
+          <p:nvSpPr>
+            <p:cNvPr id="124" name="TextBox 123">
+              <a:extLst>
+                <a:ext uri="{FF2B5EF4-FFF2-40B4-BE49-F238E27FC236}">
+                  <a16:creationId xmlns:a16="http://schemas.microsoft.com/office/drawing/2014/main" id="{35A9F023-D02C-49AD-83E4-53175838E6A5}"/>
+                </a:ext>
+              </a:extLst>
+            </p:cNvPr>
+            <p:cNvSpPr txBox="1"/>
+            <p:nvPr/>
+          </p:nvSpPr>
+          <p:spPr>
+            <a:xfrm>
+              <a:off x="2313849" y="1518606"/>
+              <a:ext cx="919891" cy="164469"/>
+            </a:xfrm>
+            <a:prstGeom prst="rect">
+              <a:avLst/>
+            </a:prstGeom>
+            <a:noFill/>
+            <a:effectLst>
+              <a:outerShdw blurRad="50800" dist="38100" dir="2700000" algn="tl" rotWithShape="0">
+                <a:prstClr val="black">
+                  <a:alpha val="40000"/>
+                </a:prstClr>
+              </a:outerShdw>
+            </a:effectLst>
+          </p:spPr>
+          <p:txBody>
+            <a:bodyPr wrap="square" tIns="0" bIns="0" rtlCol="0">
+              <a:spAutoFit/>
+            </a:bodyPr>
+            <a:lstStyle/>
+            <a:p>
+              <a:pPr marL="0" marR="0" lvl="0" indent="0" defTabSz="1097280" eaLnBrk="1" fontAlgn="auto" latinLnBrk="0" hangingPunct="1">
+                <a:lnSpc>
+                  <a:spcPct val="125000"/>
+                </a:lnSpc>
+                <a:spcBef>
+                  <a:spcPts val="0"/>
+                </a:spcBef>
+                <a:spcAft>
+                  <a:spcPts val="0"/>
+                </a:spcAft>
+                <a:buClrTx/>
+                <a:buSzTx/>
+                <a:buFontTx/>
+                <a:buNone/>
+                <a:tabLst/>
+                <a:defRPr/>
+              </a:pPr>
+              <a:r>
+                <a:rPr kumimoji="0" lang="en-US" sz="900" b="0" i="0" u="none" strike="noStrike" kern="0" cap="none" spc="0" normalizeH="0" baseline="0" noProof="0" dirty="0">
+                  <a:ln>
+                    <a:noFill/>
+                  </a:ln>
+                  <a:solidFill>
+                    <a:prstClr val="white"/>
+                  </a:solidFill>
+                  <a:effectLst/>
+                  <a:uLnTx/>
+                  <a:uFillTx/>
+                  <a:latin typeface="IndustryW00-Demi" panose="01000000000000000000" pitchFamily="2" charset="0"/>
+                  <a:ea typeface="Segoe Pro" charset="0"/>
+                  <a:cs typeface="Segoe UI" panose="020B0502040204020203" pitchFamily="34" charset="0"/>
+                </a:rPr>
+                <a:t>email</a:t>
+              </a:r>
+            </a:p>
+          </p:txBody>
+        </p:sp>
+        <p:sp>
+          <p:nvSpPr>
+            <p:cNvPr id="125" name="TextBox 124">
+              <a:extLst>
+                <a:ext uri="{FF2B5EF4-FFF2-40B4-BE49-F238E27FC236}">
+                  <a16:creationId xmlns:a16="http://schemas.microsoft.com/office/drawing/2014/main" id="{27F3910A-10DA-4379-98AC-DFB085277EAF}"/>
+                </a:ext>
+              </a:extLst>
+            </p:cNvPr>
+            <p:cNvSpPr txBox="1"/>
+            <p:nvPr/>
+          </p:nvSpPr>
+          <p:spPr>
+            <a:xfrm>
+              <a:off x="2313846" y="1870490"/>
+              <a:ext cx="919891" cy="164469"/>
+            </a:xfrm>
+            <a:prstGeom prst="rect">
+              <a:avLst/>
+            </a:prstGeom>
+            <a:noFill/>
+            <a:effectLst>
+              <a:outerShdw blurRad="50800" dist="38100" dir="2700000" algn="tl" rotWithShape="0">
+                <a:prstClr val="black">
+                  <a:alpha val="40000"/>
+                </a:prstClr>
+              </a:outerShdw>
+            </a:effectLst>
+          </p:spPr>
+          <p:txBody>
+            <a:bodyPr wrap="square" tIns="0" bIns="0" rtlCol="0">
+              <a:spAutoFit/>
+            </a:bodyPr>
+            <a:lstStyle/>
+            <a:p>
+              <a:pPr marL="0" marR="0" lvl="0" indent="0" defTabSz="1097280" eaLnBrk="1" fontAlgn="auto" latinLnBrk="0" hangingPunct="1">
+                <a:lnSpc>
+                  <a:spcPct val="125000"/>
+                </a:lnSpc>
+                <a:spcBef>
+                  <a:spcPts val="0"/>
+                </a:spcBef>
+                <a:spcAft>
+                  <a:spcPts val="0"/>
+                </a:spcAft>
+                <a:buClrTx/>
+                <a:buSzTx/>
+                <a:buFontTx/>
+                <a:buNone/>
+                <a:tabLst/>
+                <a:defRPr/>
+              </a:pPr>
+              <a:r>
+                <a:rPr kumimoji="0" lang="en-US" sz="900" b="0" i="0" u="none" strike="noStrike" kern="0" cap="none" spc="0" normalizeH="0" baseline="0" noProof="0" dirty="0" err="1">
+                  <a:ln>
+                    <a:noFill/>
+                  </a:ln>
+                  <a:solidFill>
+                    <a:prstClr val="white"/>
+                  </a:solidFill>
+                  <a:effectLst/>
+                  <a:uLnTx/>
+                  <a:uFillTx/>
+                  <a:latin typeface="IndustryW00-Demi" panose="01000000000000000000" pitchFamily="2" charset="0"/>
+                  <a:ea typeface="Segoe Pro" charset="0"/>
+                  <a:cs typeface="Segoe UI" panose="020B0502040204020203" pitchFamily="34" charset="0"/>
+                </a:rPr>
+                <a:t>creditcard</a:t>
+              </a:r>
+              <a:endParaRPr kumimoji="0" lang="en-US" sz="900" b="0" i="0" u="none" strike="noStrike" kern="0" cap="none" spc="0" normalizeH="0" baseline="0" noProof="0" dirty="0">
+                <a:ln>
+                  <a:noFill/>
+                </a:ln>
+                <a:solidFill>
+                  <a:prstClr val="white"/>
+                </a:solidFill>
+                <a:effectLst/>
+                <a:uLnTx/>
+                <a:uFillTx/>
+                <a:latin typeface="IndustryW00-Demi" panose="01000000000000000000" pitchFamily="2" charset="0"/>
+                <a:ea typeface="Segoe Pro" charset="0"/>
+                <a:cs typeface="Segoe UI" panose="020B0502040204020203" pitchFamily="34" charset="0"/>
+              </a:endParaRPr>
+            </a:p>
+          </p:txBody>
+        </p:sp>
+        <p:sp>
+          <p:nvSpPr>
+            <p:cNvPr id="126" name="TextBox 125">
+              <a:extLst>
+                <a:ext uri="{FF2B5EF4-FFF2-40B4-BE49-F238E27FC236}">
+                  <a16:creationId xmlns:a16="http://schemas.microsoft.com/office/drawing/2014/main" id="{B4AC7B98-C4ED-4435-A5D2-323835DAB79E}"/>
+                </a:ext>
+              </a:extLst>
+            </p:cNvPr>
+            <p:cNvSpPr txBox="1"/>
+            <p:nvPr/>
+          </p:nvSpPr>
+          <p:spPr>
+            <a:xfrm>
+              <a:off x="2313846" y="2199942"/>
+              <a:ext cx="1020601" cy="164469"/>
+            </a:xfrm>
+            <a:prstGeom prst="rect">
+              <a:avLst/>
+            </a:prstGeom>
+            <a:noFill/>
+            <a:effectLst>
+              <a:outerShdw blurRad="50800" dist="38100" dir="2700000" algn="tl" rotWithShape="0">
+                <a:prstClr val="black">
+                  <a:alpha val="40000"/>
+                </a:prstClr>
+              </a:outerShdw>
+            </a:effectLst>
+          </p:spPr>
+          <p:txBody>
+            <a:bodyPr wrap="square" tIns="0" bIns="0" rtlCol="0">
+              <a:spAutoFit/>
+            </a:bodyPr>
+            <a:lstStyle/>
+            <a:p>
+              <a:pPr marL="0" marR="0" lvl="0" indent="0" defTabSz="1097280" eaLnBrk="1" fontAlgn="auto" latinLnBrk="0" hangingPunct="1">
+                <a:lnSpc>
+                  <a:spcPct val="125000"/>
+                </a:lnSpc>
+                <a:spcBef>
+                  <a:spcPts val="0"/>
+                </a:spcBef>
+                <a:spcAft>
+                  <a:spcPts val="0"/>
+                </a:spcAft>
+                <a:buClrTx/>
+                <a:buSzTx/>
+                <a:buFontTx/>
+                <a:buNone/>
+                <a:tabLst/>
+                <a:defRPr/>
+              </a:pPr>
+              <a:r>
+                <a:rPr kumimoji="0" lang="en-US" sz="900" b="0" i="0" u="none" strike="noStrike" kern="0" cap="none" spc="0" normalizeH="0" baseline="0" noProof="0" dirty="0" err="1">
+                  <a:ln>
+                    <a:noFill/>
+                  </a:ln>
+                  <a:solidFill>
+                    <a:prstClr val="white"/>
+                  </a:solidFill>
+                  <a:effectLst/>
+                  <a:uLnTx/>
+                  <a:uFillTx/>
+                  <a:latin typeface="IndustryW00-Demi" panose="01000000000000000000" pitchFamily="2" charset="0"/>
+                  <a:ea typeface="Segoe Pro" charset="0"/>
+                  <a:cs typeface="Segoe UI" panose="020B0502040204020203" pitchFamily="34" charset="0"/>
+                </a:rPr>
+                <a:t>creditcardtype</a:t>
+              </a:r>
+              <a:endParaRPr kumimoji="0" lang="en-US" sz="900" b="0" i="0" u="none" strike="noStrike" kern="0" cap="none" spc="0" normalizeH="0" baseline="0" noProof="0" dirty="0">
+                <a:ln>
+                  <a:noFill/>
+                </a:ln>
+                <a:solidFill>
+                  <a:prstClr val="white"/>
+                </a:solidFill>
+                <a:effectLst/>
+                <a:uLnTx/>
+                <a:uFillTx/>
+                <a:latin typeface="IndustryW00-Demi" panose="01000000000000000000" pitchFamily="2" charset="0"/>
+                <a:ea typeface="Segoe Pro" charset="0"/>
+                <a:cs typeface="Segoe UI" panose="020B0502040204020203" pitchFamily="34" charset="0"/>
+              </a:endParaRPr>
+            </a:p>
+          </p:txBody>
+        </p:sp>
+        <p:sp>
+          <p:nvSpPr>
+            <p:cNvPr id="127" name="TextBox 126">
+              <a:extLst>
+                <a:ext uri="{FF2B5EF4-FFF2-40B4-BE49-F238E27FC236}">
+                  <a16:creationId xmlns:a16="http://schemas.microsoft.com/office/drawing/2014/main" id="{63A0EB94-7CBC-4597-8548-AE69EEC12764}"/>
+                </a:ext>
+              </a:extLst>
+            </p:cNvPr>
+            <p:cNvSpPr txBox="1"/>
+            <p:nvPr/>
+          </p:nvSpPr>
+          <p:spPr>
+            <a:xfrm>
+              <a:off x="2313846" y="2523459"/>
+              <a:ext cx="919891" cy="164469"/>
+            </a:xfrm>
+            <a:prstGeom prst="rect">
+              <a:avLst/>
+            </a:prstGeom>
+            <a:noFill/>
+            <a:effectLst>
+              <a:outerShdw blurRad="50800" dist="38100" dir="2700000" algn="tl" rotWithShape="0">
+                <a:prstClr val="black">
+                  <a:alpha val="40000"/>
+                </a:prstClr>
+              </a:outerShdw>
+            </a:effectLst>
+          </p:spPr>
+          <p:txBody>
+            <a:bodyPr wrap="square" tIns="0" bIns="0" rtlCol="0">
+              <a:spAutoFit/>
+            </a:bodyPr>
+            <a:lstStyle/>
+            <a:p>
+              <a:pPr marL="0" marR="0" lvl="0" indent="0" defTabSz="1097280" eaLnBrk="1" fontAlgn="auto" latinLnBrk="0" hangingPunct="1">
+                <a:lnSpc>
+                  <a:spcPct val="125000"/>
+                </a:lnSpc>
+                <a:spcBef>
+                  <a:spcPts val="0"/>
+                </a:spcBef>
+                <a:spcAft>
+                  <a:spcPts val="0"/>
+                </a:spcAft>
+                <a:buClrTx/>
+                <a:buSzTx/>
+                <a:buFontTx/>
+                <a:buNone/>
+                <a:tabLst/>
+                <a:defRPr/>
+              </a:pPr>
+              <a:r>
+                <a:rPr kumimoji="0" lang="en-US" sz="900" b="0" i="0" u="none" strike="noStrike" kern="0" cap="none" spc="0" normalizeH="0" baseline="0" noProof="0" dirty="0">
+                  <a:ln>
+                    <a:noFill/>
+                  </a:ln>
+                  <a:solidFill>
+                    <a:prstClr val="white"/>
+                  </a:solidFill>
+                  <a:effectLst/>
+                  <a:uLnTx/>
+                  <a:uFillTx/>
+                  <a:latin typeface="IndustryW00-Demi" panose="01000000000000000000" pitchFamily="2" charset="0"/>
+                  <a:ea typeface="Segoe Pro" charset="0"/>
+                  <a:cs typeface="Segoe UI" panose="020B0502040204020203" pitchFamily="34" charset="0"/>
+                </a:rPr>
+                <a:t>amount</a:t>
+              </a:r>
+            </a:p>
+          </p:txBody>
+        </p:sp>
+        <p:sp>
+          <p:nvSpPr>
+            <p:cNvPr id="128" name="TextBox 127">
+              <a:extLst>
+                <a:ext uri="{FF2B5EF4-FFF2-40B4-BE49-F238E27FC236}">
+                  <a16:creationId xmlns:a16="http://schemas.microsoft.com/office/drawing/2014/main" id="{AC778884-19E0-4636-ACD8-4854F67C09D3}"/>
+                </a:ext>
+              </a:extLst>
+            </p:cNvPr>
+            <p:cNvSpPr txBox="1"/>
+            <p:nvPr/>
+          </p:nvSpPr>
+          <p:spPr>
+            <a:xfrm>
+              <a:off x="3802965" y="1133760"/>
+              <a:ext cx="1206594" cy="210186"/>
+            </a:xfrm>
+            <a:prstGeom prst="rect">
+              <a:avLst/>
+            </a:prstGeom>
+            <a:noFill/>
+            <a:effectLst>
+              <a:outerShdw blurRad="50800" dist="38100" dir="2700000" algn="tl" rotWithShape="0">
+                <a:prstClr val="black">
+                  <a:alpha val="40000"/>
+                </a:prstClr>
+              </a:outerShdw>
+            </a:effectLst>
+          </p:spPr>
+          <p:txBody>
+            <a:bodyPr wrap="square" tIns="0" bIns="0" rtlCol="0">
+              <a:spAutoFit/>
+            </a:bodyPr>
+            <a:lstStyle/>
+            <a:p>
+              <a:pPr marL="0" marR="0" lvl="0" indent="0" defTabSz="1097280" eaLnBrk="1" fontAlgn="auto" latinLnBrk="0" hangingPunct="1">
+                <a:lnSpc>
+                  <a:spcPct val="125000"/>
+                </a:lnSpc>
+                <a:spcBef>
+                  <a:spcPts val="0"/>
+                </a:spcBef>
+                <a:spcAft>
+                  <a:spcPts val="0"/>
+                </a:spcAft>
+                <a:buClrTx/>
+                <a:buSzTx/>
+                <a:buFontTx/>
+                <a:buNone/>
+                <a:tabLst/>
+                <a:defRPr/>
+              </a:pPr>
+              <a:r>
+                <a:rPr kumimoji="0" lang="en-US" sz="1150" b="0" i="0" u="none" strike="noStrike" kern="0" cap="none" spc="0" normalizeH="0" baseline="0" noProof="0" dirty="0">
+                  <a:ln>
+                    <a:noFill/>
+                  </a:ln>
+                  <a:solidFill>
+                    <a:prstClr val="white"/>
+                  </a:solidFill>
+                  <a:effectLst/>
+                  <a:uLnTx/>
+                  <a:uFillTx/>
+                  <a:latin typeface="IndustryW00-Demi" panose="01000000000000000000" pitchFamily="2" charset="0"/>
+                  <a:ea typeface="Segoe Pro" charset="0"/>
+                  <a:cs typeface="Segoe UI Semibold" panose="020B0702040204020203" pitchFamily="34" charset="0"/>
+                </a:rPr>
+                <a:t>Classifications</a:t>
+              </a:r>
+            </a:p>
+          </p:txBody>
+        </p:sp>
+        <p:grpSp>
+          <p:nvGrpSpPr>
+            <p:cNvPr id="129" name="Group 128">
+              <a:extLst>
+                <a:ext uri="{FF2B5EF4-FFF2-40B4-BE49-F238E27FC236}">
+                  <a16:creationId xmlns:a16="http://schemas.microsoft.com/office/drawing/2014/main" id="{FB33E7AB-7D27-4686-AC4E-80C863FF1D50}"/>
+                </a:ext>
+              </a:extLst>
+            </p:cNvPr>
+            <p:cNvGrpSpPr/>
+            <p:nvPr/>
+          </p:nvGrpSpPr>
+          <p:grpSpPr>
+            <a:xfrm>
+              <a:off x="3889629" y="1492947"/>
+              <a:ext cx="1109465" cy="216468"/>
+              <a:chOff x="5266301" y="4116200"/>
+              <a:chExt cx="1109465" cy="216468"/>
+            </a:xfrm>
+          </p:grpSpPr>
+          <p:sp>
+            <p:nvSpPr>
+              <p:cNvPr id="149" name="Rectangle: Rounded Corners 148">
+                <a:extLst>
+                  <a:ext uri="{FF2B5EF4-FFF2-40B4-BE49-F238E27FC236}">
+                    <a16:creationId xmlns:a16="http://schemas.microsoft.com/office/drawing/2014/main" id="{40C85B61-1162-4B91-A175-AAB2B4BABB43}"/>
+                  </a:ext>
+                </a:extLst>
+              </p:cNvPr>
+              <p:cNvSpPr/>
+              <p:nvPr/>
+            </p:nvSpPr>
+            <p:spPr>
+              <a:xfrm>
+                <a:off x="5266301" y="4116200"/>
+                <a:ext cx="1029730" cy="216468"/>
+              </a:xfrm>
+              <a:prstGeom prst="roundRect">
+                <a:avLst>
+                  <a:gd name="adj" fmla="val 50000"/>
+                </a:avLst>
+              </a:prstGeom>
+              <a:solidFill>
+                <a:srgbClr val="02282E"/>
+              </a:solidFill>
+              <a:ln w="12700" cap="flat" cmpd="sng" algn="ctr">
+                <a:solidFill>
+                  <a:srgbClr val="0DDCFF"/>
+                </a:solidFill>
+                <a:prstDash val="solid"/>
+                <a:miter lim="800000"/>
+              </a:ln>
+              <a:effectLst/>
+            </p:spPr>
+            <p:txBody>
+              <a:bodyPr rtlCol="0" anchor="ctr"/>
+              <a:lstStyle/>
+              <a:p>
+                <a:pPr marL="0" marR="0" lvl="0" indent="0" algn="ctr" defTabSz="914400" eaLnBrk="1" fontAlgn="auto" latinLnBrk="0" hangingPunct="1">
+                  <a:lnSpc>
+                    <a:spcPct val="100000"/>
+                  </a:lnSpc>
+                  <a:spcBef>
+                    <a:spcPts val="0"/>
+                  </a:spcBef>
+                  <a:spcAft>
+                    <a:spcPts val="0"/>
+                  </a:spcAft>
+                  <a:buClrTx/>
+                  <a:buSzTx/>
+                  <a:buFontTx/>
+                  <a:buNone/>
+                  <a:tabLst/>
+                  <a:defRPr/>
+                </a:pPr>
+                <a:endParaRPr kumimoji="0" lang="en-CA" sz="1800" b="0" i="0" u="none" strike="noStrike" kern="0" cap="none" spc="0" normalizeH="0" baseline="0" noProof="0">
+                  <a:ln>
+                    <a:noFill/>
+                  </a:ln>
+                  <a:solidFill>
+                    <a:prstClr val="white"/>
+                  </a:solidFill>
+                  <a:effectLst/>
+                  <a:uLnTx/>
+                  <a:uFillTx/>
+                  <a:latin typeface="Calibri" panose="020F0502020204030204"/>
+                  <a:ea typeface="+mn-ea"/>
+                  <a:cs typeface="+mn-cs"/>
+                </a:endParaRPr>
+              </a:p>
+            </p:txBody>
+          </p:sp>
+          <p:sp>
+            <p:nvSpPr>
+              <p:cNvPr id="150" name="TextBox 149">
+                <a:extLst>
+                  <a:ext uri="{FF2B5EF4-FFF2-40B4-BE49-F238E27FC236}">
+                    <a16:creationId xmlns:a16="http://schemas.microsoft.com/office/drawing/2014/main" id="{CC3030E2-BC61-46EF-9A10-E07C34D0BB3B}"/>
+                  </a:ext>
+                </a:extLst>
+              </p:cNvPr>
+              <p:cNvSpPr txBox="1"/>
+              <p:nvPr/>
+            </p:nvSpPr>
+            <p:spPr>
+              <a:xfrm>
+                <a:off x="5303439" y="4136172"/>
+                <a:ext cx="1072327" cy="164469"/>
+              </a:xfrm>
+              <a:prstGeom prst="rect">
+                <a:avLst/>
+              </a:prstGeom>
+              <a:noFill/>
+            </p:spPr>
+            <p:txBody>
+              <a:bodyPr wrap="square" tIns="0" bIns="0" rtlCol="0">
+                <a:spAutoFit/>
+              </a:bodyPr>
+              <a:lstStyle/>
+              <a:p>
+                <a:pPr marL="0" marR="0" lvl="0" indent="0" algn="ctr" defTabSz="1097280" eaLnBrk="1" fontAlgn="auto" latinLnBrk="0" hangingPunct="1">
+                  <a:lnSpc>
+                    <a:spcPct val="125000"/>
+                  </a:lnSpc>
+                  <a:spcBef>
+                    <a:spcPts val="0"/>
+                  </a:spcBef>
+                  <a:spcAft>
+                    <a:spcPts val="0"/>
+                  </a:spcAft>
+                  <a:buClrTx/>
+                  <a:buSzTx/>
+                  <a:buFontTx/>
+                  <a:buNone/>
+                  <a:tabLst/>
+                  <a:defRPr/>
+                </a:pPr>
+                <a:r>
+                  <a:rPr kumimoji="0" lang="en-US" sz="900" b="0" i="0" u="none" strike="noStrike" kern="0" cap="none" spc="0" normalizeH="0" baseline="0" noProof="0" dirty="0">
+                    <a:ln>
+                      <a:noFill/>
+                    </a:ln>
+                    <a:solidFill>
+                      <a:prstClr val="white"/>
+                    </a:solidFill>
+                    <a:effectLst/>
+                    <a:uLnTx/>
+                    <a:uFillTx/>
+                    <a:latin typeface="IndustryW00-Demi" panose="01000000000000000000" pitchFamily="2" charset="0"/>
+                    <a:ea typeface="Segoe Pro" charset="0"/>
+                    <a:cs typeface="Segoe UI" panose="020B0502040204020203" pitchFamily="34" charset="0"/>
+                  </a:rPr>
+                  <a:t>Email Address</a:t>
+                </a:r>
+              </a:p>
+            </p:txBody>
+          </p:sp>
+          <p:pic>
+            <p:nvPicPr>
+              <p:cNvPr id="151" name="Graphic 150">
+                <a:extLst>
+                  <a:ext uri="{FF2B5EF4-FFF2-40B4-BE49-F238E27FC236}">
+                    <a16:creationId xmlns:a16="http://schemas.microsoft.com/office/drawing/2014/main" id="{28DC85F6-466A-4B11-B103-0A63A12F1064}"/>
+                  </a:ext>
+                </a:extLst>
+              </p:cNvPr>
+              <p:cNvPicPr>
+                <a:picLocks noChangeAspect="1"/>
+              </p:cNvPicPr>
+              <p:nvPr/>
+            </p:nvPicPr>
+            <p:blipFill>
+              <a:blip r:embed="rId11">
+                <a:extLst>
+                  <a:ext uri="{28A0092B-C50C-407E-A947-70E740481C1C}">
+                    <a14:useLocalDpi xmlns:a14="http://schemas.microsoft.com/office/drawing/2010/main" val="0"/>
+                  </a:ext>
+                  <a:ext uri="{96DAC541-7B7A-43D3-8B79-37D633B846F1}">
+                    <asvg:svgBlip xmlns:asvg="http://schemas.microsoft.com/office/drawing/2016/SVG/main" r:embed="rId12"/>
+                  </a:ext>
+                </a:extLst>
+              </a:blip>
+              <a:stretch>
+                <a:fillRect/>
+              </a:stretch>
+            </p:blipFill>
+            <p:spPr>
+              <a:xfrm>
+                <a:off x="5354637" y="4163590"/>
+                <a:ext cx="95250" cy="133350"/>
+              </a:xfrm>
+              <a:prstGeom prst="rect">
+                <a:avLst/>
+              </a:prstGeom>
+            </p:spPr>
+          </p:pic>
+        </p:grpSp>
+        <p:grpSp>
+          <p:nvGrpSpPr>
+            <p:cNvPr id="130" name="Group 129">
+              <a:extLst>
+                <a:ext uri="{FF2B5EF4-FFF2-40B4-BE49-F238E27FC236}">
+                  <a16:creationId xmlns:a16="http://schemas.microsoft.com/office/drawing/2014/main" id="{96009D21-B61A-4B6F-8F4C-92D4C1F9DE16}"/>
+                </a:ext>
+              </a:extLst>
+            </p:cNvPr>
+            <p:cNvGrpSpPr/>
+            <p:nvPr/>
+          </p:nvGrpSpPr>
+          <p:grpSpPr>
+            <a:xfrm>
+              <a:off x="3889504" y="1828492"/>
+              <a:ext cx="1419096" cy="216468"/>
+              <a:chOff x="5266300" y="4116200"/>
+              <a:chExt cx="1419096" cy="216468"/>
+            </a:xfrm>
+          </p:grpSpPr>
+          <p:sp>
+            <p:nvSpPr>
+              <p:cNvPr id="146" name="Rectangle: Rounded Corners 145">
+                <a:extLst>
+                  <a:ext uri="{FF2B5EF4-FFF2-40B4-BE49-F238E27FC236}">
+                    <a16:creationId xmlns:a16="http://schemas.microsoft.com/office/drawing/2014/main" id="{52894B2F-4FB1-4593-B133-0CEC87D6DD11}"/>
+                  </a:ext>
+                </a:extLst>
+              </p:cNvPr>
+              <p:cNvSpPr/>
+              <p:nvPr/>
+            </p:nvSpPr>
+            <p:spPr>
+              <a:xfrm>
+                <a:off x="5266300" y="4116200"/>
+                <a:ext cx="1298445" cy="216468"/>
+              </a:xfrm>
+              <a:prstGeom prst="roundRect">
+                <a:avLst>
+                  <a:gd name="adj" fmla="val 50000"/>
+                </a:avLst>
+              </a:prstGeom>
+              <a:solidFill>
+                <a:srgbClr val="02282E"/>
+              </a:solidFill>
+              <a:ln w="12700" cap="flat" cmpd="sng" algn="ctr">
+                <a:solidFill>
+                  <a:srgbClr val="0DDCFF"/>
+                </a:solidFill>
+                <a:prstDash val="solid"/>
+                <a:miter lim="800000"/>
+              </a:ln>
+              <a:effectLst/>
+            </p:spPr>
+            <p:txBody>
+              <a:bodyPr rtlCol="0" anchor="ctr"/>
+              <a:lstStyle/>
+              <a:p>
+                <a:pPr marL="0" marR="0" lvl="0" indent="0" algn="ctr" defTabSz="914400" eaLnBrk="1" fontAlgn="auto" latinLnBrk="0" hangingPunct="1">
+                  <a:lnSpc>
+                    <a:spcPct val="100000"/>
+                  </a:lnSpc>
+                  <a:spcBef>
+                    <a:spcPts val="0"/>
+                  </a:spcBef>
+                  <a:spcAft>
+                    <a:spcPts val="0"/>
+                  </a:spcAft>
+                  <a:buClrTx/>
+                  <a:buSzTx/>
+                  <a:buFontTx/>
+                  <a:buNone/>
+                  <a:tabLst/>
+                  <a:defRPr/>
+                </a:pPr>
+                <a:endParaRPr kumimoji="0" lang="en-CA" sz="1800" b="0" i="0" u="none" strike="noStrike" kern="0" cap="none" spc="0" normalizeH="0" baseline="0" noProof="0">
+                  <a:ln>
+                    <a:noFill/>
+                  </a:ln>
+                  <a:solidFill>
+                    <a:prstClr val="white"/>
+                  </a:solidFill>
+                  <a:effectLst/>
+                  <a:uLnTx/>
+                  <a:uFillTx/>
+                  <a:latin typeface="Calibri" panose="020F0502020204030204"/>
+                  <a:ea typeface="+mn-ea"/>
+                  <a:cs typeface="+mn-cs"/>
+                </a:endParaRPr>
+              </a:p>
+            </p:txBody>
+          </p:sp>
+          <p:sp>
+            <p:nvSpPr>
+              <p:cNvPr id="147" name="TextBox 146">
+                <a:extLst>
+                  <a:ext uri="{FF2B5EF4-FFF2-40B4-BE49-F238E27FC236}">
+                    <a16:creationId xmlns:a16="http://schemas.microsoft.com/office/drawing/2014/main" id="{C0D9EA1A-E892-4172-AF7B-4DB41FCF7A1B}"/>
+                  </a:ext>
+                </a:extLst>
+              </p:cNvPr>
+              <p:cNvSpPr txBox="1"/>
+              <p:nvPr/>
+            </p:nvSpPr>
+            <p:spPr>
+              <a:xfrm>
+                <a:off x="5303439" y="4136172"/>
+                <a:ext cx="1381957" cy="164469"/>
+              </a:xfrm>
+              <a:prstGeom prst="rect">
+                <a:avLst/>
+              </a:prstGeom>
+              <a:noFill/>
+            </p:spPr>
+            <p:txBody>
+              <a:bodyPr wrap="square" tIns="0" bIns="0" rtlCol="0">
+                <a:spAutoFit/>
+              </a:bodyPr>
+              <a:lstStyle/>
+              <a:p>
+                <a:pPr marL="0" marR="0" lvl="0" indent="0" algn="ctr" defTabSz="1097280" eaLnBrk="1" fontAlgn="auto" latinLnBrk="0" hangingPunct="1">
+                  <a:lnSpc>
+                    <a:spcPct val="125000"/>
+                  </a:lnSpc>
+                  <a:spcBef>
+                    <a:spcPts val="0"/>
+                  </a:spcBef>
+                  <a:spcAft>
+                    <a:spcPts val="0"/>
+                  </a:spcAft>
+                  <a:buClrTx/>
+                  <a:buSzTx/>
+                  <a:buFontTx/>
+                  <a:buNone/>
+                  <a:tabLst/>
+                  <a:defRPr/>
+                </a:pPr>
+                <a:r>
+                  <a:rPr kumimoji="0" lang="en-US" sz="900" b="0" i="0" u="none" strike="noStrike" kern="0" cap="none" spc="0" normalizeH="0" baseline="0" noProof="0" dirty="0">
+                    <a:ln>
+                      <a:noFill/>
+                    </a:ln>
+                    <a:solidFill>
+                      <a:prstClr val="white"/>
+                    </a:solidFill>
+                    <a:effectLst/>
+                    <a:uLnTx/>
+                    <a:uFillTx/>
+                    <a:latin typeface="IndustryW00-Demi" panose="01000000000000000000" pitchFamily="2" charset="0"/>
+                    <a:ea typeface="Segoe Pro" charset="0"/>
+                    <a:cs typeface="Segoe UI" panose="020B0502040204020203" pitchFamily="34" charset="0"/>
+                  </a:rPr>
+                  <a:t>Credit Card Number</a:t>
+                </a:r>
+              </a:p>
+            </p:txBody>
+          </p:sp>
+          <p:pic>
+            <p:nvPicPr>
+              <p:cNvPr id="148" name="Graphic 147">
+                <a:extLst>
+                  <a:ext uri="{FF2B5EF4-FFF2-40B4-BE49-F238E27FC236}">
+                    <a16:creationId xmlns:a16="http://schemas.microsoft.com/office/drawing/2014/main" id="{A66FA34F-BB74-43D7-B100-17AB87C2D588}"/>
+                  </a:ext>
+                </a:extLst>
+              </p:cNvPr>
+              <p:cNvPicPr>
+                <a:picLocks noChangeAspect="1"/>
+              </p:cNvPicPr>
+              <p:nvPr/>
+            </p:nvPicPr>
+            <p:blipFill>
+              <a:blip r:embed="rId11">
+                <a:extLst>
+                  <a:ext uri="{28A0092B-C50C-407E-A947-70E740481C1C}">
+                    <a14:useLocalDpi xmlns:a14="http://schemas.microsoft.com/office/drawing/2010/main" val="0"/>
+                  </a:ext>
+                  <a:ext uri="{96DAC541-7B7A-43D3-8B79-37D633B846F1}">
+                    <asvg:svgBlip xmlns:asvg="http://schemas.microsoft.com/office/drawing/2016/SVG/main" r:embed="rId12"/>
+                  </a:ext>
+                </a:extLst>
+              </a:blip>
+              <a:stretch>
+                <a:fillRect/>
+              </a:stretch>
+            </p:blipFill>
+            <p:spPr>
+              <a:xfrm>
+                <a:off x="5354637" y="4163590"/>
+                <a:ext cx="95250" cy="133350"/>
+              </a:xfrm>
+              <a:prstGeom prst="rect">
+                <a:avLst/>
+              </a:prstGeom>
+            </p:spPr>
+          </p:pic>
+        </p:grpSp>
+        <p:sp>
+          <p:nvSpPr>
+            <p:cNvPr id="131" name="TextBox 130">
+              <a:extLst>
+                <a:ext uri="{FF2B5EF4-FFF2-40B4-BE49-F238E27FC236}">
+                  <a16:creationId xmlns:a16="http://schemas.microsoft.com/office/drawing/2014/main" id="{216D7FBF-B128-4FA1-A6C7-3EA9AF5A18F7}"/>
+                </a:ext>
+              </a:extLst>
+            </p:cNvPr>
+            <p:cNvSpPr txBox="1"/>
+            <p:nvPr/>
+          </p:nvSpPr>
+          <p:spPr>
+            <a:xfrm>
+              <a:off x="3103845" y="2788762"/>
+              <a:ext cx="1409304" cy="261610"/>
+            </a:xfrm>
+            <a:prstGeom prst="rect">
+              <a:avLst/>
+            </a:prstGeom>
+            <a:noFill/>
+          </p:spPr>
+          <p:txBody>
+            <a:bodyPr wrap="square" rtlCol="0">
+              <a:spAutoFit/>
+            </a:bodyPr>
+            <a:lstStyle/>
+            <a:p>
+              <a:pPr marL="0" marR="0" lvl="0" indent="0" algn="ctr" defTabSz="914400" eaLnBrk="1" fontAlgn="auto" latinLnBrk="0" hangingPunct="1">
+                <a:lnSpc>
+                  <a:spcPct val="100000"/>
+                </a:lnSpc>
+                <a:spcBef>
+                  <a:spcPts val="0"/>
+                </a:spcBef>
+                <a:spcAft>
+                  <a:spcPts val="0"/>
+                </a:spcAft>
+                <a:buClrTx/>
+                <a:buSzTx/>
+                <a:buFontTx/>
+                <a:buNone/>
+                <a:tabLst/>
+                <a:defRPr/>
+              </a:pPr>
+              <a:r>
+                <a:rPr kumimoji="0" lang="en-CA" sz="1100" b="0" i="0" u="none" strike="noStrike" kern="0" cap="none" spc="0" normalizeH="0" baseline="0" noProof="0" dirty="0">
+                  <a:ln>
+                    <a:noFill/>
+                  </a:ln>
+                  <a:solidFill>
+                    <a:srgbClr val="0DDCFF"/>
+                  </a:solidFill>
+                  <a:effectLst/>
+                  <a:uLnTx/>
+                  <a:uFillTx/>
+                  <a:latin typeface="IndustryW00-Demi" panose="01000000000000000000" pitchFamily="2" charset="0"/>
+                  <a:cs typeface="Segoe UI Semibold" panose="020B0702040204020203" pitchFamily="34" charset="0"/>
+                </a:rPr>
+                <a:t>CashFlow_{N}.csv</a:t>
+              </a:r>
+            </a:p>
+          </p:txBody>
+        </p:sp>
+        <p:sp>
+          <p:nvSpPr>
+            <p:cNvPr id="132" name="Rectangle 131">
+              <a:extLst>
+                <a:ext uri="{FF2B5EF4-FFF2-40B4-BE49-F238E27FC236}">
+                  <a16:creationId xmlns:a16="http://schemas.microsoft.com/office/drawing/2014/main" id="{84BCDF19-9DFF-49C8-942F-B07FCE39984B}"/>
+                </a:ext>
+              </a:extLst>
+            </p:cNvPr>
+            <p:cNvSpPr/>
+            <p:nvPr/>
+          </p:nvSpPr>
+          <p:spPr>
+            <a:xfrm>
+              <a:off x="2265743" y="1071218"/>
+              <a:ext cx="3357818" cy="1713891"/>
+            </a:xfrm>
+            <a:prstGeom prst="rect">
+              <a:avLst/>
+            </a:prstGeom>
+            <a:solidFill>
+              <a:srgbClr val="0078D4">
+                <a:alpha val="18000"/>
+              </a:srgbClr>
+            </a:solidFill>
+            <a:ln w="12700" cap="flat" cmpd="sng" algn="ctr">
+              <a:solidFill>
+                <a:srgbClr val="0DDCFF"/>
+              </a:solidFill>
+              <a:prstDash val="dash"/>
+              <a:miter lim="800000"/>
+            </a:ln>
+            <a:effectLst>
+              <a:outerShdw blurRad="63500" sx="102000" sy="102000" algn="ctr" rotWithShape="0">
+                <a:prstClr val="black">
+                  <a:alpha val="40000"/>
+                </a:prstClr>
+              </a:outerShdw>
+            </a:effectLst>
+          </p:spPr>
+          <p:txBody>
+            <a:bodyPr rtlCol="0" anchor="ctr"/>
+            <a:lstStyle/>
+            <a:p>
+              <a:pPr marL="0" marR="0" lvl="0" indent="0" algn="ctr" defTabSz="914400" eaLnBrk="1" fontAlgn="auto" latinLnBrk="0" hangingPunct="1">
+                <a:lnSpc>
+                  <a:spcPct val="100000"/>
+                </a:lnSpc>
+                <a:spcBef>
+                  <a:spcPts val="0"/>
+                </a:spcBef>
+                <a:spcAft>
+                  <a:spcPts val="0"/>
+                </a:spcAft>
+                <a:buClrTx/>
+                <a:buSzTx/>
+                <a:buFontTx/>
+                <a:buNone/>
+                <a:tabLst/>
+                <a:defRPr/>
+              </a:pPr>
+              <a:endParaRPr kumimoji="0" lang="en-CA" sz="1800" b="0" i="0" u="none" strike="noStrike" kern="0" cap="none" spc="0" normalizeH="0" baseline="0" noProof="0">
+                <a:ln>
+                  <a:noFill/>
+                </a:ln>
+                <a:solidFill>
+                  <a:prstClr val="white"/>
+                </a:solidFill>
+                <a:effectLst/>
+                <a:uLnTx/>
+                <a:uFillTx/>
+                <a:latin typeface="Calibri" panose="020F0502020204030204"/>
+                <a:ea typeface="+mn-ea"/>
+                <a:cs typeface="+mn-cs"/>
+              </a:endParaRPr>
+            </a:p>
+          </p:txBody>
+        </p:sp>
+        <p:sp>
+          <p:nvSpPr>
+            <p:cNvPr id="133" name="TextBox 132">
+              <a:extLst>
+                <a:ext uri="{FF2B5EF4-FFF2-40B4-BE49-F238E27FC236}">
+                  <a16:creationId xmlns:a16="http://schemas.microsoft.com/office/drawing/2014/main" id="{EA10EFB4-E9D9-4515-81DB-1F80F6993A53}"/>
+                </a:ext>
+              </a:extLst>
+            </p:cNvPr>
+            <p:cNvSpPr txBox="1"/>
+            <p:nvPr/>
+          </p:nvSpPr>
+          <p:spPr>
+            <a:xfrm>
+              <a:off x="6890199" y="2798346"/>
+              <a:ext cx="1388115" cy="159531"/>
+            </a:xfrm>
+            <a:prstGeom prst="rect">
+              <a:avLst/>
+            </a:prstGeom>
+            <a:noFill/>
+          </p:spPr>
+          <p:txBody>
+            <a:bodyPr wrap="square" tIns="0" bIns="0" rtlCol="0">
+              <a:spAutoFit/>
+            </a:bodyPr>
+            <a:lstStyle/>
+            <a:p>
+              <a:pPr marL="0" marR="0" lvl="0" indent="0" defTabSz="1097280" eaLnBrk="1" fontAlgn="auto" latinLnBrk="0" hangingPunct="1">
+                <a:lnSpc>
+                  <a:spcPct val="125000"/>
+                </a:lnSpc>
+                <a:spcBef>
+                  <a:spcPts val="0"/>
+                </a:spcBef>
+                <a:spcAft>
+                  <a:spcPts val="0"/>
+                </a:spcAft>
+                <a:buClrTx/>
+                <a:buSzTx/>
+                <a:buFontTx/>
+                <a:buNone/>
+                <a:tabLst/>
+                <a:defRPr/>
+              </a:pPr>
+              <a:r>
+                <a:rPr kumimoji="0" lang="en-US" sz="900" b="0" i="0" u="none" strike="noStrike" kern="0" cap="none" spc="0" normalizeH="0" baseline="0" noProof="0" dirty="0">
+                  <a:ln>
+                    <a:noFill/>
+                  </a:ln>
+                  <a:solidFill>
+                    <a:prstClr val="white"/>
+                  </a:solidFill>
+                  <a:effectLst/>
+                  <a:uLnTx/>
+                  <a:uFillTx/>
+                  <a:latin typeface="Consolas" panose="020B0609020204030204" pitchFamily="49" charset="0"/>
+                  <a:ea typeface="Segoe Pro" charset="0"/>
+                  <a:cs typeface="Segoe UI" panose="020B0502040204020203" pitchFamily="34" charset="0"/>
+                </a:rPr>
+                <a:t>Profit_01.json</a:t>
+              </a:r>
+            </a:p>
+          </p:txBody>
+        </p:sp>
+        <p:cxnSp>
+          <p:nvCxnSpPr>
+            <p:cNvPr id="134" name="Straight Connector 133">
+              <a:extLst>
+                <a:ext uri="{FF2B5EF4-FFF2-40B4-BE49-F238E27FC236}">
+                  <a16:creationId xmlns:a16="http://schemas.microsoft.com/office/drawing/2014/main" id="{6267C9B4-4D1D-4501-B175-5FB19B0B5DBB}"/>
+                </a:ext>
+              </a:extLst>
+            </p:cNvPr>
+            <p:cNvCxnSpPr>
+              <a:cxnSpLocks/>
+            </p:cNvCxnSpPr>
+            <p:nvPr/>
+          </p:nvCxnSpPr>
+          <p:spPr>
+            <a:xfrm flipV="1">
+              <a:off x="6837107" y="1048726"/>
+              <a:ext cx="0" cy="1998104"/>
+            </a:xfrm>
+            <a:prstGeom prst="line">
+              <a:avLst/>
+            </a:prstGeom>
+            <a:noFill/>
+            <a:ln w="50800" cap="flat" cmpd="sng" algn="ctr">
+              <a:gradFill>
+                <a:gsLst>
+                  <a:gs pos="0">
+                    <a:srgbClr val="0078D4"/>
+                  </a:gs>
+                  <a:gs pos="100000">
+                    <a:srgbClr val="0DDCFF"/>
+                  </a:gs>
+                </a:gsLst>
+                <a:lin ang="5400000" scaled="1"/>
+              </a:gradFill>
+              <a:prstDash val="solid"/>
+              <a:miter lim="800000"/>
+            </a:ln>
+            <a:effectLst/>
+          </p:spPr>
+        </p:cxnSp>
+        <p:cxnSp>
+          <p:nvCxnSpPr>
+            <p:cNvPr id="135" name="Straight Connector 134">
+              <a:extLst>
+                <a:ext uri="{FF2B5EF4-FFF2-40B4-BE49-F238E27FC236}">
+                  <a16:creationId xmlns:a16="http://schemas.microsoft.com/office/drawing/2014/main" id="{087AAFF3-DC93-47A3-AF4B-F427EBB6A635}"/>
+                </a:ext>
+              </a:extLst>
+            </p:cNvPr>
+            <p:cNvCxnSpPr>
+              <a:cxnSpLocks/>
+            </p:cNvCxnSpPr>
+            <p:nvPr/>
+          </p:nvCxnSpPr>
+          <p:spPr>
+            <a:xfrm flipV="1">
+              <a:off x="5613908" y="1071218"/>
+              <a:ext cx="0" cy="1723064"/>
+            </a:xfrm>
+            <a:prstGeom prst="line">
+              <a:avLst/>
+            </a:prstGeom>
+            <a:noFill/>
+            <a:ln w="50800" cap="flat" cmpd="sng" algn="ctr">
+              <a:gradFill>
+                <a:gsLst>
+                  <a:gs pos="0">
+                    <a:srgbClr val="0078D4"/>
+                  </a:gs>
+                  <a:gs pos="100000">
+                    <a:srgbClr val="0DDCFF"/>
+                  </a:gs>
+                </a:gsLst>
+                <a:lin ang="5400000" scaled="1"/>
+              </a:gradFill>
+              <a:prstDash val="solid"/>
+              <a:miter lim="800000"/>
+            </a:ln>
+            <a:effectLst/>
+          </p:spPr>
+        </p:cxnSp>
+        <p:pic>
+          <p:nvPicPr>
+            <p:cNvPr id="136" name="Picture 135">
+              <a:extLst>
+                <a:ext uri="{FF2B5EF4-FFF2-40B4-BE49-F238E27FC236}">
+                  <a16:creationId xmlns:a16="http://schemas.microsoft.com/office/drawing/2014/main" id="{9E462856-1E76-4FFB-A09F-400565D0580B}"/>
+                </a:ext>
+              </a:extLst>
+            </p:cNvPr>
+            <p:cNvPicPr>
+              <a:picLocks noChangeAspect="1"/>
+            </p:cNvPicPr>
+            <p:nvPr/>
+          </p:nvPicPr>
+          <p:blipFill>
+            <a:blip r:embed="rId13"/>
+            <a:stretch>
+              <a:fillRect/>
+            </a:stretch>
+          </p:blipFill>
+          <p:spPr>
+            <a:xfrm>
+              <a:off x="6084669" y="1433832"/>
+              <a:ext cx="275583" cy="275583"/>
+            </a:xfrm>
+            <a:prstGeom prst="rect">
+              <a:avLst/>
+            </a:prstGeom>
+          </p:spPr>
+        </p:pic>
+        <p:sp>
+          <p:nvSpPr>
+            <p:cNvPr id="137" name="TextBox 136">
+              <a:extLst>
+                <a:ext uri="{FF2B5EF4-FFF2-40B4-BE49-F238E27FC236}">
+                  <a16:creationId xmlns:a16="http://schemas.microsoft.com/office/drawing/2014/main" id="{E904B033-9FC9-4C7D-A6EA-26954BB34AD1}"/>
+                </a:ext>
+              </a:extLst>
+            </p:cNvPr>
+            <p:cNvSpPr txBox="1"/>
+            <p:nvPr/>
+          </p:nvSpPr>
+          <p:spPr>
+            <a:xfrm>
+              <a:off x="5526997" y="1930370"/>
+              <a:ext cx="1388115" cy="283604"/>
+            </a:xfrm>
+            <a:prstGeom prst="rect">
+              <a:avLst/>
+            </a:prstGeom>
+            <a:noFill/>
+          </p:spPr>
+          <p:txBody>
+            <a:bodyPr wrap="square" tIns="0" bIns="0" rtlCol="0">
+              <a:spAutoFit/>
+            </a:bodyPr>
+            <a:lstStyle/>
+            <a:p>
+              <a:pPr marL="0" marR="0" lvl="0" indent="0" algn="ctr" defTabSz="1097280" eaLnBrk="1" fontAlgn="auto" latinLnBrk="0" hangingPunct="1">
+                <a:lnSpc>
+                  <a:spcPct val="125000"/>
+                </a:lnSpc>
+                <a:spcBef>
+                  <a:spcPts val="0"/>
+                </a:spcBef>
+                <a:spcAft>
+                  <a:spcPts val="0"/>
+                </a:spcAft>
+                <a:buClrTx/>
+                <a:buSzTx/>
+                <a:buFontTx/>
+                <a:buNone/>
+                <a:tabLst/>
+                <a:defRPr/>
+              </a:pPr>
+              <a:r>
+                <a:rPr kumimoji="0" lang="en-US" sz="1600" b="1" i="0" u="none" strike="noStrike" kern="0" cap="none" spc="0" normalizeH="0" baseline="0" noProof="0" dirty="0">
+                  <a:ln>
+                    <a:noFill/>
+                  </a:ln>
+                  <a:gradFill>
+                    <a:gsLst>
+                      <a:gs pos="0">
+                        <a:srgbClr val="0078D4"/>
+                      </a:gs>
+                      <a:gs pos="100000">
+                        <a:srgbClr val="0DDCFF"/>
+                      </a:gs>
+                    </a:gsLst>
+                    <a:lin ang="5400000" scaled="1"/>
+                  </a:gradFill>
+                  <a:effectLst/>
+                  <a:uLnTx/>
+                  <a:uFillTx/>
+                  <a:latin typeface="Consolas" panose="020B0609020204030204" pitchFamily="49" charset="0"/>
+                  <a:ea typeface="Segoe Pro" charset="0"/>
+                  <a:cs typeface="Segoe UI" panose="020B0502040204020203" pitchFamily="34" charset="0"/>
+                </a:rPr>
+                <a:t>REST API</a:t>
+              </a:r>
+            </a:p>
+          </p:txBody>
+        </p:sp>
+        <p:sp>
+          <p:nvSpPr>
+            <p:cNvPr id="138" name="TextBox 137">
+              <a:extLst>
+                <a:ext uri="{FF2B5EF4-FFF2-40B4-BE49-F238E27FC236}">
+                  <a16:creationId xmlns:a16="http://schemas.microsoft.com/office/drawing/2014/main" id="{32E37196-28E0-4533-8306-939E3DB13456}"/>
+                </a:ext>
+              </a:extLst>
+            </p:cNvPr>
+            <p:cNvSpPr txBox="1"/>
+            <p:nvPr/>
+          </p:nvSpPr>
+          <p:spPr>
+            <a:xfrm>
+              <a:off x="8101779" y="1133760"/>
+              <a:ext cx="1206594" cy="201658"/>
+            </a:xfrm>
+            <a:prstGeom prst="rect">
+              <a:avLst/>
+            </a:prstGeom>
+            <a:noFill/>
+          </p:spPr>
+          <p:txBody>
+            <a:bodyPr wrap="square" tIns="0" bIns="0" rtlCol="0">
+              <a:spAutoFit/>
+            </a:bodyPr>
+            <a:lstStyle/>
+            <a:p>
+              <a:pPr marL="0" marR="0" lvl="0" indent="0" defTabSz="1097280" eaLnBrk="1" fontAlgn="auto" latinLnBrk="0" hangingPunct="1">
+                <a:lnSpc>
+                  <a:spcPct val="125000"/>
+                </a:lnSpc>
+                <a:spcBef>
+                  <a:spcPts val="0"/>
+                </a:spcBef>
+                <a:spcAft>
+                  <a:spcPts val="0"/>
+                </a:spcAft>
+                <a:buClrTx/>
+                <a:buSzTx/>
+                <a:buFontTx/>
+                <a:buNone/>
+                <a:tabLst/>
+                <a:defRPr/>
+              </a:pPr>
+              <a:r>
+                <a:rPr kumimoji="0" lang="en-US" sz="1150" b="1" i="0" u="none" strike="noStrike" kern="0" cap="none" spc="0" normalizeH="0" baseline="0" noProof="0" dirty="0">
+                  <a:ln>
+                    <a:noFill/>
+                  </a:ln>
+                  <a:solidFill>
+                    <a:prstClr val="white"/>
+                  </a:solidFill>
+                  <a:effectLst/>
+                  <a:uLnTx/>
+                  <a:uFillTx/>
+                  <a:latin typeface="Cascadia Code" panose="020B0609020000020004" pitchFamily="49" charset="0"/>
+                  <a:ea typeface="Segoe Pro" charset="0"/>
+                  <a:cs typeface="Cascadia Code" panose="020B0609020000020004" pitchFamily="49" charset="0"/>
+                </a:rPr>
+                <a:t>asset</a:t>
+              </a:r>
+            </a:p>
+          </p:txBody>
+        </p:sp>
+        <p:sp>
+          <p:nvSpPr>
+            <p:cNvPr id="139" name="TextBox 138">
+              <a:extLst>
+                <a:ext uri="{FF2B5EF4-FFF2-40B4-BE49-F238E27FC236}">
+                  <a16:creationId xmlns:a16="http://schemas.microsoft.com/office/drawing/2014/main" id="{998FA4A4-49EE-4338-A83F-9A479FB113D9}"/>
+                </a:ext>
+              </a:extLst>
+            </p:cNvPr>
+            <p:cNvSpPr txBox="1"/>
+            <p:nvPr/>
+          </p:nvSpPr>
+          <p:spPr>
+            <a:xfrm>
+              <a:off x="8101780" y="1544851"/>
+              <a:ext cx="1388115" cy="159531"/>
+            </a:xfrm>
+            <a:prstGeom prst="rect">
+              <a:avLst/>
+            </a:prstGeom>
+            <a:noFill/>
+          </p:spPr>
+          <p:txBody>
+            <a:bodyPr wrap="square" tIns="0" bIns="0" rtlCol="0">
+              <a:spAutoFit/>
+            </a:bodyPr>
+            <a:lstStyle/>
+            <a:p>
+              <a:pPr marL="0" marR="0" lvl="0" indent="0" defTabSz="1097280" eaLnBrk="1" fontAlgn="auto" latinLnBrk="0" hangingPunct="1">
+                <a:lnSpc>
+                  <a:spcPct val="125000"/>
+                </a:lnSpc>
+                <a:spcBef>
+                  <a:spcPts val="0"/>
+                </a:spcBef>
+                <a:spcAft>
+                  <a:spcPts val="0"/>
+                </a:spcAft>
+                <a:buClrTx/>
+                <a:buSzTx/>
+                <a:buFontTx/>
+                <a:buNone/>
+                <a:tabLst/>
+                <a:defRPr/>
+              </a:pPr>
+              <a:r>
+                <a:rPr kumimoji="0" lang="en-US" sz="900" b="0" i="0" u="none" strike="noStrike" kern="0" cap="none" spc="0" normalizeH="0" baseline="0" noProof="0" dirty="0">
+                  <a:ln>
+                    <a:noFill/>
+                  </a:ln>
+                  <a:solidFill>
+                    <a:prstClr val="white"/>
+                  </a:solidFill>
+                  <a:effectLst/>
+                  <a:uLnTx/>
+                  <a:uFillTx/>
+                  <a:latin typeface="Consolas" panose="020B0609020204030204" pitchFamily="49" charset="0"/>
+                  <a:ea typeface="Segoe Pro" charset="0"/>
+                  <a:cs typeface="Segoe UI" panose="020B0502040204020203" pitchFamily="34" charset="0"/>
+                </a:rPr>
+                <a:t>CashFlow_{N}.csv</a:t>
+              </a:r>
+            </a:p>
+          </p:txBody>
+        </p:sp>
+        <p:sp>
+          <p:nvSpPr>
+            <p:cNvPr id="140" name="TextBox 139">
+              <a:extLst>
+                <a:ext uri="{FF2B5EF4-FFF2-40B4-BE49-F238E27FC236}">
+                  <a16:creationId xmlns:a16="http://schemas.microsoft.com/office/drawing/2014/main" id="{3F1BFF76-1889-4B27-BA96-C009D88F0217}"/>
+                </a:ext>
+              </a:extLst>
+            </p:cNvPr>
+            <p:cNvSpPr txBox="1"/>
+            <p:nvPr/>
+          </p:nvSpPr>
+          <p:spPr>
+            <a:xfrm>
+              <a:off x="8101780" y="2436565"/>
+              <a:ext cx="1388115" cy="159531"/>
+            </a:xfrm>
+            <a:prstGeom prst="rect">
+              <a:avLst/>
+            </a:prstGeom>
+            <a:noFill/>
+          </p:spPr>
+          <p:txBody>
+            <a:bodyPr wrap="square" tIns="0" bIns="0" rtlCol="0">
+              <a:spAutoFit/>
+            </a:bodyPr>
+            <a:lstStyle/>
+            <a:p>
+              <a:pPr marL="0" marR="0" lvl="0" indent="0" defTabSz="1097280" eaLnBrk="1" fontAlgn="auto" latinLnBrk="0" hangingPunct="1">
+                <a:lnSpc>
+                  <a:spcPct val="125000"/>
+                </a:lnSpc>
+                <a:spcBef>
+                  <a:spcPts val="0"/>
+                </a:spcBef>
+                <a:spcAft>
+                  <a:spcPts val="0"/>
+                </a:spcAft>
+                <a:buClrTx/>
+                <a:buSzTx/>
+                <a:buFontTx/>
+                <a:buNone/>
+                <a:tabLst/>
+                <a:defRPr/>
+              </a:pPr>
+              <a:r>
+                <a:rPr kumimoji="0" lang="en-US" sz="900" b="0" i="0" u="none" strike="noStrike" kern="0" cap="none" spc="0" normalizeH="0" baseline="0" noProof="0" dirty="0">
+                  <a:ln>
+                    <a:noFill/>
+                  </a:ln>
+                  <a:solidFill>
+                    <a:prstClr val="white"/>
+                  </a:solidFill>
+                  <a:effectLst/>
+                  <a:uLnTx/>
+                  <a:uFillTx/>
+                  <a:latin typeface="Consolas" panose="020B0609020204030204" pitchFamily="49" charset="0"/>
+                  <a:ea typeface="Segoe Pro" charset="0"/>
+                  <a:cs typeface="Segoe UI" panose="020B0502040204020203" pitchFamily="34" charset="0"/>
+                </a:rPr>
+                <a:t>Sales_{N}.parquet</a:t>
+              </a:r>
+            </a:p>
+          </p:txBody>
+        </p:sp>
+        <p:sp>
+          <p:nvSpPr>
+            <p:cNvPr id="141" name="TextBox 140">
+              <a:extLst>
+                <a:ext uri="{FF2B5EF4-FFF2-40B4-BE49-F238E27FC236}">
+                  <a16:creationId xmlns:a16="http://schemas.microsoft.com/office/drawing/2014/main" id="{6E2C2D7F-3BAF-425C-82AE-19B7A447DDF7}"/>
+                </a:ext>
+              </a:extLst>
+            </p:cNvPr>
+            <p:cNvSpPr txBox="1"/>
+            <p:nvPr/>
+          </p:nvSpPr>
+          <p:spPr>
+            <a:xfrm>
+              <a:off x="8101779" y="2798346"/>
+              <a:ext cx="1548831" cy="159531"/>
+            </a:xfrm>
+            <a:prstGeom prst="rect">
+              <a:avLst/>
+            </a:prstGeom>
+            <a:noFill/>
+          </p:spPr>
+          <p:txBody>
+            <a:bodyPr wrap="square" tIns="0" bIns="0" rtlCol="0">
+              <a:spAutoFit/>
+            </a:bodyPr>
+            <a:lstStyle/>
+            <a:p>
+              <a:pPr marL="0" marR="0" lvl="0" indent="0" defTabSz="1097280" eaLnBrk="1" fontAlgn="auto" latinLnBrk="0" hangingPunct="1">
+                <a:lnSpc>
+                  <a:spcPct val="125000"/>
+                </a:lnSpc>
+                <a:spcBef>
+                  <a:spcPts val="0"/>
+                </a:spcBef>
+                <a:spcAft>
+                  <a:spcPts val="0"/>
+                </a:spcAft>
+                <a:buClrTx/>
+                <a:buSzTx/>
+                <a:buFontTx/>
+                <a:buNone/>
+                <a:tabLst/>
+                <a:defRPr/>
+              </a:pPr>
+              <a:r>
+                <a:rPr kumimoji="0" lang="en-US" sz="900" b="0" i="0" u="none" strike="noStrike" kern="0" cap="none" spc="0" normalizeH="0" baseline="0" noProof="0" dirty="0">
+                  <a:ln>
+                    <a:noFill/>
+                  </a:ln>
+                  <a:solidFill>
+                    <a:prstClr val="white"/>
+                  </a:solidFill>
+                  <a:effectLst/>
+                  <a:uLnTx/>
+                  <a:uFillTx/>
+                  <a:latin typeface="Consolas" panose="020B0609020204030204" pitchFamily="49" charset="0"/>
+                  <a:ea typeface="Segoe Pro" charset="0"/>
+                  <a:cs typeface="Segoe UI" panose="020B0502040204020203" pitchFamily="34" charset="0"/>
+                </a:rPr>
+                <a:t>Profit_{N}.json</a:t>
+              </a:r>
+            </a:p>
+          </p:txBody>
+        </p:sp>
+        <p:sp>
+          <p:nvSpPr>
+            <p:cNvPr id="142" name="TextBox 141">
+              <a:extLst>
+                <a:ext uri="{FF2B5EF4-FFF2-40B4-BE49-F238E27FC236}">
+                  <a16:creationId xmlns:a16="http://schemas.microsoft.com/office/drawing/2014/main" id="{00D22773-C3B1-485A-B9AA-5F9D85B1BDB1}"/>
+                </a:ext>
+              </a:extLst>
+            </p:cNvPr>
+            <p:cNvSpPr txBox="1"/>
+            <p:nvPr/>
+          </p:nvSpPr>
+          <p:spPr>
+            <a:xfrm>
+              <a:off x="9403107" y="1544851"/>
+              <a:ext cx="2518301" cy="678904"/>
+            </a:xfrm>
+            <a:prstGeom prst="rect">
+              <a:avLst/>
+            </a:prstGeom>
+            <a:noFill/>
+          </p:spPr>
+          <p:txBody>
+            <a:bodyPr wrap="square" tIns="0" bIns="0" rtlCol="0">
+              <a:spAutoFit/>
+            </a:bodyPr>
+            <a:lstStyle/>
+            <a:p>
+              <a:pPr marL="0" marR="0" lvl="0" indent="0" defTabSz="1097280" eaLnBrk="1" fontAlgn="auto" latinLnBrk="0" hangingPunct="1">
+                <a:lnSpc>
+                  <a:spcPct val="125000"/>
+                </a:lnSpc>
+                <a:spcBef>
+                  <a:spcPts val="0"/>
+                </a:spcBef>
+                <a:spcAft>
+                  <a:spcPts val="0"/>
+                </a:spcAft>
+                <a:buClrTx/>
+                <a:buSzTx/>
+                <a:buFontTx/>
+                <a:buNone/>
+                <a:tabLst/>
+                <a:defRPr/>
+              </a:pPr>
+              <a:r>
+                <a:rPr kumimoji="0" lang="en-US" sz="900" b="1" i="0" u="none" strike="noStrike" kern="0" cap="none" spc="0" normalizeH="0" baseline="0" noProof="0" dirty="0">
+                  <a:ln>
+                    <a:noFill/>
+                  </a:ln>
+                  <a:solidFill>
+                    <a:srgbClr val="0078D4"/>
+                  </a:solidFill>
+                  <a:effectLst/>
+                  <a:uLnTx/>
+                  <a:uFillTx/>
+                  <a:latin typeface="Consolas" panose="020B0609020204030204" pitchFamily="49" charset="0"/>
+                  <a:ea typeface="Segoe Pro" charset="0"/>
+                  <a:cs typeface="Segoe UI" panose="020B0502040204020203" pitchFamily="34" charset="0"/>
+                </a:rPr>
+                <a:t>0: </a:t>
+              </a:r>
+              <a:r>
+                <a:rPr kumimoji="0" lang="en-US" sz="900" b="1" i="0" u="none" strike="noStrike" kern="0" cap="none" spc="0" normalizeH="0" baseline="0" noProof="0" dirty="0">
+                  <a:ln>
+                    <a:noFill/>
+                  </a:ln>
+                  <a:solidFill>
+                    <a:prstClr val="white"/>
+                  </a:solidFill>
+                  <a:effectLst/>
+                  <a:uLnTx/>
+                  <a:uFillTx/>
+                  <a:latin typeface="Consolas" panose="020B0609020204030204" pitchFamily="49" charset="0"/>
+                  <a:ea typeface="Segoe Pro" charset="0"/>
+                  <a:cs typeface="Segoe UI" panose="020B0502040204020203" pitchFamily="34" charset="0"/>
+                </a:rPr>
+                <a:t>email, </a:t>
+              </a:r>
+              <a:r>
+                <a:rPr kumimoji="0" lang="en-US" sz="900" b="1" i="0" u="none" strike="noStrike" kern="0" cap="none" spc="0" normalizeH="0" baseline="0" noProof="0" dirty="0">
+                  <a:ln>
+                    <a:noFill/>
+                  </a:ln>
+                  <a:solidFill>
+                    <a:srgbClr val="0DDCFF"/>
+                  </a:solidFill>
+                  <a:effectLst/>
+                  <a:uLnTx/>
+                  <a:uFillTx/>
+                  <a:latin typeface="Consolas" panose="020B0609020204030204" pitchFamily="49" charset="0"/>
+                  <a:ea typeface="Segoe Pro" charset="0"/>
+                  <a:cs typeface="Segoe UI" panose="020B0502040204020203" pitchFamily="34" charset="0"/>
+                </a:rPr>
+                <a:t>PERSONAL.EMAIL</a:t>
+              </a:r>
+            </a:p>
+            <a:p>
+              <a:pPr marL="0" marR="0" lvl="0" indent="0" defTabSz="1097280" eaLnBrk="1" fontAlgn="auto" latinLnBrk="0" hangingPunct="1">
+                <a:lnSpc>
+                  <a:spcPct val="125000"/>
+                </a:lnSpc>
+                <a:spcBef>
+                  <a:spcPts val="0"/>
+                </a:spcBef>
+                <a:spcAft>
+                  <a:spcPts val="0"/>
+                </a:spcAft>
+                <a:buClrTx/>
+                <a:buSzTx/>
+                <a:buFontTx/>
+                <a:buNone/>
+                <a:tabLst/>
+                <a:defRPr/>
+              </a:pPr>
+              <a:r>
+                <a:rPr kumimoji="0" lang="en-US" sz="900" b="1" i="0" u="none" strike="noStrike" kern="0" cap="none" spc="0" normalizeH="0" baseline="0" noProof="0" dirty="0">
+                  <a:ln>
+                    <a:noFill/>
+                  </a:ln>
+                  <a:solidFill>
+                    <a:srgbClr val="0078D4"/>
+                  </a:solidFill>
+                  <a:effectLst/>
+                  <a:uLnTx/>
+                  <a:uFillTx/>
+                  <a:latin typeface="Consolas" panose="020B0609020204030204" pitchFamily="49" charset="0"/>
+                  <a:ea typeface="Segoe Pro" charset="0"/>
+                  <a:cs typeface="Segoe UI" panose="020B0502040204020203" pitchFamily="34" charset="0"/>
+                </a:rPr>
+                <a:t>1: </a:t>
+              </a:r>
+              <a:r>
+                <a:rPr kumimoji="0" lang="en-US" sz="900" b="1" i="0" u="none" strike="noStrike" kern="0" cap="none" spc="0" normalizeH="0" baseline="0" noProof="0" dirty="0" err="1">
+                  <a:ln>
+                    <a:noFill/>
+                  </a:ln>
+                  <a:solidFill>
+                    <a:prstClr val="white"/>
+                  </a:solidFill>
+                  <a:effectLst/>
+                  <a:uLnTx/>
+                  <a:uFillTx/>
+                  <a:latin typeface="Consolas" panose="020B0609020204030204" pitchFamily="49" charset="0"/>
+                  <a:ea typeface="Segoe Pro" charset="0"/>
+                  <a:cs typeface="Segoe UI" panose="020B0502040204020203" pitchFamily="34" charset="0"/>
+                </a:rPr>
+                <a:t>creditcard</a:t>
+              </a:r>
+              <a:r>
+                <a:rPr kumimoji="0" lang="en-US" sz="900" b="1" i="0" u="none" strike="noStrike" kern="0" cap="none" spc="0" normalizeH="0" baseline="0" noProof="0" dirty="0">
+                  <a:ln>
+                    <a:noFill/>
+                  </a:ln>
+                  <a:solidFill>
+                    <a:prstClr val="white"/>
+                  </a:solidFill>
+                  <a:effectLst/>
+                  <a:uLnTx/>
+                  <a:uFillTx/>
+                  <a:latin typeface="Consolas" panose="020B0609020204030204" pitchFamily="49" charset="0"/>
+                  <a:ea typeface="Segoe Pro" charset="0"/>
+                  <a:cs typeface="Segoe UI" panose="020B0502040204020203" pitchFamily="34" charset="0"/>
+                </a:rPr>
+                <a:t>, </a:t>
+              </a:r>
+              <a:r>
+                <a:rPr kumimoji="0" lang="en-US" sz="900" b="1" i="0" u="none" strike="noStrike" kern="0" cap="none" spc="0" normalizeH="0" baseline="0" noProof="0" dirty="0">
+                  <a:ln>
+                    <a:noFill/>
+                  </a:ln>
+                  <a:solidFill>
+                    <a:srgbClr val="0DDCFF"/>
+                  </a:solidFill>
+                  <a:effectLst/>
+                  <a:uLnTx/>
+                  <a:uFillTx/>
+                  <a:latin typeface="Consolas" panose="020B0609020204030204" pitchFamily="49" charset="0"/>
+                  <a:ea typeface="Segoe Pro" charset="0"/>
+                  <a:cs typeface="Segoe UI" panose="020B0502040204020203" pitchFamily="34" charset="0"/>
+                </a:rPr>
+                <a:t>FINANCIAL.CREDIT_C...</a:t>
+              </a:r>
+            </a:p>
+            <a:p>
+              <a:pPr marL="0" marR="0" lvl="0" indent="0" defTabSz="1097280" eaLnBrk="1" fontAlgn="auto" latinLnBrk="0" hangingPunct="1">
+                <a:lnSpc>
+                  <a:spcPct val="125000"/>
+                </a:lnSpc>
+                <a:spcBef>
+                  <a:spcPts val="0"/>
+                </a:spcBef>
+                <a:spcAft>
+                  <a:spcPts val="0"/>
+                </a:spcAft>
+                <a:buClrTx/>
+                <a:buSzTx/>
+                <a:buFontTx/>
+                <a:buNone/>
+                <a:tabLst/>
+                <a:defRPr/>
+              </a:pPr>
+              <a:r>
+                <a:rPr kumimoji="0" lang="en-US" sz="900" b="1" i="0" u="none" strike="noStrike" kern="0" cap="none" spc="0" normalizeH="0" baseline="0" noProof="0" dirty="0">
+                  <a:ln>
+                    <a:noFill/>
+                  </a:ln>
+                  <a:solidFill>
+                    <a:srgbClr val="0078D4"/>
+                  </a:solidFill>
+                  <a:effectLst/>
+                  <a:uLnTx/>
+                  <a:uFillTx/>
+                  <a:latin typeface="Consolas" panose="020B0609020204030204" pitchFamily="49" charset="0"/>
+                  <a:ea typeface="Segoe Pro" charset="0"/>
+                  <a:cs typeface="Segoe UI" panose="020B0502040204020203" pitchFamily="34" charset="0"/>
+                </a:rPr>
+                <a:t>2: </a:t>
+              </a:r>
+              <a:r>
+                <a:rPr kumimoji="0" lang="en-US" sz="900" b="1" i="0" u="none" strike="noStrike" kern="0" cap="none" spc="0" normalizeH="0" baseline="0" noProof="0" dirty="0" err="1">
+                  <a:ln>
+                    <a:noFill/>
+                  </a:ln>
+                  <a:solidFill>
+                    <a:prstClr val="white"/>
+                  </a:solidFill>
+                  <a:effectLst/>
+                  <a:uLnTx/>
+                  <a:uFillTx/>
+                  <a:latin typeface="Consolas" panose="020B0609020204030204" pitchFamily="49" charset="0"/>
+                  <a:ea typeface="Segoe Pro" charset="0"/>
+                  <a:cs typeface="Segoe UI" panose="020B0502040204020203" pitchFamily="34" charset="0"/>
+                </a:rPr>
+                <a:t>creditcardtype</a:t>
+              </a:r>
+              <a:r>
+                <a:rPr kumimoji="0" lang="en-US" sz="900" b="1" i="0" u="none" strike="noStrike" kern="0" cap="none" spc="0" normalizeH="0" baseline="0" noProof="0" dirty="0">
+                  <a:ln>
+                    <a:noFill/>
+                  </a:ln>
+                  <a:solidFill>
+                    <a:prstClr val="white"/>
+                  </a:solidFill>
+                  <a:effectLst/>
+                  <a:uLnTx/>
+                  <a:uFillTx/>
+                  <a:latin typeface="Consolas" panose="020B0609020204030204" pitchFamily="49" charset="0"/>
+                  <a:ea typeface="Segoe Pro" charset="0"/>
+                  <a:cs typeface="Segoe UI" panose="020B0502040204020203" pitchFamily="34" charset="0"/>
+                </a:rPr>
+                <a:t>, </a:t>
+              </a:r>
+              <a:r>
+                <a:rPr kumimoji="0" lang="en-US" sz="900" b="1" i="0" u="none" strike="noStrike" kern="0" cap="none" spc="0" normalizeH="0" baseline="0" noProof="0" dirty="0">
+                  <a:ln>
+                    <a:noFill/>
+                  </a:ln>
+                  <a:solidFill>
+                    <a:srgbClr val="0DDCFF"/>
+                  </a:solidFill>
+                  <a:effectLst/>
+                  <a:uLnTx/>
+                  <a:uFillTx/>
+                  <a:latin typeface="Consolas" panose="020B0609020204030204" pitchFamily="49" charset="0"/>
+                  <a:ea typeface="Segoe Pro" charset="0"/>
+                  <a:cs typeface="Segoe UI" panose="020B0502040204020203" pitchFamily="34" charset="0"/>
+                </a:rPr>
+                <a:t>NULL</a:t>
+              </a:r>
+            </a:p>
+            <a:p>
+              <a:pPr marL="0" marR="0" lvl="0" indent="0" defTabSz="1097280" eaLnBrk="1" fontAlgn="auto" latinLnBrk="0" hangingPunct="1">
+                <a:lnSpc>
+                  <a:spcPct val="125000"/>
+                </a:lnSpc>
+                <a:spcBef>
+                  <a:spcPts val="0"/>
+                </a:spcBef>
+                <a:spcAft>
+                  <a:spcPts val="0"/>
+                </a:spcAft>
+                <a:buClrTx/>
+                <a:buSzTx/>
+                <a:buFontTx/>
+                <a:buNone/>
+                <a:tabLst/>
+                <a:defRPr/>
+              </a:pPr>
+              <a:r>
+                <a:rPr kumimoji="0" lang="en-US" sz="900" b="1" i="0" u="none" strike="noStrike" kern="0" cap="none" spc="0" normalizeH="0" baseline="0" noProof="0" dirty="0">
+                  <a:ln>
+                    <a:noFill/>
+                  </a:ln>
+                  <a:solidFill>
+                    <a:srgbClr val="0078D4"/>
+                  </a:solidFill>
+                  <a:effectLst/>
+                  <a:uLnTx/>
+                  <a:uFillTx/>
+                  <a:latin typeface="Consolas" panose="020B0609020204030204" pitchFamily="49" charset="0"/>
+                  <a:ea typeface="Segoe Pro" charset="0"/>
+                  <a:cs typeface="Segoe UI" panose="020B0502040204020203" pitchFamily="34" charset="0"/>
+                </a:rPr>
+                <a:t>3: </a:t>
+              </a:r>
+              <a:r>
+                <a:rPr kumimoji="0" lang="en-US" sz="900" b="1" i="0" u="none" strike="noStrike" kern="0" cap="none" spc="0" normalizeH="0" baseline="0" noProof="0" dirty="0">
+                  <a:ln>
+                    <a:noFill/>
+                  </a:ln>
+                  <a:solidFill>
+                    <a:prstClr val="white"/>
+                  </a:solidFill>
+                  <a:effectLst/>
+                  <a:uLnTx/>
+                  <a:uFillTx/>
+                  <a:latin typeface="Consolas" panose="020B0609020204030204" pitchFamily="49" charset="0"/>
+                  <a:ea typeface="Segoe Pro" charset="0"/>
+                  <a:cs typeface="Segoe UI" panose="020B0502040204020203" pitchFamily="34" charset="0"/>
+                </a:rPr>
+                <a:t>amount, </a:t>
+              </a:r>
+              <a:r>
+                <a:rPr kumimoji="0" lang="en-US" sz="900" b="1" i="0" u="none" strike="noStrike" kern="0" cap="none" spc="0" normalizeH="0" baseline="0" noProof="0" dirty="0">
+                  <a:ln>
+                    <a:noFill/>
+                  </a:ln>
+                  <a:solidFill>
+                    <a:srgbClr val="0DDCFF"/>
+                  </a:solidFill>
+                  <a:effectLst/>
+                  <a:uLnTx/>
+                  <a:uFillTx/>
+                  <a:latin typeface="Consolas" panose="020B0609020204030204" pitchFamily="49" charset="0"/>
+                  <a:ea typeface="Segoe Pro" charset="0"/>
+                  <a:cs typeface="Segoe UI" panose="020B0502040204020203" pitchFamily="34" charset="0"/>
+                </a:rPr>
+                <a:t>NULL</a:t>
+              </a:r>
+            </a:p>
+          </p:txBody>
+        </p:sp>
+        <p:sp>
+          <p:nvSpPr>
+            <p:cNvPr id="143" name="TextBox 142">
+              <a:extLst>
+                <a:ext uri="{FF2B5EF4-FFF2-40B4-BE49-F238E27FC236}">
+                  <a16:creationId xmlns:a16="http://schemas.microsoft.com/office/drawing/2014/main" id="{7DE24D27-5C8E-47BA-8D2C-C09B7A13AB11}"/>
+                </a:ext>
+              </a:extLst>
+            </p:cNvPr>
+            <p:cNvSpPr txBox="1"/>
+            <p:nvPr/>
+          </p:nvSpPr>
+          <p:spPr>
+            <a:xfrm>
+              <a:off x="9412415" y="1141844"/>
+              <a:ext cx="1206594" cy="201658"/>
+            </a:xfrm>
+            <a:prstGeom prst="rect">
+              <a:avLst/>
+            </a:prstGeom>
+            <a:noFill/>
+          </p:spPr>
+          <p:txBody>
+            <a:bodyPr wrap="square" tIns="0" bIns="0" rtlCol="0">
+              <a:spAutoFit/>
+            </a:bodyPr>
+            <a:lstStyle/>
+            <a:p>
+              <a:pPr marL="0" marR="0" lvl="0" indent="0" defTabSz="1097280" eaLnBrk="1" fontAlgn="auto" latinLnBrk="0" hangingPunct="1">
+                <a:lnSpc>
+                  <a:spcPct val="125000"/>
+                </a:lnSpc>
+                <a:spcBef>
+                  <a:spcPts val="0"/>
+                </a:spcBef>
+                <a:spcAft>
+                  <a:spcPts val="0"/>
+                </a:spcAft>
+                <a:buClrTx/>
+                <a:buSzTx/>
+                <a:buFontTx/>
+                <a:buNone/>
+                <a:tabLst/>
+                <a:defRPr/>
+              </a:pPr>
+              <a:r>
+                <a:rPr kumimoji="0" lang="en-US" sz="1150" b="1" i="0" u="none" strike="noStrike" kern="0" cap="none" spc="0" normalizeH="0" baseline="0" noProof="0" dirty="0">
+                  <a:ln>
+                    <a:noFill/>
+                  </a:ln>
+                  <a:solidFill>
+                    <a:prstClr val="white"/>
+                  </a:solidFill>
+                  <a:effectLst/>
+                  <a:uLnTx/>
+                  <a:uFillTx/>
+                  <a:latin typeface="Cascadia Code" panose="020B0609020000020004" pitchFamily="49" charset="0"/>
+                  <a:ea typeface="Segoe Pro" charset="0"/>
+                  <a:cs typeface="Cascadia Code" panose="020B0609020000020004" pitchFamily="49" charset="0"/>
+                </a:rPr>
+                <a:t>schema</a:t>
+              </a:r>
+            </a:p>
+          </p:txBody>
+        </p:sp>
+        <p:sp>
+          <p:nvSpPr>
+            <p:cNvPr id="144" name="TextBox 143">
+              <a:extLst>
+                <a:ext uri="{FF2B5EF4-FFF2-40B4-BE49-F238E27FC236}">
+                  <a16:creationId xmlns:a16="http://schemas.microsoft.com/office/drawing/2014/main" id="{627E74B8-F7C0-4D16-8720-78EFD30ED364}"/>
+                </a:ext>
+              </a:extLst>
+            </p:cNvPr>
+            <p:cNvSpPr txBox="1"/>
+            <p:nvPr/>
+          </p:nvSpPr>
+          <p:spPr>
+            <a:xfrm>
+              <a:off x="9382147" y="2437073"/>
+              <a:ext cx="2518301" cy="159531"/>
+            </a:xfrm>
+            <a:prstGeom prst="rect">
+              <a:avLst/>
+            </a:prstGeom>
+            <a:noFill/>
+          </p:spPr>
+          <p:txBody>
+            <a:bodyPr wrap="square" tIns="0" bIns="0" rtlCol="0">
+              <a:spAutoFit/>
+            </a:bodyPr>
+            <a:lstStyle/>
+            <a:p>
+              <a:pPr marL="0" marR="0" lvl="0" indent="0" defTabSz="1097280" eaLnBrk="1" fontAlgn="auto" latinLnBrk="0" hangingPunct="1">
+                <a:lnSpc>
+                  <a:spcPct val="125000"/>
+                </a:lnSpc>
+                <a:spcBef>
+                  <a:spcPts val="0"/>
+                </a:spcBef>
+                <a:spcAft>
+                  <a:spcPts val="0"/>
+                </a:spcAft>
+                <a:buClrTx/>
+                <a:buSzTx/>
+                <a:buFontTx/>
+                <a:buNone/>
+                <a:tabLst/>
+                <a:defRPr/>
+              </a:pPr>
+              <a:r>
+                <a:rPr kumimoji="0" lang="en-US" sz="900" b="1" i="0" u="none" strike="noStrike" kern="0" cap="none" spc="0" normalizeH="0" baseline="0" noProof="0" dirty="0">
+                  <a:ln>
+                    <a:noFill/>
+                  </a:ln>
+                  <a:solidFill>
+                    <a:prstClr val="white"/>
+                  </a:solidFill>
+                  <a:effectLst/>
+                  <a:uLnTx/>
+                  <a:uFillTx/>
+                  <a:latin typeface="Consolas" panose="020B0609020204030204" pitchFamily="49" charset="0"/>
+                  <a:ea typeface="Segoe Pro" charset="0"/>
+                  <a:cs typeface="Segoe UI" panose="020B0502040204020203" pitchFamily="34" charset="0"/>
+                </a:rPr>
+                <a:t>[["</a:t>
+              </a:r>
+              <a:r>
+                <a:rPr kumimoji="0" lang="en-US" sz="900" b="1" i="0" u="none" strike="noStrike" kern="0" cap="none" spc="0" normalizeH="0" baseline="0" noProof="0" dirty="0" err="1">
+                  <a:ln>
+                    <a:noFill/>
+                  </a:ln>
+                  <a:solidFill>
+                    <a:prstClr val="white"/>
+                  </a:solidFill>
+                  <a:effectLst/>
+                  <a:uLnTx/>
+                  <a:uFillTx/>
+                  <a:latin typeface="Consolas" panose="020B0609020204030204" pitchFamily="49" charset="0"/>
+                  <a:ea typeface="Segoe Pro" charset="0"/>
+                  <a:cs typeface="Segoe UI" panose="020B0502040204020203" pitchFamily="34" charset="0"/>
+                </a:rPr>
+                <a:t>ip_address","PERSONAL</a:t>
+              </a:r>
+              <a:r>
+                <a:rPr kumimoji="0" lang="en-US" sz="900" b="1" i="0" u="none" strike="noStrike" kern="0" cap="none" spc="0" normalizeH="0" baseline="0" noProof="0" dirty="0">
+                  <a:ln>
+                    <a:noFill/>
+                  </a:ln>
+                  <a:solidFill>
+                    <a:prstClr val="white"/>
+                  </a:solidFill>
+                  <a:effectLst/>
+                  <a:uLnTx/>
+                  <a:uFillTx/>
+                  <a:latin typeface="Consolas" panose="020B0609020204030204" pitchFamily="49" charset="0"/>
+                  <a:ea typeface="Segoe Pro" charset="0"/>
+                  <a:cs typeface="Segoe UI" panose="020B0502040204020203" pitchFamily="34" charset="0"/>
+                </a:rPr>
+                <a:t>.IPADDRES...</a:t>
+              </a:r>
+            </a:p>
+          </p:txBody>
+        </p:sp>
+        <p:sp>
+          <p:nvSpPr>
+            <p:cNvPr id="145" name="TextBox 144">
+              <a:extLst>
+                <a:ext uri="{FF2B5EF4-FFF2-40B4-BE49-F238E27FC236}">
+                  <a16:creationId xmlns:a16="http://schemas.microsoft.com/office/drawing/2014/main" id="{7AAE6D4F-1EDC-4D2E-B1A4-8A4483E76AC2}"/>
+                </a:ext>
+              </a:extLst>
+            </p:cNvPr>
+            <p:cNvSpPr txBox="1"/>
+            <p:nvPr/>
+          </p:nvSpPr>
+          <p:spPr>
+            <a:xfrm>
+              <a:off x="9372334" y="2763722"/>
+              <a:ext cx="2518301" cy="159531"/>
+            </a:xfrm>
+            <a:prstGeom prst="rect">
+              <a:avLst/>
+            </a:prstGeom>
+            <a:noFill/>
+          </p:spPr>
+          <p:txBody>
+            <a:bodyPr wrap="square" tIns="0" bIns="0" rtlCol="0">
+              <a:spAutoFit/>
+            </a:bodyPr>
+            <a:lstStyle/>
+            <a:p>
+              <a:pPr marL="0" marR="0" lvl="0" indent="0" defTabSz="1097280" eaLnBrk="1" fontAlgn="auto" latinLnBrk="0" hangingPunct="1">
+                <a:lnSpc>
+                  <a:spcPct val="125000"/>
+                </a:lnSpc>
+                <a:spcBef>
+                  <a:spcPts val="0"/>
+                </a:spcBef>
+                <a:spcAft>
+                  <a:spcPts val="0"/>
+                </a:spcAft>
+                <a:buClrTx/>
+                <a:buSzTx/>
+                <a:buFontTx/>
+                <a:buNone/>
+                <a:tabLst/>
+                <a:defRPr/>
+              </a:pPr>
+              <a:r>
+                <a:rPr kumimoji="0" lang="en-US" sz="900" b="1" i="0" u="none" strike="noStrike" kern="0" cap="none" spc="0" normalizeH="0" baseline="0" noProof="0" dirty="0">
+                  <a:ln>
+                    <a:noFill/>
+                  </a:ln>
+                  <a:solidFill>
+                    <a:prstClr val="white"/>
+                  </a:solidFill>
+                  <a:effectLst/>
+                  <a:uLnTx/>
+                  <a:uFillTx/>
+                  <a:latin typeface="Consolas" panose="020B0609020204030204" pitchFamily="49" charset="0"/>
+                  <a:ea typeface="Segoe Pro" charset="0"/>
+                  <a:cs typeface="Segoe UI" panose="020B0502040204020203" pitchFamily="34" charset="0"/>
+                </a:rPr>
+                <a:t>"[["</a:t>
+              </a:r>
+              <a:r>
+                <a:rPr kumimoji="0" lang="en-US" sz="900" b="1" i="0" u="none" strike="noStrike" kern="0" cap="none" spc="0" normalizeH="0" baseline="0" noProof="0" dirty="0" err="1">
+                  <a:ln>
+                    <a:noFill/>
+                  </a:ln>
+                  <a:solidFill>
+                    <a:prstClr val="white"/>
+                  </a:solidFill>
+                  <a:effectLst/>
+                  <a:uLnTx/>
+                  <a:uFillTx/>
+                  <a:latin typeface="Consolas" panose="020B0609020204030204" pitchFamily="49" charset="0"/>
+                  <a:ea typeface="Segoe Pro" charset="0"/>
+                  <a:cs typeface="Segoe UI" panose="020B0502040204020203" pitchFamily="34" charset="0"/>
+                </a:rPr>
+                <a:t>id",null</a:t>
+              </a:r>
+              <a:r>
+                <a:rPr kumimoji="0" lang="en-US" sz="900" b="1" i="0" u="none" strike="noStrike" kern="0" cap="none" spc="0" normalizeH="0" baseline="0" noProof="0" dirty="0">
+                  <a:ln>
+                    <a:noFill/>
+                  </a:ln>
+                  <a:solidFill>
+                    <a:prstClr val="white"/>
+                  </a:solidFill>
+                  <a:effectLst/>
+                  <a:uLnTx/>
+                  <a:uFillTx/>
+                  <a:latin typeface="Consolas" panose="020B0609020204030204" pitchFamily="49" charset="0"/>
+                  <a:ea typeface="Segoe Pro" charset="0"/>
+                  <a:cs typeface="Segoe UI" panose="020B0502040204020203" pitchFamily="34" charset="0"/>
+                </a:rPr>
+                <a:t>],["IBAN",“FINANCIAL...</a:t>
+              </a:r>
+            </a:p>
+          </p:txBody>
+        </p:sp>
+      </p:grpSp>
+      <p:sp>
+        <p:nvSpPr>
+          <p:cNvPr id="11" name="TextBox 10">
+            <a:extLst>
+              <a:ext uri="{FF2B5EF4-FFF2-40B4-BE49-F238E27FC236}">
+                <a16:creationId xmlns:a16="http://schemas.microsoft.com/office/drawing/2014/main" id="{78B3853E-A9BC-4D6D-85C3-0B027A3F7D24}"/>
+              </a:ext>
+            </a:extLst>
+          </p:cNvPr>
+          <p:cNvSpPr txBox="1"/>
+          <p:nvPr/>
+        </p:nvSpPr>
+        <p:spPr>
+          <a:xfrm>
+            <a:off x="237271" y="1995417"/>
+            <a:ext cx="634471" cy="200055"/>
+          </a:xfrm>
+          <a:prstGeom prst="rect">
+            <a:avLst/>
+          </a:prstGeom>
+          <a:noFill/>
+        </p:spPr>
+        <p:txBody>
+          <a:bodyPr wrap="square" anchor="ctr">
+            <a:spAutoFit/>
+          </a:bodyPr>
+          <a:lstStyle/>
+          <a:p>
+            <a:pPr algn="ctr"/>
+            <a:r>
+              <a:rPr lang="en-US" sz="700" b="1" dirty="0">
+                <a:solidFill>
+                  <a:srgbClr val="50E6FF"/>
+                </a:solidFill>
+                <a:latin typeface="+mj-lt"/>
+                <a:cs typeface="Cascadia Mono PL" pitchFamily="1" charset="0"/>
+              </a:rPr>
+              <a:t>Data Lake</a:t>
+            </a:r>
+          </a:p>
+        </p:txBody>
+      </p:sp>
+      <p:grpSp>
+        <p:nvGrpSpPr>
+          <p:cNvPr id="237" name="Group 236">
+            <a:extLst>
+              <a:ext uri="{FF2B5EF4-FFF2-40B4-BE49-F238E27FC236}">
+                <a16:creationId xmlns:a16="http://schemas.microsoft.com/office/drawing/2014/main" id="{E596BFA2-DA9D-4991-AD4F-A41349EB12AC}"/>
+              </a:ext>
+            </a:extLst>
+          </p:cNvPr>
+          <p:cNvGrpSpPr/>
+          <p:nvPr/>
+        </p:nvGrpSpPr>
+        <p:grpSpPr>
+          <a:xfrm>
+            <a:off x="5572747" y="1729595"/>
+            <a:ext cx="1337335" cy="182651"/>
+            <a:chOff x="5633707" y="1527665"/>
+            <a:chExt cx="1337335" cy="182651"/>
+          </a:xfrm>
+        </p:grpSpPr>
+        <p:sp>
+          <p:nvSpPr>
+            <p:cNvPr id="230" name="Rectangle: Rounded Corners 229">
+              <a:extLst>
+                <a:ext uri="{FF2B5EF4-FFF2-40B4-BE49-F238E27FC236}">
+                  <a16:creationId xmlns:a16="http://schemas.microsoft.com/office/drawing/2014/main" id="{8026B7BA-5FA2-403F-AFF4-C648E53EF6A8}"/>
+                </a:ext>
+              </a:extLst>
+            </p:cNvPr>
+            <p:cNvSpPr/>
+            <p:nvPr/>
+          </p:nvSpPr>
+          <p:spPr bwMode="auto">
+            <a:xfrm>
+              <a:off x="5633707" y="1527665"/>
+              <a:ext cx="1298588" cy="182651"/>
+            </a:xfrm>
+            <a:prstGeom prst="roundRect">
+              <a:avLst>
+                <a:gd name="adj" fmla="val 50000"/>
+              </a:avLst>
+            </a:prstGeom>
+            <a:solidFill>
+              <a:schemeClr val="tx1">
+                <a:alpha val="50000"/>
+              </a:schemeClr>
+            </a:solidFill>
+            <a:ln>
+              <a:noFill/>
+              <a:headEnd type="none" w="med" len="med"/>
+              <a:tailEnd type="none" w="med" len="med"/>
+            </a:ln>
+            <a:effectLst/>
+          </p:spPr>
+          <p:style>
+            <a:lnRef idx="1">
+              <a:schemeClr val="accent2"/>
+            </a:lnRef>
+            <a:fillRef idx="3">
+              <a:schemeClr val="accent2"/>
+            </a:fillRef>
+            <a:effectRef idx="2">
+              <a:schemeClr val="accent2"/>
+            </a:effectRef>
+            <a:fontRef idx="minor">
+              <a:schemeClr val="lt1"/>
+            </a:fontRef>
+          </p:style>
+          <p:txBody>
+            <a:bodyPr rot="0" spcFirstLastPara="0" vertOverflow="overflow" horzOverflow="overflow" vert="horz" wrap="square" lIns="182880" tIns="146304" rIns="182880" bIns="146304" numCol="1" spcCol="0" rtlCol="0" fromWordArt="0" anchor="t" anchorCtr="0" forceAA="0" compatLnSpc="1">
+              <a:prstTxWarp prst="textNoShape">
+                <a:avLst/>
+              </a:prstTxWarp>
+              <a:noAutofit/>
+            </a:bodyPr>
+            <a:lstStyle/>
+            <a:p>
+              <a:pPr algn="l" defTabSz="932472" fontAlgn="base">
+                <a:spcBef>
+                  <a:spcPct val="0"/>
+                </a:spcBef>
+                <a:spcAft>
+                  <a:spcPct val="0"/>
+                </a:spcAft>
+              </a:pPr>
+              <a:endParaRPr lang="en-CA" sz="2000" dirty="0" err="1">
+                <a:gradFill>
+                  <a:gsLst>
+                    <a:gs pos="0">
+                      <a:srgbClr val="FFFFFF"/>
+                    </a:gs>
+                    <a:gs pos="100000">
+                      <a:srgbClr val="FFFFFF"/>
+                    </a:gs>
+                  </a:gsLst>
+                  <a:lin ang="5400000" scaled="0"/>
+                </a:gradFill>
+                <a:ea typeface="Segoe UI" pitchFamily="34" charset="0"/>
+                <a:cs typeface="Segoe UI" pitchFamily="34" charset="0"/>
+              </a:endParaRPr>
+            </a:p>
+          </p:txBody>
+        </p:sp>
+        <p:pic>
+          <p:nvPicPr>
+            <p:cNvPr id="234" name="Graphic 233">
+              <a:extLst>
+                <a:ext uri="{FF2B5EF4-FFF2-40B4-BE49-F238E27FC236}">
+                  <a16:creationId xmlns:a16="http://schemas.microsoft.com/office/drawing/2014/main" id="{C1EA236C-0E4D-42B6-9D9A-44E2E204C28F}"/>
+                </a:ext>
+              </a:extLst>
+            </p:cNvPr>
+            <p:cNvPicPr>
+              <a:picLocks noChangeAspect="1"/>
+            </p:cNvPicPr>
+            <p:nvPr/>
+          </p:nvPicPr>
+          <p:blipFill>
+            <a:blip r:embed="rId14">
+              <a:extLst>
+                <a:ext uri="{28A0092B-C50C-407E-A947-70E740481C1C}">
+                  <a14:useLocalDpi xmlns:a14="http://schemas.microsoft.com/office/drawing/2010/main" val="0"/>
+                </a:ext>
+                <a:ext uri="{96DAC541-7B7A-43D3-8B79-37D633B846F1}">
+                  <asvg:svgBlip xmlns:asvg="http://schemas.microsoft.com/office/drawing/2016/SVG/main" r:embed="rId15"/>
+                </a:ext>
+              </a:extLst>
+            </a:blip>
+            <a:stretch>
+              <a:fillRect/>
+            </a:stretch>
+          </p:blipFill>
+          <p:spPr>
+            <a:xfrm>
+              <a:off x="5682216" y="1555392"/>
+              <a:ext cx="115293" cy="115293"/>
+            </a:xfrm>
+            <a:prstGeom prst="rect">
+              <a:avLst/>
+            </a:prstGeom>
+            <a:effectLst/>
+          </p:spPr>
+        </p:pic>
+        <p:sp>
+          <p:nvSpPr>
+            <p:cNvPr id="236" name="TextBox 235">
+              <a:extLst>
+                <a:ext uri="{FF2B5EF4-FFF2-40B4-BE49-F238E27FC236}">
+                  <a16:creationId xmlns:a16="http://schemas.microsoft.com/office/drawing/2014/main" id="{59EDBE9C-5A64-494F-B048-AF8DE0421B64}"/>
+                </a:ext>
+              </a:extLst>
+            </p:cNvPr>
+            <p:cNvSpPr txBox="1"/>
+            <p:nvPr/>
+          </p:nvSpPr>
+          <p:spPr>
+            <a:xfrm>
+              <a:off x="5741768" y="1536894"/>
+              <a:ext cx="1229274" cy="124073"/>
+            </a:xfrm>
+            <a:prstGeom prst="rect">
+              <a:avLst/>
+            </a:prstGeom>
+            <a:noFill/>
+          </p:spPr>
+          <p:txBody>
+            <a:bodyPr wrap="square" tIns="0" bIns="0" rtlCol="0">
+              <a:spAutoFit/>
+            </a:bodyPr>
+            <a:lstStyle/>
+            <a:p>
+              <a:pPr marL="0" marR="0" lvl="0" indent="0" defTabSz="1097280" eaLnBrk="1" fontAlgn="auto" latinLnBrk="0" hangingPunct="1">
+                <a:lnSpc>
+                  <a:spcPct val="125000"/>
+                </a:lnSpc>
+                <a:spcBef>
+                  <a:spcPts val="0"/>
+                </a:spcBef>
+                <a:spcAft>
+                  <a:spcPts val="0"/>
+                </a:spcAft>
+                <a:buClrTx/>
+                <a:buSzTx/>
+                <a:buFontTx/>
+                <a:buNone/>
+                <a:tabLst/>
+                <a:defRPr/>
+              </a:pPr>
+              <a:r>
+                <a:rPr kumimoji="0" lang="en-US" sz="700" b="1" i="0" u="none" strike="noStrike" kern="0" cap="none" spc="0" normalizeH="0" baseline="0" noProof="0" dirty="0">
+                  <a:ln>
+                    <a:noFill/>
+                  </a:ln>
+                  <a:solidFill>
+                    <a:prstClr val="white"/>
+                  </a:solidFill>
+                  <a:effectLst/>
+                  <a:uLnTx/>
+                  <a:uFillTx/>
+                  <a:latin typeface="Consolas" panose="020B0609020204030204" pitchFamily="49" charset="0"/>
+                  <a:ea typeface="Segoe Pro" charset="0"/>
+                  <a:cs typeface="Segoe UI" panose="020B0502040204020203" pitchFamily="34" charset="0"/>
+                </a:rPr>
+                <a:t>get-schema-purview.py</a:t>
+              </a:r>
+            </a:p>
+          </p:txBody>
+        </p:sp>
+      </p:grpSp>
+      <p:grpSp>
+        <p:nvGrpSpPr>
+          <p:cNvPr id="247" name="Group 246">
+            <a:extLst>
+              <a:ext uri="{FF2B5EF4-FFF2-40B4-BE49-F238E27FC236}">
+                <a16:creationId xmlns:a16="http://schemas.microsoft.com/office/drawing/2014/main" id="{72E95F9C-0B72-4AB5-A695-0460568EEA3D}"/>
+              </a:ext>
+            </a:extLst>
+          </p:cNvPr>
+          <p:cNvGrpSpPr/>
+          <p:nvPr/>
+        </p:nvGrpSpPr>
+        <p:grpSpPr>
+          <a:xfrm>
+            <a:off x="6919035" y="1266510"/>
+            <a:ext cx="591120" cy="556560"/>
+            <a:chOff x="6919035" y="1266510"/>
+            <a:chExt cx="591120" cy="556560"/>
+          </a:xfrm>
+        </p:grpSpPr>
+        <mc:AlternateContent xmlns:mc="http://schemas.openxmlformats.org/markup-compatibility/2006">
+          <mc:Choice xmlns:p14="http://schemas.microsoft.com/office/powerpoint/2010/main" Requires="p14">
+            <p:contentPart p14:bwMode="auto" r:id="rId16">
+              <p14:nvContentPartPr>
+                <p14:cNvPr id="245" name="Ink 244">
+                  <a:extLst>
+                    <a:ext uri="{FF2B5EF4-FFF2-40B4-BE49-F238E27FC236}">
+                      <a16:creationId xmlns:a16="http://schemas.microsoft.com/office/drawing/2014/main" id="{ED423B66-FF55-4E6A-9DE5-7CB1AD102D71}"/>
+                    </a:ext>
+                  </a:extLst>
+                </p14:cNvPr>
+                <p14:cNvContentPartPr/>
+                <p14:nvPr/>
+              </p14:nvContentPartPr>
+              <p14:xfrm>
+                <a:off x="6934875" y="1266510"/>
+                <a:ext cx="575280" cy="551880"/>
+              </p14:xfrm>
+            </p:contentPart>
+          </mc:Choice>
+          <mc:Fallback>
+            <p:pic>
+              <p:nvPicPr>
+                <p:cNvPr id="245" name="Ink 244">
+                  <a:extLst>
+                    <a:ext uri="{FF2B5EF4-FFF2-40B4-BE49-F238E27FC236}">
+                      <a16:creationId xmlns:a16="http://schemas.microsoft.com/office/drawing/2014/main" id="{ED423B66-FF55-4E6A-9DE5-7CB1AD102D71}"/>
+                    </a:ext>
+                  </a:extLst>
+                </p:cNvPr>
+                <p:cNvPicPr/>
+                <p:nvPr/>
+              </p:nvPicPr>
+              <p:blipFill>
+                <a:blip r:embed="rId17"/>
+                <a:stretch>
+                  <a:fillRect/>
+                </a:stretch>
+              </p:blipFill>
+              <p:spPr>
+                <a:xfrm>
+                  <a:off x="6926235" y="1257870"/>
+                  <a:ext cx="592920" cy="569520"/>
+                </a:xfrm>
+                <a:prstGeom prst="rect">
+                  <a:avLst/>
+                </a:prstGeom>
+              </p:spPr>
+            </p:pic>
+          </mc:Fallback>
+        </mc:AlternateContent>
+        <mc:AlternateContent xmlns:mc="http://schemas.openxmlformats.org/markup-compatibility/2006">
+          <mc:Choice xmlns:p14="http://schemas.microsoft.com/office/powerpoint/2010/main" Requires="p14">
+            <p:contentPart p14:bwMode="auto" r:id="rId18">
+              <p14:nvContentPartPr>
+                <p14:cNvPr id="246" name="Ink 245">
+                  <a:extLst>
+                    <a:ext uri="{FF2B5EF4-FFF2-40B4-BE49-F238E27FC236}">
+                      <a16:creationId xmlns:a16="http://schemas.microsoft.com/office/drawing/2014/main" id="{FC39CC85-B40D-4E35-BFCF-2454DBD7D110}"/>
+                    </a:ext>
+                  </a:extLst>
+                </p14:cNvPr>
+                <p14:cNvContentPartPr/>
+                <p14:nvPr/>
+              </p14:nvContentPartPr>
+              <p14:xfrm>
+                <a:off x="6919035" y="1751790"/>
+                <a:ext cx="69120" cy="71280"/>
+              </p14:xfrm>
+            </p:contentPart>
+          </mc:Choice>
+          <mc:Fallback>
+            <p:pic>
+              <p:nvPicPr>
+                <p:cNvPr id="246" name="Ink 245">
+                  <a:extLst>
+                    <a:ext uri="{FF2B5EF4-FFF2-40B4-BE49-F238E27FC236}">
+                      <a16:creationId xmlns:a16="http://schemas.microsoft.com/office/drawing/2014/main" id="{FC39CC85-B40D-4E35-BFCF-2454DBD7D110}"/>
+                    </a:ext>
+                  </a:extLst>
+                </p:cNvPr>
+                <p:cNvPicPr/>
+                <p:nvPr/>
+              </p:nvPicPr>
+              <p:blipFill>
+                <a:blip r:embed="rId19"/>
+                <a:stretch>
+                  <a:fillRect/>
+                </a:stretch>
+              </p:blipFill>
+              <p:spPr>
+                <a:xfrm>
+                  <a:off x="6910395" y="1743150"/>
+                  <a:ext cx="86760" cy="88920"/>
+                </a:xfrm>
+                <a:prstGeom prst="rect">
+                  <a:avLst/>
+                </a:prstGeom>
+              </p:spPr>
+            </p:pic>
+          </mc:Fallback>
+        </mc:AlternateContent>
+      </p:grpSp>
+      <p:sp>
+        <p:nvSpPr>
+          <p:cNvPr id="249" name="TextBox 248">
+            <a:extLst>
+              <a:ext uri="{FF2B5EF4-FFF2-40B4-BE49-F238E27FC236}">
+                <a16:creationId xmlns:a16="http://schemas.microsoft.com/office/drawing/2014/main" id="{D5E63FE5-DDB1-4B7B-8FA3-8811AAB9FED4}"/>
+              </a:ext>
+            </a:extLst>
+          </p:cNvPr>
+          <p:cNvSpPr txBox="1"/>
+          <p:nvPr/>
+        </p:nvSpPr>
+        <p:spPr>
+          <a:xfrm>
+            <a:off x="7493496" y="1116404"/>
+            <a:ext cx="861456" cy="248338"/>
+          </a:xfrm>
+          <a:prstGeom prst="rect">
+            <a:avLst/>
+          </a:prstGeom>
+          <a:noFill/>
+        </p:spPr>
+        <p:txBody>
+          <a:bodyPr wrap="square">
+            <a:spAutoFit/>
+          </a:bodyPr>
+          <a:lstStyle/>
+          <a:p>
+            <a:pPr marL="0" marR="0" lvl="0" indent="0" defTabSz="1097280" eaLnBrk="1" fontAlgn="auto" latinLnBrk="0" hangingPunct="1">
+              <a:lnSpc>
+                <a:spcPct val="125000"/>
+              </a:lnSpc>
+              <a:spcBef>
+                <a:spcPts val="0"/>
+              </a:spcBef>
+              <a:spcAft>
+                <a:spcPts val="0"/>
+              </a:spcAft>
+              <a:buClrTx/>
+              <a:buSzTx/>
+              <a:buFontTx/>
+              <a:buNone/>
+              <a:tabLst/>
+              <a:defRPr/>
+            </a:pPr>
+            <a:r>
+              <a:rPr kumimoji="0" lang="en-US" sz="900" i="0" u="none" strike="noStrike" kern="0" cap="none" spc="0" normalizeH="0" baseline="0" noProof="0" dirty="0">
+                <a:ln>
+                  <a:noFill/>
+                </a:ln>
+                <a:solidFill>
+                  <a:prstClr val="white"/>
+                </a:solidFill>
+                <a:effectLst/>
+                <a:uLnTx/>
+                <a:uFillTx/>
+                <a:ea typeface="Segoe Pro" charset="0"/>
+                <a:cs typeface="Segoe UI" panose="020B0502040204020203" pitchFamily="34" charset="0"/>
+              </a:rPr>
+              <a:t>Python Script</a:t>
+            </a:r>
+          </a:p>
+        </p:txBody>
+      </p:sp>
+    </p:spTree>
+    <p:extLst>
+      <p:ext uri="{BB962C8B-B14F-4D97-AF65-F5344CB8AC3E}">
+        <p14:creationId xmlns:p14="http://schemas.microsoft.com/office/powerpoint/2010/main" val="2130925660"/>
+      </p:ext>
+    </p:extLst>
+  </p:cSld>
+  <p:clrMapOvr>
+    <a:masterClrMapping/>
+  </p:clrMapOvr>
+  <p:transition>
+    <p:fade/>
+  </p:transition>
+</p:sld>
+</file>
+
 <file path=ppt/theme/theme1.xml><?xml version="1.0" encoding="utf-8"?>
 <a:theme xmlns:a="http://schemas.openxmlformats.org/drawingml/2006/main" name="1_Black Template">
   <a:themeElements>
